--- a/rabbit-foxes.pptx
+++ b/rabbit-foxes.pptx
@@ -5,10 +5,15 @@
     <p:sldMasterId id="2147483648" r:id="rId1"/>
   </p:sldMasterIdLst>
   <p:sldIdLst>
-    <p:sldId id="256" r:id="rId2"/>
-    <p:sldId id="257" r:id="rId3"/>
-    <p:sldId id="258" r:id="rId4"/>
-    <p:sldId id="259" r:id="rId5"/>
+    <p:sldId id="261" r:id="rId2"/>
+    <p:sldId id="262" r:id="rId3"/>
+    <p:sldId id="263" r:id="rId4"/>
+    <p:sldId id="264" r:id="rId5"/>
+    <p:sldId id="256" r:id="rId6"/>
+    <p:sldId id="257" r:id="rId7"/>
+    <p:sldId id="258" r:id="rId8"/>
+    <p:sldId id="259" r:id="rId9"/>
+    <p:sldId id="260" r:id="rId10"/>
   </p:sldIdLst>
   <p:sldSz cx="9144000" cy="6858000" type="screen4x3"/>
   <p:notesSz cx="6858000" cy="9144000"/>
@@ -291,7 +296,7 @@
           <a:p>
             <a:fld id="{B4C71EC6-210F-42DE-9C53-41977AD35B3D}" type="datetimeFigureOut">
               <a:rPr lang="ru-RU" smtClean="0"/>
-              <a:t>16.11.2015</a:t>
+              <a:t>17.11.2015</a:t>
             </a:fld>
             <a:endParaRPr lang="ru-RU"/>
           </a:p>
@@ -456,7 +461,7 @@
           <a:p>
             <a:fld id="{B4C71EC6-210F-42DE-9C53-41977AD35B3D}" type="datetimeFigureOut">
               <a:rPr lang="ru-RU" smtClean="0"/>
-              <a:t>16.11.2015</a:t>
+              <a:t>17.11.2015</a:t>
             </a:fld>
             <a:endParaRPr lang="ru-RU"/>
           </a:p>
@@ -631,7 +636,7 @@
           <a:p>
             <a:fld id="{B4C71EC6-210F-42DE-9C53-41977AD35B3D}" type="datetimeFigureOut">
               <a:rPr lang="ru-RU" smtClean="0"/>
-              <a:t>16.11.2015</a:t>
+              <a:t>17.11.2015</a:t>
             </a:fld>
             <a:endParaRPr lang="ru-RU"/>
           </a:p>
@@ -796,7 +801,7 @@
           <a:p>
             <a:fld id="{B4C71EC6-210F-42DE-9C53-41977AD35B3D}" type="datetimeFigureOut">
               <a:rPr lang="ru-RU" smtClean="0"/>
-              <a:t>16.11.2015</a:t>
+              <a:t>17.11.2015</a:t>
             </a:fld>
             <a:endParaRPr lang="ru-RU"/>
           </a:p>
@@ -1037,7 +1042,7 @@
           <a:p>
             <a:fld id="{B4C71EC6-210F-42DE-9C53-41977AD35B3D}" type="datetimeFigureOut">
               <a:rPr lang="ru-RU" smtClean="0"/>
-              <a:t>16.11.2015</a:t>
+              <a:t>17.11.2015</a:t>
             </a:fld>
             <a:endParaRPr lang="ru-RU"/>
           </a:p>
@@ -1320,7 +1325,7 @@
           <a:p>
             <a:fld id="{B4C71EC6-210F-42DE-9C53-41977AD35B3D}" type="datetimeFigureOut">
               <a:rPr lang="ru-RU" smtClean="0"/>
-              <a:t>16.11.2015</a:t>
+              <a:t>17.11.2015</a:t>
             </a:fld>
             <a:endParaRPr lang="ru-RU"/>
           </a:p>
@@ -1737,7 +1742,7 @@
           <a:p>
             <a:fld id="{B4C71EC6-210F-42DE-9C53-41977AD35B3D}" type="datetimeFigureOut">
               <a:rPr lang="ru-RU" smtClean="0"/>
-              <a:t>16.11.2015</a:t>
+              <a:t>17.11.2015</a:t>
             </a:fld>
             <a:endParaRPr lang="ru-RU"/>
           </a:p>
@@ -1850,7 +1855,7 @@
           <a:p>
             <a:fld id="{B4C71EC6-210F-42DE-9C53-41977AD35B3D}" type="datetimeFigureOut">
               <a:rPr lang="ru-RU" smtClean="0"/>
-              <a:t>16.11.2015</a:t>
+              <a:t>17.11.2015</a:t>
             </a:fld>
             <a:endParaRPr lang="ru-RU"/>
           </a:p>
@@ -1940,7 +1945,7 @@
           <a:p>
             <a:fld id="{B4C71EC6-210F-42DE-9C53-41977AD35B3D}" type="datetimeFigureOut">
               <a:rPr lang="ru-RU" smtClean="0"/>
-              <a:t>16.11.2015</a:t>
+              <a:t>17.11.2015</a:t>
             </a:fld>
             <a:endParaRPr lang="ru-RU"/>
           </a:p>
@@ -2212,7 +2217,7 @@
           <a:p>
             <a:fld id="{B4C71EC6-210F-42DE-9C53-41977AD35B3D}" type="datetimeFigureOut">
               <a:rPr lang="ru-RU" smtClean="0"/>
-              <a:t>16.11.2015</a:t>
+              <a:t>17.11.2015</a:t>
             </a:fld>
             <a:endParaRPr lang="ru-RU"/>
           </a:p>
@@ -2460,7 +2465,7 @@
           <a:p>
             <a:fld id="{B4C71EC6-210F-42DE-9C53-41977AD35B3D}" type="datetimeFigureOut">
               <a:rPr lang="ru-RU" smtClean="0"/>
-              <a:t>16.11.2015</a:t>
+              <a:t>17.11.2015</a:t>
             </a:fld>
             <a:endParaRPr lang="ru-RU"/>
           </a:p>
@@ -2668,7 +2673,7 @@
           <a:p>
             <a:fld id="{B4C71EC6-210F-42DE-9C53-41977AD35B3D}" type="datetimeFigureOut">
               <a:rPr lang="ru-RU" smtClean="0"/>
-              <a:t>16.11.2015</a:t>
+              <a:t>17.11.2015</a:t>
             </a:fld>
             <a:endParaRPr lang="ru-RU"/>
           </a:p>
@@ -3038,8 +3043,476 @@
           <a:chExt cx="0" cy="0"/>
         </a:xfrm>
       </p:grpSpPr>
-      <mc:AlternateContent xmlns:mc="http://schemas.openxmlformats.org/markup-compatibility/2006">
-        <mc:Choice xmlns:a14="http://schemas.microsoft.com/office/drawing/2010/main" Requires="a14">
+      <p:sp>
+        <p:nvSpPr>
+          <p:cNvPr id="2" name="Заголовок 1"/>
+          <p:cNvSpPr>
+            <a:spLocks noGrp="1"/>
+          </p:cNvSpPr>
+          <p:nvPr>
+            <p:ph type="ctrTitle"/>
+          </p:nvPr>
+        </p:nvSpPr>
+        <p:spPr>
+          <a:xfrm>
+            <a:off x="685800" y="1556792"/>
+            <a:ext cx="7772400" cy="2043659"/>
+          </a:xfrm>
+        </p:spPr>
+        <p:txBody>
+          <a:bodyPr>
+            <a:noAutofit/>
+          </a:bodyPr>
+          <a:lstStyle/>
+          <a:p>
+            <a:r>
+              <a:rPr lang="ru-RU" dirty="0" smtClean="0"/>
+              <a:t>Пространственно-временная динамика популяции хищников</a:t>
+            </a:r>
+            <a:br>
+              <a:rPr lang="ru-RU" dirty="0" smtClean="0"/>
+            </a:br>
+            <a:r>
+              <a:rPr lang="ru-RU" dirty="0" smtClean="0"/>
+              <a:t>и жертв</a:t>
+            </a:r>
+            <a:endParaRPr lang="ru-RU" dirty="0"/>
+          </a:p>
+        </p:txBody>
+      </p:sp>
+      <p:sp>
+        <p:nvSpPr>
+          <p:cNvPr id="3" name="Подзаголовок 2"/>
+          <p:cNvSpPr>
+            <a:spLocks noGrp="1"/>
+          </p:cNvSpPr>
+          <p:nvPr>
+            <p:ph type="subTitle" idx="1"/>
+          </p:nvPr>
+        </p:nvSpPr>
+        <p:spPr/>
+        <p:txBody>
+          <a:bodyPr/>
+          <a:lstStyle/>
+          <a:p>
+            <a:r>
+              <a:rPr lang="ru-RU" i="1" dirty="0" smtClean="0"/>
+              <a:t>Сложные решения простых уравнений</a:t>
+            </a:r>
+            <a:endParaRPr lang="ru-RU" i="1" dirty="0"/>
+          </a:p>
+        </p:txBody>
+      </p:sp>
+    </p:spTree>
+    <p:extLst>
+      <p:ext uri="{BB962C8B-B14F-4D97-AF65-F5344CB8AC3E}">
+        <p14:creationId xmlns:p14="http://schemas.microsoft.com/office/powerpoint/2010/main" val="448779071"/>
+      </p:ext>
+    </p:extLst>
+  </p:cSld>
+  <p:clrMapOvr>
+    <a:masterClrMapping/>
+  </p:clrMapOvr>
+</p:sld>
+</file>
+
+<file path=ppt/slides/slide2.xml><?xml version="1.0" encoding="utf-8"?>
+<p:sld xmlns:a="http://schemas.openxmlformats.org/drawingml/2006/main" xmlns:r="http://schemas.openxmlformats.org/officeDocument/2006/relationships" xmlns:p="http://schemas.openxmlformats.org/presentationml/2006/main">
+  <p:cSld>
+    <p:spTree>
+      <p:nvGrpSpPr>
+        <p:cNvPr id="1" name=""/>
+        <p:cNvGrpSpPr/>
+        <p:nvPr/>
+      </p:nvGrpSpPr>
+      <p:grpSpPr>
+        <a:xfrm>
+          <a:off x="0" y="0"/>
+          <a:ext cx="0" cy="0"/>
+          <a:chOff x="0" y="0"/>
+          <a:chExt cx="0" cy="0"/>
+        </a:xfrm>
+      </p:grpSpPr>
+      <p:sp>
+        <p:nvSpPr>
+          <p:cNvPr id="2" name="Заголовок 1"/>
+          <p:cNvSpPr>
+            <a:spLocks noGrp="1"/>
+          </p:cNvSpPr>
+          <p:nvPr>
+            <p:ph type="title"/>
+          </p:nvPr>
+        </p:nvSpPr>
+        <p:spPr/>
+        <p:txBody>
+          <a:bodyPr/>
+          <a:lstStyle/>
+          <a:p>
+            <a:r>
+              <a:rPr lang="ru-RU" dirty="0" smtClean="0"/>
+              <a:t>Цель работы</a:t>
+            </a:r>
+            <a:endParaRPr lang="ru-RU" dirty="0"/>
+          </a:p>
+        </p:txBody>
+      </p:sp>
+      <p:sp>
+        <p:nvSpPr>
+          <p:cNvPr id="3" name="Объект 2"/>
+          <p:cNvSpPr>
+            <a:spLocks noGrp="1"/>
+          </p:cNvSpPr>
+          <p:nvPr>
+            <p:ph idx="1"/>
+          </p:nvPr>
+        </p:nvSpPr>
+        <p:spPr/>
+        <p:txBody>
+          <a:bodyPr>
+            <a:noAutofit/>
+          </a:bodyPr>
+          <a:lstStyle/>
+          <a:p>
+            <a:r>
+              <a:rPr lang="ru-RU" sz="2800" dirty="0" smtClean="0"/>
+              <a:t>Природа демонстрирует поразительное многообразие форм. Как они возникают</a:t>
+            </a:r>
+            <a:r>
+              <a:rPr lang="en-US" sz="2800" dirty="0" smtClean="0"/>
+              <a:t>?</a:t>
+            </a:r>
+          </a:p>
+          <a:p>
+            <a:r>
+              <a:rPr lang="ru-RU" sz="2800" dirty="0" smtClean="0"/>
+              <a:t>Одна из гипотез была высказана основоположником кибернетики Аланом Тьюрингом. Все эти сложные и разнообразные формы – решения простых уравнений.</a:t>
+            </a:r>
+          </a:p>
+          <a:p>
+            <a:r>
+              <a:rPr lang="ru-RU" sz="2800" dirty="0" smtClean="0"/>
+              <a:t>Рассмотрим классическую задачу о популяции хищников и жертв.</a:t>
+            </a:r>
+          </a:p>
+          <a:p>
+            <a:r>
+              <a:rPr lang="ru-RU" sz="2800" dirty="0" smtClean="0"/>
+              <a:t>Аналогичные уравнения встречаются в живой природе повсеместно.</a:t>
+            </a:r>
+            <a:endParaRPr lang="ru-RU" sz="2800" dirty="0"/>
+          </a:p>
+        </p:txBody>
+      </p:sp>
+    </p:spTree>
+    <p:extLst>
+      <p:ext uri="{BB962C8B-B14F-4D97-AF65-F5344CB8AC3E}">
+        <p14:creationId xmlns:p14="http://schemas.microsoft.com/office/powerpoint/2010/main" val="904984134"/>
+      </p:ext>
+    </p:extLst>
+  </p:cSld>
+  <p:clrMapOvr>
+    <a:masterClrMapping/>
+  </p:clrMapOvr>
+</p:sld>
+</file>
+
+<file path=ppt/slides/slide3.xml><?xml version="1.0" encoding="utf-8"?>
+<p:sld xmlns:a="http://schemas.openxmlformats.org/drawingml/2006/main" xmlns:r="http://schemas.openxmlformats.org/officeDocument/2006/relationships" xmlns:p="http://schemas.openxmlformats.org/presentationml/2006/main">
+  <p:cSld>
+    <p:spTree>
+      <p:nvGrpSpPr>
+        <p:cNvPr id="1" name=""/>
+        <p:cNvGrpSpPr/>
+        <p:nvPr/>
+      </p:nvGrpSpPr>
+      <p:grpSpPr>
+        <a:xfrm>
+          <a:off x="0" y="0"/>
+          <a:ext cx="0" cy="0"/>
+          <a:chOff x="0" y="0"/>
+          <a:chExt cx="0" cy="0"/>
+        </a:xfrm>
+      </p:grpSpPr>
+      <p:sp>
+        <p:nvSpPr>
+          <p:cNvPr id="2" name="Заголовок 1"/>
+          <p:cNvSpPr>
+            <a:spLocks noGrp="1"/>
+          </p:cNvSpPr>
+          <p:nvPr>
+            <p:ph type="title"/>
+          </p:nvPr>
+        </p:nvSpPr>
+        <p:spPr/>
+        <p:txBody>
+          <a:bodyPr/>
+          <a:lstStyle/>
+          <a:p>
+            <a:r>
+              <a:rPr lang="ru-RU" dirty="0" smtClean="0"/>
+              <a:t>Модель Лотки-</a:t>
+            </a:r>
+            <a:r>
+              <a:rPr lang="ru-RU" dirty="0" err="1" smtClean="0"/>
+              <a:t>Вольтерра</a:t>
+            </a:r>
+            <a:endParaRPr lang="ru-RU" dirty="0"/>
+          </a:p>
+        </p:txBody>
+      </p:sp>
+      <p:sp>
+        <p:nvSpPr>
+          <p:cNvPr id="3" name="Объект 2"/>
+          <p:cNvSpPr>
+            <a:spLocks noGrp="1"/>
+          </p:cNvSpPr>
+          <p:nvPr>
+            <p:ph idx="1"/>
+          </p:nvPr>
+        </p:nvSpPr>
+        <p:spPr/>
+        <p:txBody>
+          <a:bodyPr/>
+          <a:lstStyle/>
+          <a:p>
+            <a:r>
+              <a:rPr lang="ru-RU" dirty="0" smtClean="0"/>
+              <a:t>Кролики (</a:t>
+            </a:r>
+            <a:r>
+              <a:rPr lang="en-US" dirty="0" smtClean="0"/>
+              <a:t>R</a:t>
+            </a:r>
+            <a:r>
+              <a:rPr lang="ru-RU" dirty="0" smtClean="0"/>
+              <a:t>) питаются травой.</a:t>
+            </a:r>
+          </a:p>
+          <a:p>
+            <a:r>
+              <a:rPr lang="ru-RU" dirty="0" smtClean="0"/>
+              <a:t>Лисы (</a:t>
+            </a:r>
+            <a:r>
+              <a:rPr lang="en-US" dirty="0" smtClean="0"/>
+              <a:t>F) </a:t>
+            </a:r>
+            <a:r>
+              <a:rPr lang="ru-RU" dirty="0" smtClean="0"/>
+              <a:t>питаются кроликами.</a:t>
+            </a:r>
+          </a:p>
+          <a:p>
+            <a:r>
+              <a:rPr lang="ru-RU" dirty="0" smtClean="0"/>
+              <a:t>Кролики рождаются со скоростью </a:t>
+            </a:r>
+            <a:r>
+              <a:rPr lang="en-US" dirty="0" smtClean="0"/>
+              <a:t>~</a:t>
+            </a:r>
+            <a:r>
+              <a:rPr lang="ru-RU" dirty="0" smtClean="0"/>
+              <a:t> </a:t>
+            </a:r>
+            <a:r>
+              <a:rPr lang="en-US" dirty="0" smtClean="0"/>
+              <a:t>R.</a:t>
+            </a:r>
+          </a:p>
+          <a:p>
+            <a:r>
+              <a:rPr lang="ru-RU" dirty="0" smtClean="0"/>
+              <a:t>Лисы в единицу времени ловят количество кроликов </a:t>
+            </a:r>
+            <a:r>
+              <a:rPr lang="en-US" dirty="0" smtClean="0"/>
+              <a:t>~ R*F.</a:t>
+            </a:r>
+          </a:p>
+          <a:p>
+            <a:r>
+              <a:rPr lang="ru-RU" dirty="0" smtClean="0"/>
+              <a:t>Лисы умирают от старости со скоростью </a:t>
+            </a:r>
+            <a:r>
+              <a:rPr lang="en-US" dirty="0" smtClean="0"/>
+              <a:t>~ F.</a:t>
+            </a:r>
+          </a:p>
+          <a:p>
+            <a:r>
+              <a:rPr lang="ru-RU" dirty="0" smtClean="0"/>
+              <a:t>Решение – колебания около положения равновесия с постоянной амплитудой.</a:t>
+            </a:r>
+            <a:endParaRPr lang="ru-RU" dirty="0"/>
+          </a:p>
+        </p:txBody>
+      </p:sp>
+    </p:spTree>
+    <p:extLst>
+      <p:ext uri="{BB962C8B-B14F-4D97-AF65-F5344CB8AC3E}">
+        <p14:creationId xmlns:p14="http://schemas.microsoft.com/office/powerpoint/2010/main" val="3385974327"/>
+      </p:ext>
+    </p:extLst>
+  </p:cSld>
+  <p:clrMapOvr>
+    <a:masterClrMapping/>
+  </p:clrMapOvr>
+</p:sld>
+</file>
+
+<file path=ppt/slides/slide4.xml><?xml version="1.0" encoding="utf-8"?>
+<p:sld xmlns:a="http://schemas.openxmlformats.org/drawingml/2006/main" xmlns:r="http://schemas.openxmlformats.org/officeDocument/2006/relationships" xmlns:p="http://schemas.openxmlformats.org/presentationml/2006/main">
+  <p:cSld>
+    <p:spTree>
+      <p:nvGrpSpPr>
+        <p:cNvPr id="1" name=""/>
+        <p:cNvGrpSpPr/>
+        <p:nvPr/>
+      </p:nvGrpSpPr>
+      <p:grpSpPr>
+        <a:xfrm>
+          <a:off x="0" y="0"/>
+          <a:ext cx="0" cy="0"/>
+          <a:chOff x="0" y="0"/>
+          <a:chExt cx="0" cy="0"/>
+        </a:xfrm>
+      </p:grpSpPr>
+      <p:sp>
+        <p:nvSpPr>
+          <p:cNvPr id="2" name="Заголовок 1"/>
+          <p:cNvSpPr>
+            <a:spLocks noGrp="1"/>
+          </p:cNvSpPr>
+          <p:nvPr>
+            <p:ph type="title"/>
+          </p:nvPr>
+        </p:nvSpPr>
+        <p:spPr/>
+        <p:txBody>
+          <a:bodyPr/>
+          <a:lstStyle/>
+          <a:p>
+            <a:r>
+              <a:rPr lang="ru-RU" dirty="0" smtClean="0"/>
+              <a:t>Более реалистичная модель</a:t>
+            </a:r>
+            <a:endParaRPr lang="ru-RU" dirty="0"/>
+          </a:p>
+        </p:txBody>
+      </p:sp>
+      <p:sp>
+        <p:nvSpPr>
+          <p:cNvPr id="3" name="Объект 2"/>
+          <p:cNvSpPr>
+            <a:spLocks noGrp="1"/>
+          </p:cNvSpPr>
+          <p:nvPr>
+            <p:ph idx="1"/>
+          </p:nvPr>
+        </p:nvSpPr>
+        <p:spPr>
+          <a:xfrm>
+            <a:off x="457200" y="1412776"/>
+            <a:ext cx="8229600" cy="4896544"/>
+          </a:xfrm>
+        </p:spPr>
+        <p:txBody>
+          <a:bodyPr>
+            <a:noAutofit/>
+          </a:bodyPr>
+          <a:lstStyle/>
+          <a:p>
+            <a:r>
+              <a:rPr lang="ru-RU" sz="2400" dirty="0" smtClean="0"/>
+              <a:t>Учитывает исчерпание ресурсов среды. Когда численность популяции кроликов достигает предела </a:t>
+            </a:r>
+            <a:r>
+              <a:rPr lang="en-US" sz="2400" dirty="0" smtClean="0"/>
+              <a:t>R</a:t>
+            </a:r>
+            <a:r>
+              <a:rPr lang="en-US" sz="2400" baseline="-25000" dirty="0"/>
+              <a:t>S</a:t>
+            </a:r>
+            <a:r>
+              <a:rPr lang="ru-RU" sz="2400" dirty="0" smtClean="0"/>
+              <a:t>, они съедают всю траву, и популяция перестает расти.</a:t>
+            </a:r>
+            <a:endParaRPr lang="en-US" sz="2400" dirty="0" smtClean="0"/>
+          </a:p>
+          <a:p>
+            <a:r>
+              <a:rPr lang="ru-RU" sz="2400" dirty="0" smtClean="0"/>
+              <a:t>Учитывает насыщение хищников – они не ловят больше кроликов, чем способны съесть.</a:t>
+            </a:r>
+          </a:p>
+          <a:p>
+            <a:r>
+              <a:rPr lang="ru-RU" sz="2400" dirty="0" smtClean="0"/>
+              <a:t>Учитывает, что при малой численности кроликов им сложно образовать пару, и закон роста становится квадратичным (</a:t>
+            </a:r>
+            <a:r>
+              <a:rPr lang="en-US" sz="2400" dirty="0" smtClean="0"/>
+              <a:t>~ R</a:t>
+            </a:r>
+            <a:r>
+              <a:rPr lang="en-US" sz="2400" baseline="30000" dirty="0" smtClean="0"/>
+              <a:t>2</a:t>
+            </a:r>
+            <a:r>
+              <a:rPr lang="en-US" sz="2400" dirty="0" smtClean="0"/>
+              <a:t>).</a:t>
+            </a:r>
+          </a:p>
+          <a:p>
+            <a:r>
+              <a:rPr lang="ru-RU" sz="2400" dirty="0" smtClean="0"/>
+              <a:t>В результате возможны автоколебания численности популяции.</a:t>
+            </a:r>
+          </a:p>
+          <a:p>
+            <a:r>
+              <a:rPr lang="ru-RU" sz="2400" dirty="0" smtClean="0"/>
+              <a:t>Учет миграции приводит к целому ряду интересных решений во времени и пространстве.</a:t>
+            </a:r>
+            <a:endParaRPr lang="ru-RU" sz="2400" dirty="0"/>
+          </a:p>
+        </p:txBody>
+      </p:sp>
+    </p:spTree>
+    <p:extLst>
+      <p:ext uri="{BB962C8B-B14F-4D97-AF65-F5344CB8AC3E}">
+        <p14:creationId xmlns:p14="http://schemas.microsoft.com/office/powerpoint/2010/main" val="1357360646"/>
+      </p:ext>
+    </p:extLst>
+  </p:cSld>
+  <p:clrMapOvr>
+    <a:masterClrMapping/>
+  </p:clrMapOvr>
+</p:sld>
+</file>
+
+<file path=ppt/slides/slide5.xml><?xml version="1.0" encoding="utf-8"?>
+<p:sld xmlns:a="http://schemas.openxmlformats.org/drawingml/2006/main" xmlns:r="http://schemas.openxmlformats.org/officeDocument/2006/relationships" xmlns:p="http://schemas.openxmlformats.org/presentationml/2006/main">
+  <p:cSld>
+    <p:spTree>
+      <p:nvGrpSpPr>
+        <p:cNvPr id="1" name=""/>
+        <p:cNvGrpSpPr/>
+        <p:nvPr/>
+      </p:nvGrpSpPr>
+      <p:grpSpPr>
+        <a:xfrm>
+          <a:off x="0" y="0"/>
+          <a:ext cx="0" cy="0"/>
+          <a:chOff x="0" y="0"/>
+          <a:chExt cx="0" cy="0"/>
+        </a:xfrm>
+      </p:grpSpPr>
+      <mc:AlternateContent xmlns:mc="http://schemas.openxmlformats.org/markup-compatibility/2006" xmlns:a14="http://schemas.microsoft.com/office/drawing/2010/main">
+        <mc:Choice Requires="a14">
           <p:sp>
             <p:nvSpPr>
               <p:cNvPr id="4" name="TextBox 3"/>
@@ -3062,6 +3535,7 @@
               </a:bodyPr>
               <a:lstStyle/>
               <a:p>
+                <a:pPr/>
                 <a14:m>
                   <m:oMathPara xmlns:m="http://schemas.openxmlformats.org/officeDocument/2006/math">
                     <m:oMathParaPr>
@@ -3261,7 +3735,7 @@
             </p:txBody>
           </p:sp>
         </mc:Choice>
-        <mc:Fallback>
+        <mc:Fallback xmlns="">
           <p:sp>
             <p:nvSpPr>
               <p:cNvPr id="4" name="TextBox 3"/>
@@ -3774,7 +4248,7 @@
 </p:sld>
 </file>
 
-<file path=ppt/slides/slide2.xml><?xml version="1.0" encoding="utf-8"?>
+<file path=ppt/slides/slide6.xml><?xml version="1.0" encoding="utf-8"?>
 <p:sld xmlns:a="http://schemas.openxmlformats.org/drawingml/2006/main" xmlns:r="http://schemas.openxmlformats.org/officeDocument/2006/relationships" xmlns:p="http://schemas.openxmlformats.org/presentationml/2006/main">
   <p:cSld>
     <p:spTree>
@@ -3816,8 +4290,8 @@
           </a:p>
         </p:txBody>
       </p:sp>
-      <mc:AlternateContent xmlns:mc="http://schemas.openxmlformats.org/markup-compatibility/2006">
-        <mc:Choice xmlns:a14="http://schemas.microsoft.com/office/drawing/2010/main" Requires="a14">
+      <mc:AlternateContent xmlns:mc="http://schemas.openxmlformats.org/markup-compatibility/2006" xmlns:a14="http://schemas.microsoft.com/office/drawing/2010/main">
+        <mc:Choice Requires="a14">
           <p:sp>
             <p:nvSpPr>
               <p:cNvPr id="4" name="TextBox 3"/>
@@ -3840,6 +4314,7 @@
               </a:bodyPr>
               <a:lstStyle/>
               <a:p>
+                <a:pPr/>
                 <a14:m>
                   <m:oMathPara xmlns:m="http://schemas.openxmlformats.org/officeDocument/2006/math">
                     <m:oMathParaPr>
@@ -4007,7 +4482,7 @@
             </p:txBody>
           </p:sp>
         </mc:Choice>
-        <mc:Fallback>
+        <mc:Fallback xmlns="">
           <p:sp>
             <p:nvSpPr>
               <p:cNvPr id="4" name="TextBox 3"/>
@@ -4214,8 +4689,8 @@
         </p:nvSpPr>
         <p:spPr>
           <a:xfrm>
-            <a:off x="5292080" y="3471391"/>
-            <a:ext cx="3514358" cy="830997"/>
+            <a:off x="5220072" y="3471391"/>
+            <a:ext cx="3586366" cy="830997"/>
           </a:xfrm>
           <a:prstGeom prst="rect">
             <a:avLst/>
@@ -4237,7 +4712,27 @@
                   </a:schemeClr>
                 </a:solidFill>
               </a:rPr>
-              <a:t>Часть кроликов очень трудно поймать и они спасают популяцию от полного истребления</a:t>
+              <a:t>Часть кроликов очень трудно </a:t>
+            </a:r>
+            <a:r>
+              <a:rPr lang="ru-RU" sz="1600" dirty="0" smtClean="0">
+                <a:solidFill>
+                  <a:schemeClr val="tx2">
+                    <a:lumMod val="75000"/>
+                  </a:schemeClr>
+                </a:solidFill>
+              </a:rPr>
+              <a:t>поймать, </a:t>
+            </a:r>
+            <a:r>
+              <a:rPr lang="ru-RU" sz="1600" dirty="0" smtClean="0">
+                <a:solidFill>
+                  <a:schemeClr val="tx2">
+                    <a:lumMod val="75000"/>
+                  </a:schemeClr>
+                </a:solidFill>
+              </a:rPr>
+              <a:t>и они спасают популяцию от полного истребления</a:t>
             </a:r>
             <a:endParaRPr lang="ru-RU" sz="1600" dirty="0">
               <a:solidFill>
@@ -4389,7 +4884,37 @@
                   </a:schemeClr>
                 </a:solidFill>
               </a:rPr>
-              <a:t>Время, которое уходит на то, чтобы поймать кролика, обратно пропорционально количеству кроликов, которых лиса в состоянии поймать, т.к. количество встреченных кроликов в единицу времени пропорционально их количеству.</a:t>
+              <a:t>Время, которое уходит на то, чтобы поймать кролика, обратно пропорционально количеству кроликов, которых лиса в состоянии поймать, т.к. количество встреченных кроликов в единицу времени пропорционально их </a:t>
+            </a:r>
+            <a:r>
+              <a:rPr lang="ru-RU" sz="1600" dirty="0" smtClean="0">
+                <a:solidFill>
+                  <a:schemeClr val="tx2">
+                    <a:lumMod val="75000"/>
+                  </a:schemeClr>
+                </a:solidFill>
+              </a:rPr>
+              <a:t>общему </a:t>
+            </a:r>
+            <a:r>
+              <a:rPr lang="ru-RU" sz="1600" dirty="0" smtClean="0">
+                <a:solidFill>
+                  <a:schemeClr val="tx2">
+                    <a:lumMod val="75000"/>
+                  </a:schemeClr>
+                </a:solidFill>
+              </a:rPr>
+              <a:t>количеству</a:t>
+            </a:r>
+            <a:r>
+              <a:rPr lang="ru-RU" sz="1600" dirty="0" smtClean="0">
+                <a:solidFill>
+                  <a:schemeClr val="tx2">
+                    <a:lumMod val="75000"/>
+                  </a:schemeClr>
+                </a:solidFill>
+              </a:rPr>
+              <a:t>.</a:t>
             </a:r>
             <a:endParaRPr lang="ru-RU" sz="1600" dirty="0">
               <a:solidFill>
@@ -4454,7 +4979,7 @@
 </p:sld>
 </file>
 
-<file path=ppt/slides/slide3.xml><?xml version="1.0" encoding="utf-8"?>
+<file path=ppt/slides/slide7.xml><?xml version="1.0" encoding="utf-8"?>
 <p:sld xmlns:a="http://schemas.openxmlformats.org/drawingml/2006/main" xmlns:r="http://schemas.openxmlformats.org/officeDocument/2006/relationships" xmlns:p="http://schemas.openxmlformats.org/presentationml/2006/main">
   <p:cSld>
     <p:spTree>
@@ -4494,8 +5019,8 @@
           </a:p>
         </p:txBody>
       </p:sp>
-      <mc:AlternateContent xmlns:mc="http://schemas.openxmlformats.org/markup-compatibility/2006">
-        <mc:Choice xmlns:a14="http://schemas.microsoft.com/office/drawing/2010/main" Requires="a14">
+      <mc:AlternateContent xmlns:mc="http://schemas.openxmlformats.org/markup-compatibility/2006" xmlns:a14="http://schemas.microsoft.com/office/drawing/2010/main">
+        <mc:Choice Requires="a14">
           <p:sp>
             <p:nvSpPr>
               <p:cNvPr id="4" name="TextBox 3"/>
@@ -4518,6 +5043,7 @@
               </a:bodyPr>
               <a:lstStyle/>
               <a:p>
+                <a:pPr/>
                 <a14:m>
                   <m:oMathPara xmlns:m="http://schemas.openxmlformats.org/officeDocument/2006/math">
                     <m:oMathParaPr>
@@ -4581,7 +5107,7 @@
             </p:txBody>
           </p:sp>
         </mc:Choice>
-        <mc:Fallback>
+        <mc:Fallback xmlns="">
           <p:sp>
             <p:nvSpPr>
               <p:cNvPr id="4" name="TextBox 3"/>
@@ -4620,8 +5146,8 @@
           </p:sp>
         </mc:Fallback>
       </mc:AlternateContent>
-      <mc:AlternateContent xmlns:mc="http://schemas.openxmlformats.org/markup-compatibility/2006">
-        <mc:Choice xmlns:a14="http://schemas.microsoft.com/office/drawing/2010/main" Requires="a14">
+      <mc:AlternateContent xmlns:mc="http://schemas.openxmlformats.org/markup-compatibility/2006" xmlns:a14="http://schemas.microsoft.com/office/drawing/2010/main">
+        <mc:Choice Requires="a14">
           <p:sp>
             <p:nvSpPr>
               <p:cNvPr id="5" name="TextBox 4"/>
@@ -4644,6 +5170,7 @@
               </a:bodyPr>
               <a:lstStyle/>
               <a:p>
+                <a:pPr/>
                 <a14:m>
                   <m:oMathPara xmlns:m="http://schemas.openxmlformats.org/officeDocument/2006/math">
                     <m:oMathParaPr>
@@ -4731,7 +5258,7 @@
             </p:txBody>
           </p:sp>
         </mc:Choice>
-        <mc:Fallback>
+        <mc:Fallback xmlns="">
           <p:sp>
             <p:nvSpPr>
               <p:cNvPr id="5" name="TextBox 4"/>
@@ -5275,7 +5802,7 @@
 </p:sld>
 </file>
 
-<file path=ppt/slides/slide4.xml><?xml version="1.0" encoding="utf-8"?>
+<file path=ppt/slides/slide8.xml><?xml version="1.0" encoding="utf-8"?>
 <p:sld xmlns:a="http://schemas.openxmlformats.org/drawingml/2006/main" xmlns:r="http://schemas.openxmlformats.org/officeDocument/2006/relationships" xmlns:p="http://schemas.openxmlformats.org/presentationml/2006/main">
   <p:cSld>
     <p:spTree>
@@ -5462,8 +5989,13 @@
             </a:r>
             <a:r>
               <a:rPr lang="ru-RU" dirty="0"/>
-              <a:t>при меньшем количестве крольчихе трудно найти партнера</a:t>
-            </a:r>
+              <a:t>при </a:t>
+            </a:r>
+            <a:r>
+              <a:rPr lang="ru-RU" dirty="0" smtClean="0"/>
+              <a:t>меньшей популяции кроликам трудно образовать пару</a:t>
+            </a:r>
+            <a:endParaRPr lang="ru-RU" dirty="0"/>
           </a:p>
           <a:p>
             <a:pPr marL="1147763" indent="-1147763" defTabSz="1147763">
@@ -5516,9 +6048,16 @@
             </a:r>
             <a:r>
               <a:rPr lang="ru-RU" dirty="0"/>
-              <a:t>столько кроликов выедают всю траву, и популяция перестает расти</a:t>
-            </a:r>
-            <a:endParaRPr lang="ru-RU" dirty="0"/>
+              <a:t>столько кроликов </a:t>
+            </a:r>
+            <a:r>
+              <a:rPr lang="ru-RU" dirty="0" smtClean="0"/>
+              <a:t>съедают всю </a:t>
+            </a:r>
+            <a:r>
+              <a:rPr lang="ru-RU" dirty="0"/>
+              <a:t>траву, и популяция перестает расти</a:t>
+            </a:r>
           </a:p>
         </p:txBody>
       </p:sp>
@@ -5539,6 +6078,639 @@
       </p:par>
     </p:tnLst>
   </p:timing>
+</p:sld>
+</file>
+
+<file path=ppt/slides/slide9.xml><?xml version="1.0" encoding="utf-8"?>
+<p:sld xmlns:a="http://schemas.openxmlformats.org/drawingml/2006/main" xmlns:r="http://schemas.openxmlformats.org/officeDocument/2006/relationships" xmlns:p="http://schemas.openxmlformats.org/presentationml/2006/main">
+  <p:cSld>
+    <p:spTree>
+      <p:nvGrpSpPr>
+        <p:cNvPr id="1" name=""/>
+        <p:cNvGrpSpPr/>
+        <p:nvPr/>
+      </p:nvGrpSpPr>
+      <p:grpSpPr>
+        <a:xfrm>
+          <a:off x="0" y="0"/>
+          <a:ext cx="0" cy="0"/>
+          <a:chOff x="0" y="0"/>
+          <a:chExt cx="0" cy="0"/>
+        </a:xfrm>
+      </p:grpSpPr>
+      <p:sp>
+        <p:nvSpPr>
+          <p:cNvPr id="2" name="Заголовок 1"/>
+          <p:cNvSpPr>
+            <a:spLocks noGrp="1"/>
+          </p:cNvSpPr>
+          <p:nvPr>
+            <p:ph type="title"/>
+          </p:nvPr>
+        </p:nvSpPr>
+        <p:spPr/>
+        <p:txBody>
+          <a:bodyPr>
+            <a:normAutofit fontScale="90000"/>
+          </a:bodyPr>
+          <a:lstStyle/>
+          <a:p>
+            <a:r>
+              <a:rPr lang="ru-RU" dirty="0" smtClean="0"/>
+              <a:t>Типы решений для одномерного кольца</a:t>
+            </a:r>
+            <a:endParaRPr lang="ru-RU" dirty="0"/>
+          </a:p>
+        </p:txBody>
+      </p:sp>
+      <p:sp>
+        <p:nvSpPr>
+          <p:cNvPr id="5" name="Скругленный прямоугольник 4"/>
+          <p:cNvSpPr/>
+          <p:nvPr/>
+        </p:nvSpPr>
+        <p:spPr>
+          <a:xfrm>
+            <a:off x="1043608" y="2060848"/>
+            <a:ext cx="1800200" cy="1188720"/>
+          </a:xfrm>
+          <a:prstGeom prst="roundRect">
+            <a:avLst/>
+          </a:prstGeom>
+        </p:spPr>
+        <p:style>
+          <a:lnRef idx="2">
+            <a:schemeClr val="accent1">
+              <a:shade val="50000"/>
+            </a:schemeClr>
+          </a:lnRef>
+          <a:fillRef idx="1">
+            <a:schemeClr val="accent1"/>
+          </a:fillRef>
+          <a:effectRef idx="0">
+            <a:schemeClr val="accent1"/>
+          </a:effectRef>
+          <a:fontRef idx="minor">
+            <a:schemeClr val="lt1"/>
+          </a:fontRef>
+        </p:style>
+        <p:txBody>
+          <a:bodyPr rtlCol="0" anchor="ctr"/>
+          <a:lstStyle/>
+          <a:p>
+            <a:pPr algn="ctr"/>
+            <a:r>
+              <a:rPr lang="ru-RU" dirty="0" smtClean="0"/>
+              <a:t>Структуры</a:t>
+            </a:r>
+            <a:endParaRPr lang="ru-RU" dirty="0"/>
+          </a:p>
+        </p:txBody>
+      </p:sp>
+      <p:sp>
+        <p:nvSpPr>
+          <p:cNvPr id="6" name="Скругленный прямоугольник 5"/>
+          <p:cNvSpPr/>
+          <p:nvPr/>
+        </p:nvSpPr>
+        <p:spPr>
+          <a:xfrm>
+            <a:off x="1043608" y="3501008"/>
+            <a:ext cx="1800200" cy="1188720"/>
+          </a:xfrm>
+          <a:prstGeom prst="roundRect">
+            <a:avLst/>
+          </a:prstGeom>
+        </p:spPr>
+        <p:style>
+          <a:lnRef idx="2">
+            <a:schemeClr val="accent1">
+              <a:shade val="50000"/>
+            </a:schemeClr>
+          </a:lnRef>
+          <a:fillRef idx="1">
+            <a:schemeClr val="accent1"/>
+          </a:fillRef>
+          <a:effectRef idx="0">
+            <a:schemeClr val="accent1"/>
+          </a:effectRef>
+          <a:fontRef idx="minor">
+            <a:schemeClr val="lt1"/>
+          </a:fontRef>
+        </p:style>
+        <p:txBody>
+          <a:bodyPr rtlCol="0" anchor="ctr"/>
+          <a:lstStyle/>
+          <a:p>
+            <a:pPr algn="ctr"/>
+            <a:r>
+              <a:rPr lang="ru-RU" dirty="0" smtClean="0"/>
+              <a:t>Волны</a:t>
+            </a:r>
+            <a:endParaRPr lang="ru-RU" dirty="0"/>
+          </a:p>
+        </p:txBody>
+      </p:sp>
+      <p:sp>
+        <p:nvSpPr>
+          <p:cNvPr id="7" name="Скругленный прямоугольник 6"/>
+          <p:cNvSpPr/>
+          <p:nvPr/>
+        </p:nvSpPr>
+        <p:spPr>
+          <a:xfrm>
+            <a:off x="1043608" y="4941168"/>
+            <a:ext cx="1800200" cy="1188720"/>
+          </a:xfrm>
+          <a:prstGeom prst="roundRect">
+            <a:avLst/>
+          </a:prstGeom>
+        </p:spPr>
+        <p:style>
+          <a:lnRef idx="2">
+            <a:schemeClr val="accent1">
+              <a:shade val="50000"/>
+            </a:schemeClr>
+          </a:lnRef>
+          <a:fillRef idx="1">
+            <a:schemeClr val="accent1"/>
+          </a:fillRef>
+          <a:effectRef idx="0">
+            <a:schemeClr val="accent1"/>
+          </a:effectRef>
+          <a:fontRef idx="minor">
+            <a:schemeClr val="lt1"/>
+          </a:fontRef>
+        </p:style>
+        <p:txBody>
+          <a:bodyPr rtlCol="0" anchor="ctr"/>
+          <a:lstStyle/>
+          <a:p>
+            <a:pPr algn="ctr"/>
+            <a:r>
+              <a:rPr lang="ru-RU" dirty="0" smtClean="0"/>
+              <a:t>Вспышки</a:t>
+            </a:r>
+            <a:endParaRPr lang="ru-RU" dirty="0"/>
+          </a:p>
+        </p:txBody>
+      </p:sp>
+      <p:sp>
+        <p:nvSpPr>
+          <p:cNvPr id="8" name="Скругленный прямоугольник 7"/>
+          <p:cNvSpPr/>
+          <p:nvPr/>
+        </p:nvSpPr>
+        <p:spPr>
+          <a:xfrm>
+            <a:off x="5076056" y="2060848"/>
+            <a:ext cx="1800200" cy="1188720"/>
+          </a:xfrm>
+          <a:prstGeom prst="roundRect">
+            <a:avLst/>
+          </a:prstGeom>
+          <a:solidFill>
+            <a:schemeClr val="accent1">
+              <a:alpha val="60000"/>
+            </a:schemeClr>
+          </a:solidFill>
+        </p:spPr>
+        <p:style>
+          <a:lnRef idx="2">
+            <a:schemeClr val="accent1">
+              <a:shade val="50000"/>
+            </a:schemeClr>
+          </a:lnRef>
+          <a:fillRef idx="1">
+            <a:schemeClr val="accent1"/>
+          </a:fillRef>
+          <a:effectRef idx="0">
+            <a:schemeClr val="accent1"/>
+          </a:effectRef>
+          <a:fontRef idx="minor">
+            <a:schemeClr val="lt1"/>
+          </a:fontRef>
+        </p:style>
+        <p:txBody>
+          <a:bodyPr rtlCol="0" anchor="ctr"/>
+          <a:lstStyle/>
+          <a:p>
+            <a:pPr algn="ctr"/>
+            <a:r>
+              <a:rPr lang="ru-RU" dirty="0" smtClean="0"/>
+              <a:t>Статическая</a:t>
+            </a:r>
+          </a:p>
+          <a:p>
+            <a:pPr algn="ctr"/>
+            <a:r>
+              <a:rPr lang="ru-RU" dirty="0" smtClean="0"/>
+              <a:t>структура</a:t>
+            </a:r>
+            <a:endParaRPr lang="ru-RU" dirty="0"/>
+          </a:p>
+        </p:txBody>
+      </p:sp>
+      <p:sp>
+        <p:nvSpPr>
+          <p:cNvPr id="10" name="Скругленный прямоугольник 9"/>
+          <p:cNvSpPr/>
+          <p:nvPr/>
+        </p:nvSpPr>
+        <p:spPr>
+          <a:xfrm>
+            <a:off x="6228184" y="4151801"/>
+            <a:ext cx="1800200" cy="1865495"/>
+          </a:xfrm>
+          <a:prstGeom prst="roundRect">
+            <a:avLst/>
+          </a:prstGeom>
+          <a:solidFill>
+            <a:schemeClr val="accent1">
+              <a:alpha val="60000"/>
+            </a:schemeClr>
+          </a:solidFill>
+        </p:spPr>
+        <p:style>
+          <a:lnRef idx="2">
+            <a:schemeClr val="accent1">
+              <a:shade val="50000"/>
+            </a:schemeClr>
+          </a:lnRef>
+          <a:fillRef idx="1">
+            <a:schemeClr val="accent1"/>
+          </a:fillRef>
+          <a:effectRef idx="0">
+            <a:schemeClr val="accent1"/>
+          </a:effectRef>
+          <a:fontRef idx="minor">
+            <a:schemeClr val="lt1"/>
+          </a:fontRef>
+        </p:style>
+        <p:txBody>
+          <a:bodyPr rtlCol="0" anchor="ctr"/>
+          <a:lstStyle/>
+          <a:p>
+            <a:pPr algn="ctr"/>
+            <a:r>
+              <a:rPr lang="ru-RU" dirty="0" smtClean="0"/>
+              <a:t>Вспышки</a:t>
+            </a:r>
+            <a:endParaRPr lang="ru-RU" dirty="0"/>
+          </a:p>
+        </p:txBody>
+      </p:sp>
+      <p:sp>
+        <p:nvSpPr>
+          <p:cNvPr id="11" name="Скругленный прямоугольник 10"/>
+          <p:cNvSpPr/>
+          <p:nvPr/>
+        </p:nvSpPr>
+        <p:spPr>
+          <a:xfrm>
+            <a:off x="4211960" y="3420745"/>
+            <a:ext cx="1512168" cy="1462114"/>
+          </a:xfrm>
+          <a:prstGeom prst="roundRect">
+            <a:avLst/>
+          </a:prstGeom>
+          <a:solidFill>
+            <a:schemeClr val="accent1">
+              <a:alpha val="60000"/>
+            </a:schemeClr>
+          </a:solidFill>
+        </p:spPr>
+        <p:style>
+          <a:lnRef idx="2">
+            <a:schemeClr val="accent1">
+              <a:shade val="50000"/>
+            </a:schemeClr>
+          </a:lnRef>
+          <a:fillRef idx="1">
+            <a:schemeClr val="accent1"/>
+          </a:fillRef>
+          <a:effectRef idx="0">
+            <a:schemeClr val="accent1"/>
+          </a:effectRef>
+          <a:fontRef idx="minor">
+            <a:schemeClr val="lt1"/>
+          </a:fontRef>
+        </p:style>
+        <p:txBody>
+          <a:bodyPr rtlCol="0" anchor="ctr"/>
+          <a:lstStyle/>
+          <a:p>
+            <a:pPr algn="ctr"/>
+            <a:r>
+              <a:rPr lang="ru-RU" dirty="0" smtClean="0"/>
+              <a:t>Кольцевая</a:t>
+            </a:r>
+          </a:p>
+          <a:p>
+            <a:pPr algn="ctr"/>
+            <a:r>
+              <a:rPr lang="ru-RU" dirty="0" smtClean="0"/>
+              <a:t>волна</a:t>
+            </a:r>
+            <a:endParaRPr lang="ru-RU" dirty="0"/>
+          </a:p>
+        </p:txBody>
+      </p:sp>
+      <p:sp>
+        <p:nvSpPr>
+          <p:cNvPr id="9" name="Скругленный прямоугольник 8"/>
+          <p:cNvSpPr/>
+          <p:nvPr/>
+        </p:nvSpPr>
+        <p:spPr>
+          <a:xfrm>
+            <a:off x="5940152" y="3420745"/>
+            <a:ext cx="1800199" cy="1462114"/>
+          </a:xfrm>
+          <a:prstGeom prst="roundRect">
+            <a:avLst/>
+          </a:prstGeom>
+          <a:solidFill>
+            <a:schemeClr val="accent1">
+              <a:alpha val="60000"/>
+            </a:schemeClr>
+          </a:solidFill>
+        </p:spPr>
+        <p:style>
+          <a:lnRef idx="2">
+            <a:schemeClr val="accent1">
+              <a:shade val="50000"/>
+            </a:schemeClr>
+          </a:lnRef>
+          <a:fillRef idx="1">
+            <a:schemeClr val="accent1"/>
+          </a:fillRef>
+          <a:effectRef idx="0">
+            <a:schemeClr val="accent1"/>
+          </a:effectRef>
+          <a:fontRef idx="minor">
+            <a:schemeClr val="lt1"/>
+          </a:fontRef>
+        </p:style>
+        <p:txBody>
+          <a:bodyPr rtlCol="0" anchor="ctr"/>
+          <a:lstStyle/>
+          <a:p>
+            <a:pPr algn="ctr"/>
+            <a:r>
+              <a:rPr lang="ru-RU" dirty="0" smtClean="0"/>
+              <a:t>Динамическая</a:t>
+            </a:r>
+          </a:p>
+          <a:p>
+            <a:pPr algn="ctr"/>
+            <a:r>
+              <a:rPr lang="ru-RU" dirty="0" smtClean="0"/>
+              <a:t>структура</a:t>
+            </a:r>
+            <a:endParaRPr lang="ru-RU" dirty="0"/>
+          </a:p>
+        </p:txBody>
+      </p:sp>
+      <p:sp>
+        <p:nvSpPr>
+          <p:cNvPr id="12" name="TextBox 11"/>
+          <p:cNvSpPr txBox="1"/>
+          <p:nvPr/>
+        </p:nvSpPr>
+        <p:spPr>
+          <a:xfrm>
+            <a:off x="695591" y="1534065"/>
+            <a:ext cx="2148217" cy="369332"/>
+          </a:xfrm>
+          <a:prstGeom prst="rect">
+            <a:avLst/>
+          </a:prstGeom>
+          <a:noFill/>
+        </p:spPr>
+        <p:txBody>
+          <a:bodyPr wrap="none" rtlCol="0">
+            <a:spAutoFit/>
+          </a:bodyPr>
+          <a:lstStyle/>
+          <a:p>
+            <a:r>
+              <a:rPr lang="ru-RU" i="1" dirty="0" smtClean="0">
+                <a:solidFill>
+                  <a:srgbClr val="0070C0"/>
+                </a:solidFill>
+              </a:rPr>
+              <a:t>Переходный режим</a:t>
+            </a:r>
+            <a:endParaRPr lang="ru-RU" i="1" dirty="0">
+              <a:solidFill>
+                <a:srgbClr val="0070C0"/>
+              </a:solidFill>
+            </a:endParaRPr>
+          </a:p>
+        </p:txBody>
+      </p:sp>
+      <p:sp>
+        <p:nvSpPr>
+          <p:cNvPr id="13" name="TextBox 12"/>
+          <p:cNvSpPr txBox="1"/>
+          <p:nvPr/>
+        </p:nvSpPr>
+        <p:spPr>
+          <a:xfrm>
+            <a:off x="5592134" y="1537326"/>
+            <a:ext cx="2455159" cy="369332"/>
+          </a:xfrm>
+          <a:prstGeom prst="rect">
+            <a:avLst/>
+          </a:prstGeom>
+          <a:noFill/>
+        </p:spPr>
+        <p:txBody>
+          <a:bodyPr wrap="none" rtlCol="0">
+            <a:spAutoFit/>
+          </a:bodyPr>
+          <a:lstStyle/>
+          <a:p>
+            <a:r>
+              <a:rPr lang="ru-RU" i="1" dirty="0" smtClean="0">
+                <a:solidFill>
+                  <a:srgbClr val="0070C0"/>
+                </a:solidFill>
+              </a:rPr>
+              <a:t>Стационарный режим</a:t>
+            </a:r>
+            <a:endParaRPr lang="ru-RU" i="1" dirty="0">
+              <a:solidFill>
+                <a:srgbClr val="0070C0"/>
+              </a:solidFill>
+            </a:endParaRPr>
+          </a:p>
+        </p:txBody>
+      </p:sp>
+      <p:cxnSp>
+        <p:nvCxnSpPr>
+          <p:cNvPr id="15" name="Прямая со стрелкой 14"/>
+          <p:cNvCxnSpPr/>
+          <p:nvPr/>
+        </p:nvCxnSpPr>
+        <p:spPr>
+          <a:xfrm>
+            <a:off x="3419872" y="2276872"/>
+            <a:ext cx="0" cy="3672408"/>
+          </a:xfrm>
+          <a:prstGeom prst="straightConnector1">
+            <a:avLst/>
+          </a:prstGeom>
+          <a:ln w="19050" cmpd="sng">
+            <a:headEnd type="arrow"/>
+            <a:tailEnd type="arrow"/>
+          </a:ln>
+        </p:spPr>
+        <p:style>
+          <a:lnRef idx="1">
+            <a:schemeClr val="accent1"/>
+          </a:lnRef>
+          <a:fillRef idx="0">
+            <a:schemeClr val="accent1"/>
+          </a:fillRef>
+          <a:effectRef idx="0">
+            <a:schemeClr val="accent1"/>
+          </a:effectRef>
+          <a:fontRef idx="minor">
+            <a:schemeClr val="tx1"/>
+          </a:fontRef>
+        </p:style>
+      </p:cxnSp>
+      <p:sp>
+        <p:nvSpPr>
+          <p:cNvPr id="19" name="TextBox 18"/>
+          <p:cNvSpPr txBox="1"/>
+          <p:nvPr/>
+        </p:nvSpPr>
+        <p:spPr>
+          <a:xfrm>
+            <a:off x="3527884" y="1738223"/>
+            <a:ext cx="1548172" cy="646331"/>
+          </a:xfrm>
+          <a:prstGeom prst="rect">
+            <a:avLst/>
+          </a:prstGeom>
+          <a:noFill/>
+        </p:spPr>
+        <p:txBody>
+          <a:bodyPr wrap="square" rtlCol="0">
+            <a:spAutoFit/>
+          </a:bodyPr>
+          <a:lstStyle/>
+          <a:p>
+            <a:r>
+              <a:rPr lang="ru-RU" i="1" dirty="0" smtClean="0">
+                <a:solidFill>
+                  <a:srgbClr val="0070C0"/>
+                </a:solidFill>
+              </a:rPr>
+              <a:t>Медленные кролики</a:t>
+            </a:r>
+            <a:endParaRPr lang="ru-RU" i="1" dirty="0">
+              <a:solidFill>
+                <a:srgbClr val="0070C0"/>
+              </a:solidFill>
+            </a:endParaRPr>
+          </a:p>
+        </p:txBody>
+      </p:sp>
+      <p:sp>
+        <p:nvSpPr>
+          <p:cNvPr id="20" name="TextBox 19"/>
+          <p:cNvSpPr txBox="1"/>
+          <p:nvPr/>
+        </p:nvSpPr>
+        <p:spPr>
+          <a:xfrm>
+            <a:off x="3527884" y="5535528"/>
+            <a:ext cx="1548172" cy="646331"/>
+          </a:xfrm>
+          <a:prstGeom prst="rect">
+            <a:avLst/>
+          </a:prstGeom>
+          <a:noFill/>
+        </p:spPr>
+        <p:txBody>
+          <a:bodyPr wrap="square" rtlCol="0">
+            <a:spAutoFit/>
+          </a:bodyPr>
+          <a:lstStyle/>
+          <a:p>
+            <a:r>
+              <a:rPr lang="ru-RU" i="1" dirty="0" smtClean="0">
+                <a:solidFill>
+                  <a:srgbClr val="0070C0"/>
+                </a:solidFill>
+              </a:rPr>
+              <a:t>Быстрые кролики</a:t>
+            </a:r>
+            <a:endParaRPr lang="ru-RU" i="1" dirty="0">
+              <a:solidFill>
+                <a:srgbClr val="0070C0"/>
+              </a:solidFill>
+            </a:endParaRPr>
+          </a:p>
+        </p:txBody>
+      </p:sp>
+      <p:sp>
+        <p:nvSpPr>
+          <p:cNvPr id="21" name="Стрелка вправо 20"/>
+          <p:cNvSpPr/>
+          <p:nvPr/>
+        </p:nvSpPr>
+        <p:spPr>
+          <a:xfrm>
+            <a:off x="3203848" y="3897052"/>
+            <a:ext cx="720080" cy="432048"/>
+          </a:xfrm>
+          <a:prstGeom prst="rightArrow">
+            <a:avLst/>
+          </a:prstGeom>
+          <a:solidFill>
+            <a:srgbClr val="00B0F0"/>
+          </a:solidFill>
+        </p:spPr>
+        <p:style>
+          <a:lnRef idx="2">
+            <a:schemeClr val="accent1">
+              <a:shade val="50000"/>
+            </a:schemeClr>
+          </a:lnRef>
+          <a:fillRef idx="1">
+            <a:schemeClr val="accent1"/>
+          </a:fillRef>
+          <a:effectRef idx="0">
+            <a:schemeClr val="accent1"/>
+          </a:effectRef>
+          <a:fontRef idx="minor">
+            <a:schemeClr val="lt1"/>
+          </a:fontRef>
+        </p:style>
+        <p:txBody>
+          <a:bodyPr rtlCol="0" anchor="ctr"/>
+          <a:lstStyle/>
+          <a:p>
+            <a:pPr algn="ctr"/>
+            <a:endParaRPr lang="ru-RU"/>
+          </a:p>
+        </p:txBody>
+      </p:sp>
+    </p:spTree>
+    <p:extLst>
+      <p:ext uri="{BB962C8B-B14F-4D97-AF65-F5344CB8AC3E}">
+        <p14:creationId xmlns:p14="http://schemas.microsoft.com/office/powerpoint/2010/main" val="285989872"/>
+      </p:ext>
+    </p:extLst>
+  </p:cSld>
+  <p:clrMapOvr>
+    <a:masterClrMapping/>
+  </p:clrMapOvr>
 </p:sld>
 </file>
 

--- a/rabbit-foxes.pptx
+++ b/rabbit-foxes.pptx
@@ -4,6 +4,9 @@
   <p:sldMasterIdLst>
     <p:sldMasterId id="2147483648" r:id="rId1"/>
   </p:sldMasterIdLst>
+  <p:notesMasterIdLst>
+    <p:notesMasterId r:id="rId17"/>
+  </p:notesMasterIdLst>
   <p:sldIdLst>
     <p:sldId id="261" r:id="rId2"/>
     <p:sldId id="262" r:id="rId3"/>
@@ -13,10 +16,16 @@
     <p:sldId id="257" r:id="rId7"/>
     <p:sldId id="258" r:id="rId8"/>
     <p:sldId id="259" r:id="rId9"/>
-    <p:sldId id="260" r:id="rId10"/>
+    <p:sldId id="265" r:id="rId10"/>
+    <p:sldId id="266" r:id="rId11"/>
+    <p:sldId id="267" r:id="rId12"/>
+    <p:sldId id="268" r:id="rId13"/>
+    <p:sldId id="269" r:id="rId14"/>
+    <p:sldId id="270" r:id="rId15"/>
+    <p:sldId id="271" r:id="rId16"/>
   </p:sldIdLst>
   <p:sldSz cx="9144000" cy="6858000" type="screen4x3"/>
-  <p:notesSz cx="6858000" cy="9144000"/>
+  <p:notesSz cx="7315200" cy="9601200"/>
   <p:defaultTextStyle>
     <a:defPPr>
       <a:defRPr lang="ru-RU"/>
@@ -112,7 +121,2045 @@
       </a:defRPr>
     </a:lvl9pPr>
   </p:defaultTextStyle>
+  <p:extLst>
+    <p:ext uri="{521415D9-36F7-43E2-AB2F-B90AF26B5E84}">
+      <p14:sectionLst xmlns:p14="http://schemas.microsoft.com/office/powerpoint/2010/main">
+        <p14:section name="Раздел по умолчанию" id="{C63C5341-EFAB-4097-8C18-C7CE79841966}">
+          <p14:sldIdLst>
+            <p14:sldId id="261"/>
+            <p14:sldId id="262"/>
+            <p14:sldId id="263"/>
+            <p14:sldId id="264"/>
+            <p14:sldId id="256"/>
+            <p14:sldId id="257"/>
+            <p14:sldId id="258"/>
+            <p14:sldId id="259"/>
+            <p14:sldId id="265"/>
+            <p14:sldId id="266"/>
+            <p14:sldId id="267"/>
+            <p14:sldId id="268"/>
+            <p14:sldId id="269"/>
+            <p14:sldId id="270"/>
+            <p14:sldId id="271"/>
+          </p14:sldIdLst>
+        </p14:section>
+      </p14:sectionLst>
+    </p:ext>
+  </p:extLst>
 </p:presentation>
+</file>
+
+<file path=ppt/notesMasters/notesMaster1.xml><?xml version="1.0" encoding="utf-8"?>
+<p:notesMaster xmlns:a="http://schemas.openxmlformats.org/drawingml/2006/main" xmlns:r="http://schemas.openxmlformats.org/officeDocument/2006/relationships" xmlns:p="http://schemas.openxmlformats.org/presentationml/2006/main">
+  <p:cSld>
+    <p:bg>
+      <p:bgRef idx="1001">
+        <a:schemeClr val="bg1"/>
+      </p:bgRef>
+    </p:bg>
+    <p:spTree>
+      <p:nvGrpSpPr>
+        <p:cNvPr id="1" name=""/>
+        <p:cNvGrpSpPr/>
+        <p:nvPr/>
+      </p:nvGrpSpPr>
+      <p:grpSpPr>
+        <a:xfrm>
+          <a:off x="0" y="0"/>
+          <a:ext cx="0" cy="0"/>
+          <a:chOff x="0" y="0"/>
+          <a:chExt cx="0" cy="0"/>
+        </a:xfrm>
+      </p:grpSpPr>
+      <p:sp>
+        <p:nvSpPr>
+          <p:cNvPr id="2" name="Верхний колонтитул 1"/>
+          <p:cNvSpPr>
+            <a:spLocks noGrp="1"/>
+          </p:cNvSpPr>
+          <p:nvPr>
+            <p:ph type="hdr" sz="quarter"/>
+          </p:nvPr>
+        </p:nvSpPr>
+        <p:spPr>
+          <a:xfrm>
+            <a:off x="0" y="0"/>
+            <a:ext cx="3169920" cy="480060"/>
+          </a:xfrm>
+          <a:prstGeom prst="rect">
+            <a:avLst/>
+          </a:prstGeom>
+        </p:spPr>
+        <p:txBody>
+          <a:bodyPr vert="horz" lIns="96661" tIns="48331" rIns="96661" bIns="48331" rtlCol="0"/>
+          <a:lstStyle>
+            <a:lvl1pPr algn="l">
+              <a:defRPr sz="1300"/>
+            </a:lvl1pPr>
+          </a:lstStyle>
+          <a:p>
+            <a:endParaRPr lang="ru-RU"/>
+          </a:p>
+        </p:txBody>
+      </p:sp>
+      <p:sp>
+        <p:nvSpPr>
+          <p:cNvPr id="3" name="Дата 2"/>
+          <p:cNvSpPr>
+            <a:spLocks noGrp="1"/>
+          </p:cNvSpPr>
+          <p:nvPr>
+            <p:ph type="dt" idx="1"/>
+          </p:nvPr>
+        </p:nvSpPr>
+        <p:spPr>
+          <a:xfrm>
+            <a:off x="4143587" y="0"/>
+            <a:ext cx="3169920" cy="480060"/>
+          </a:xfrm>
+          <a:prstGeom prst="rect">
+            <a:avLst/>
+          </a:prstGeom>
+        </p:spPr>
+        <p:txBody>
+          <a:bodyPr vert="horz" lIns="96661" tIns="48331" rIns="96661" bIns="48331" rtlCol="0"/>
+          <a:lstStyle>
+            <a:lvl1pPr algn="r">
+              <a:defRPr sz="1300"/>
+            </a:lvl1pPr>
+          </a:lstStyle>
+          <a:p>
+            <a:fld id="{F429C311-8366-4A6F-97F9-6A917359E8D0}" type="datetimeFigureOut">
+              <a:rPr lang="ru-RU" smtClean="0"/>
+              <a:t>26.01.2016</a:t>
+            </a:fld>
+            <a:endParaRPr lang="ru-RU"/>
+          </a:p>
+        </p:txBody>
+      </p:sp>
+      <p:sp>
+        <p:nvSpPr>
+          <p:cNvPr id="4" name="Образ слайда 3"/>
+          <p:cNvSpPr>
+            <a:spLocks noGrp="1" noRot="1" noChangeAspect="1"/>
+          </p:cNvSpPr>
+          <p:nvPr>
+            <p:ph type="sldImg" idx="2"/>
+          </p:nvPr>
+        </p:nvSpPr>
+        <p:spPr>
+          <a:xfrm>
+            <a:off x="1257300" y="720725"/>
+            <a:ext cx="4800600" cy="3600450"/>
+          </a:xfrm>
+          <a:prstGeom prst="rect">
+            <a:avLst/>
+          </a:prstGeom>
+          <a:noFill/>
+          <a:ln w="12700">
+            <a:solidFill>
+              <a:prstClr val="black"/>
+            </a:solidFill>
+          </a:ln>
+        </p:spPr>
+        <p:txBody>
+          <a:bodyPr vert="horz" lIns="96661" tIns="48331" rIns="96661" bIns="48331" rtlCol="0" anchor="ctr"/>
+          <a:lstStyle/>
+          <a:p>
+            <a:endParaRPr lang="ru-RU"/>
+          </a:p>
+        </p:txBody>
+      </p:sp>
+      <p:sp>
+        <p:nvSpPr>
+          <p:cNvPr id="5" name="Заметки 4"/>
+          <p:cNvSpPr>
+            <a:spLocks noGrp="1"/>
+          </p:cNvSpPr>
+          <p:nvPr>
+            <p:ph type="body" sz="quarter" idx="3"/>
+          </p:nvPr>
+        </p:nvSpPr>
+        <p:spPr>
+          <a:xfrm>
+            <a:off x="731520" y="4560570"/>
+            <a:ext cx="5852160" cy="4320540"/>
+          </a:xfrm>
+          <a:prstGeom prst="rect">
+            <a:avLst/>
+          </a:prstGeom>
+        </p:spPr>
+        <p:txBody>
+          <a:bodyPr vert="horz" lIns="96661" tIns="48331" rIns="96661" bIns="48331" rtlCol="0"/>
+          <a:lstStyle/>
+          <a:p>
+            <a:pPr lvl="0"/>
+            <a:r>
+              <a:rPr lang="ru-RU" smtClean="0"/>
+              <a:t>Образец текста</a:t>
+            </a:r>
+          </a:p>
+          <a:p>
+            <a:pPr lvl="1"/>
+            <a:r>
+              <a:rPr lang="ru-RU" smtClean="0"/>
+              <a:t>Второй уровень</a:t>
+            </a:r>
+          </a:p>
+          <a:p>
+            <a:pPr lvl="2"/>
+            <a:r>
+              <a:rPr lang="ru-RU" smtClean="0"/>
+              <a:t>Третий уровень</a:t>
+            </a:r>
+          </a:p>
+          <a:p>
+            <a:pPr lvl="3"/>
+            <a:r>
+              <a:rPr lang="ru-RU" smtClean="0"/>
+              <a:t>Четвертый уровень</a:t>
+            </a:r>
+          </a:p>
+          <a:p>
+            <a:pPr lvl="4"/>
+            <a:r>
+              <a:rPr lang="ru-RU" smtClean="0"/>
+              <a:t>Пятый уровень</a:t>
+            </a:r>
+            <a:endParaRPr lang="ru-RU"/>
+          </a:p>
+        </p:txBody>
+      </p:sp>
+      <p:sp>
+        <p:nvSpPr>
+          <p:cNvPr id="6" name="Нижний колонтитул 5"/>
+          <p:cNvSpPr>
+            <a:spLocks noGrp="1"/>
+          </p:cNvSpPr>
+          <p:nvPr>
+            <p:ph type="ftr" sz="quarter" idx="4"/>
+          </p:nvPr>
+        </p:nvSpPr>
+        <p:spPr>
+          <a:xfrm>
+            <a:off x="0" y="9119474"/>
+            <a:ext cx="3169920" cy="480060"/>
+          </a:xfrm>
+          <a:prstGeom prst="rect">
+            <a:avLst/>
+          </a:prstGeom>
+        </p:spPr>
+        <p:txBody>
+          <a:bodyPr vert="horz" lIns="96661" tIns="48331" rIns="96661" bIns="48331" rtlCol="0" anchor="b"/>
+          <a:lstStyle>
+            <a:lvl1pPr algn="l">
+              <a:defRPr sz="1300"/>
+            </a:lvl1pPr>
+          </a:lstStyle>
+          <a:p>
+            <a:endParaRPr lang="ru-RU"/>
+          </a:p>
+        </p:txBody>
+      </p:sp>
+      <p:sp>
+        <p:nvSpPr>
+          <p:cNvPr id="7" name="Номер слайда 6"/>
+          <p:cNvSpPr>
+            <a:spLocks noGrp="1"/>
+          </p:cNvSpPr>
+          <p:nvPr>
+            <p:ph type="sldNum" sz="quarter" idx="5"/>
+          </p:nvPr>
+        </p:nvSpPr>
+        <p:spPr>
+          <a:xfrm>
+            <a:off x="4143587" y="9119474"/>
+            <a:ext cx="3169920" cy="480060"/>
+          </a:xfrm>
+          <a:prstGeom prst="rect">
+            <a:avLst/>
+          </a:prstGeom>
+        </p:spPr>
+        <p:txBody>
+          <a:bodyPr vert="horz" lIns="96661" tIns="48331" rIns="96661" bIns="48331" rtlCol="0" anchor="b"/>
+          <a:lstStyle>
+            <a:lvl1pPr algn="r">
+              <a:defRPr sz="1300"/>
+            </a:lvl1pPr>
+          </a:lstStyle>
+          <a:p>
+            <a:fld id="{2A8B0EF9-1640-46E4-848E-1A91344214BA}" type="slidenum">
+              <a:rPr lang="ru-RU" smtClean="0"/>
+              <a:t>‹#›</a:t>
+            </a:fld>
+            <a:endParaRPr lang="ru-RU"/>
+          </a:p>
+        </p:txBody>
+      </p:sp>
+    </p:spTree>
+    <p:extLst>
+      <p:ext uri="{BB962C8B-B14F-4D97-AF65-F5344CB8AC3E}">
+        <p14:creationId xmlns:p14="http://schemas.microsoft.com/office/powerpoint/2010/main" val="1801391114"/>
+      </p:ext>
+    </p:extLst>
+  </p:cSld>
+  <p:clrMap bg1="lt1" tx1="dk1" bg2="lt2" tx2="dk2" accent1="accent1" accent2="accent2" accent3="accent3" accent4="accent4" accent5="accent5" accent6="accent6" hlink="hlink" folHlink="folHlink"/>
+  <p:notesStyle>
+    <a:lvl1pPr marL="0" algn="l" defTabSz="914400" rtl="0" eaLnBrk="1" latinLnBrk="0" hangingPunct="1">
+      <a:defRPr sz="1200" kern="1200">
+        <a:solidFill>
+          <a:schemeClr val="tx1"/>
+        </a:solidFill>
+        <a:latin typeface="+mn-lt"/>
+        <a:ea typeface="+mn-ea"/>
+        <a:cs typeface="+mn-cs"/>
+      </a:defRPr>
+    </a:lvl1pPr>
+    <a:lvl2pPr marL="457200" algn="l" defTabSz="914400" rtl="0" eaLnBrk="1" latinLnBrk="0" hangingPunct="1">
+      <a:defRPr sz="1200" kern="1200">
+        <a:solidFill>
+          <a:schemeClr val="tx1"/>
+        </a:solidFill>
+        <a:latin typeface="+mn-lt"/>
+        <a:ea typeface="+mn-ea"/>
+        <a:cs typeface="+mn-cs"/>
+      </a:defRPr>
+    </a:lvl2pPr>
+    <a:lvl3pPr marL="914400" algn="l" defTabSz="914400" rtl="0" eaLnBrk="1" latinLnBrk="0" hangingPunct="1">
+      <a:defRPr sz="1200" kern="1200">
+        <a:solidFill>
+          <a:schemeClr val="tx1"/>
+        </a:solidFill>
+        <a:latin typeface="+mn-lt"/>
+        <a:ea typeface="+mn-ea"/>
+        <a:cs typeface="+mn-cs"/>
+      </a:defRPr>
+    </a:lvl3pPr>
+    <a:lvl4pPr marL="1371600" algn="l" defTabSz="914400" rtl="0" eaLnBrk="1" latinLnBrk="0" hangingPunct="1">
+      <a:defRPr sz="1200" kern="1200">
+        <a:solidFill>
+          <a:schemeClr val="tx1"/>
+        </a:solidFill>
+        <a:latin typeface="+mn-lt"/>
+        <a:ea typeface="+mn-ea"/>
+        <a:cs typeface="+mn-cs"/>
+      </a:defRPr>
+    </a:lvl4pPr>
+    <a:lvl5pPr marL="1828800" algn="l" defTabSz="914400" rtl="0" eaLnBrk="1" latinLnBrk="0" hangingPunct="1">
+      <a:defRPr sz="1200" kern="1200">
+        <a:solidFill>
+          <a:schemeClr val="tx1"/>
+        </a:solidFill>
+        <a:latin typeface="+mn-lt"/>
+        <a:ea typeface="+mn-ea"/>
+        <a:cs typeface="+mn-cs"/>
+      </a:defRPr>
+    </a:lvl5pPr>
+    <a:lvl6pPr marL="2286000" algn="l" defTabSz="914400" rtl="0" eaLnBrk="1" latinLnBrk="0" hangingPunct="1">
+      <a:defRPr sz="1200" kern="1200">
+        <a:solidFill>
+          <a:schemeClr val="tx1"/>
+        </a:solidFill>
+        <a:latin typeface="+mn-lt"/>
+        <a:ea typeface="+mn-ea"/>
+        <a:cs typeface="+mn-cs"/>
+      </a:defRPr>
+    </a:lvl6pPr>
+    <a:lvl7pPr marL="2743200" algn="l" defTabSz="914400" rtl="0" eaLnBrk="1" latinLnBrk="0" hangingPunct="1">
+      <a:defRPr sz="1200" kern="1200">
+        <a:solidFill>
+          <a:schemeClr val="tx1"/>
+        </a:solidFill>
+        <a:latin typeface="+mn-lt"/>
+        <a:ea typeface="+mn-ea"/>
+        <a:cs typeface="+mn-cs"/>
+      </a:defRPr>
+    </a:lvl7pPr>
+    <a:lvl8pPr marL="3200400" algn="l" defTabSz="914400" rtl="0" eaLnBrk="1" latinLnBrk="0" hangingPunct="1">
+      <a:defRPr sz="1200" kern="1200">
+        <a:solidFill>
+          <a:schemeClr val="tx1"/>
+        </a:solidFill>
+        <a:latin typeface="+mn-lt"/>
+        <a:ea typeface="+mn-ea"/>
+        <a:cs typeface="+mn-cs"/>
+      </a:defRPr>
+    </a:lvl8pPr>
+    <a:lvl9pPr marL="3657600" algn="l" defTabSz="914400" rtl="0" eaLnBrk="1" latinLnBrk="0" hangingPunct="1">
+      <a:defRPr sz="1200" kern="1200">
+        <a:solidFill>
+          <a:schemeClr val="tx1"/>
+        </a:solidFill>
+        <a:latin typeface="+mn-lt"/>
+        <a:ea typeface="+mn-ea"/>
+        <a:cs typeface="+mn-cs"/>
+      </a:defRPr>
+    </a:lvl9pPr>
+  </p:notesStyle>
+</p:notesMaster>
+</file>
+
+<file path=ppt/notesSlides/notesSlide1.xml><?xml version="1.0" encoding="utf-8"?>
+<p:notes xmlns:a="http://schemas.openxmlformats.org/drawingml/2006/main" xmlns:r="http://schemas.openxmlformats.org/officeDocument/2006/relationships" xmlns:p="http://schemas.openxmlformats.org/presentationml/2006/main">
+  <p:cSld>
+    <p:spTree>
+      <p:nvGrpSpPr>
+        <p:cNvPr id="1" name=""/>
+        <p:cNvGrpSpPr/>
+        <p:nvPr/>
+      </p:nvGrpSpPr>
+      <p:grpSpPr>
+        <a:xfrm>
+          <a:off x="0" y="0"/>
+          <a:ext cx="0" cy="0"/>
+          <a:chOff x="0" y="0"/>
+          <a:chExt cx="0" cy="0"/>
+        </a:xfrm>
+      </p:grpSpPr>
+      <p:sp>
+        <p:nvSpPr>
+          <p:cNvPr id="2" name="Образ слайда 1"/>
+          <p:cNvSpPr>
+            <a:spLocks noGrp="1" noRot="1" noChangeAspect="1"/>
+          </p:cNvSpPr>
+          <p:nvPr>
+            <p:ph type="sldImg"/>
+          </p:nvPr>
+        </p:nvSpPr>
+        <p:spPr/>
+      </p:sp>
+      <p:sp>
+        <p:nvSpPr>
+          <p:cNvPr id="3" name="Заметки 2"/>
+          <p:cNvSpPr>
+            <a:spLocks noGrp="1"/>
+          </p:cNvSpPr>
+          <p:nvPr>
+            <p:ph type="body" idx="1"/>
+          </p:nvPr>
+        </p:nvSpPr>
+        <p:spPr/>
+        <p:txBody>
+          <a:bodyPr/>
+          <a:lstStyle/>
+          <a:p>
+            <a:endParaRPr lang="ru-RU"/>
+          </a:p>
+        </p:txBody>
+      </p:sp>
+      <p:sp>
+        <p:nvSpPr>
+          <p:cNvPr id="4" name="Номер слайда 3"/>
+          <p:cNvSpPr>
+            <a:spLocks noGrp="1"/>
+          </p:cNvSpPr>
+          <p:nvPr>
+            <p:ph type="sldNum" sz="quarter" idx="10"/>
+          </p:nvPr>
+        </p:nvSpPr>
+        <p:spPr/>
+        <p:txBody>
+          <a:bodyPr/>
+          <a:lstStyle/>
+          <a:p>
+            <a:fld id="{2A8B0EF9-1640-46E4-848E-1A91344214BA}" type="slidenum">
+              <a:rPr lang="ru-RU" smtClean="0"/>
+              <a:t>1</a:t>
+            </a:fld>
+            <a:endParaRPr lang="ru-RU"/>
+          </a:p>
+        </p:txBody>
+      </p:sp>
+    </p:spTree>
+    <p:extLst>
+      <p:ext uri="{BB962C8B-B14F-4D97-AF65-F5344CB8AC3E}">
+        <p14:creationId xmlns:p14="http://schemas.microsoft.com/office/powerpoint/2010/main" val="1368652600"/>
+      </p:ext>
+    </p:extLst>
+  </p:cSld>
+  <p:clrMapOvr>
+    <a:masterClrMapping/>
+  </p:clrMapOvr>
+</p:notes>
+</file>
+
+<file path=ppt/notesSlides/notesSlide10.xml><?xml version="1.0" encoding="utf-8"?>
+<p:notes xmlns:a="http://schemas.openxmlformats.org/drawingml/2006/main" xmlns:r="http://schemas.openxmlformats.org/officeDocument/2006/relationships" xmlns:p="http://schemas.openxmlformats.org/presentationml/2006/main">
+  <p:cSld>
+    <p:spTree>
+      <p:nvGrpSpPr>
+        <p:cNvPr id="1" name=""/>
+        <p:cNvGrpSpPr/>
+        <p:nvPr/>
+      </p:nvGrpSpPr>
+      <p:grpSpPr>
+        <a:xfrm>
+          <a:off x="0" y="0"/>
+          <a:ext cx="0" cy="0"/>
+          <a:chOff x="0" y="0"/>
+          <a:chExt cx="0" cy="0"/>
+        </a:xfrm>
+      </p:grpSpPr>
+      <p:sp>
+        <p:nvSpPr>
+          <p:cNvPr id="2" name="Образ слайда 1"/>
+          <p:cNvSpPr>
+            <a:spLocks noGrp="1" noRot="1" noChangeAspect="1"/>
+          </p:cNvSpPr>
+          <p:nvPr>
+            <p:ph type="sldImg"/>
+          </p:nvPr>
+        </p:nvSpPr>
+        <p:spPr/>
+      </p:sp>
+      <p:sp>
+        <p:nvSpPr>
+          <p:cNvPr id="3" name="Заметки 2"/>
+          <p:cNvSpPr>
+            <a:spLocks noGrp="1"/>
+          </p:cNvSpPr>
+          <p:nvPr>
+            <p:ph type="body" idx="1"/>
+          </p:nvPr>
+        </p:nvSpPr>
+        <p:spPr/>
+        <p:txBody>
+          <a:bodyPr/>
+          <a:lstStyle/>
+          <a:p>
+            <a:r>
+              <a:rPr lang="ru-RU" dirty="0" smtClean="0"/>
+              <a:t>Неустойчивость положения равновесия приводит к возникновению автоколебаний. Популяция кроликов растет почти до уровня насыщения среды,</a:t>
+            </a:r>
+            <a:r>
+              <a:rPr lang="ru-RU" baseline="0" dirty="0" smtClean="0"/>
+              <a:t> когда ей перестает хватать травы для роста. При этом лисы быстро размножаются, и начинается падение численности популяции кроликов почти до нуля. Лисы начинают голодать, их численность падает, после чего популяция кроликов снова возрастает до уровня прежнего максимума.</a:t>
+            </a:r>
+            <a:endParaRPr lang="ru-RU" dirty="0"/>
+          </a:p>
+        </p:txBody>
+      </p:sp>
+      <p:sp>
+        <p:nvSpPr>
+          <p:cNvPr id="4" name="Номер слайда 3"/>
+          <p:cNvSpPr>
+            <a:spLocks noGrp="1"/>
+          </p:cNvSpPr>
+          <p:nvPr>
+            <p:ph type="sldNum" sz="quarter" idx="10"/>
+          </p:nvPr>
+        </p:nvSpPr>
+        <p:spPr/>
+        <p:txBody>
+          <a:bodyPr/>
+          <a:lstStyle/>
+          <a:p>
+            <a:fld id="{2A8B0EF9-1640-46E4-848E-1A91344214BA}" type="slidenum">
+              <a:rPr lang="ru-RU" smtClean="0"/>
+              <a:t>10</a:t>
+            </a:fld>
+            <a:endParaRPr lang="ru-RU"/>
+          </a:p>
+        </p:txBody>
+      </p:sp>
+    </p:spTree>
+    <p:extLst>
+      <p:ext uri="{BB962C8B-B14F-4D97-AF65-F5344CB8AC3E}">
+        <p14:creationId xmlns:p14="http://schemas.microsoft.com/office/powerpoint/2010/main" val="3221982242"/>
+      </p:ext>
+    </p:extLst>
+  </p:cSld>
+  <p:clrMapOvr>
+    <a:masterClrMapping/>
+  </p:clrMapOvr>
+</p:notes>
+</file>
+
+<file path=ppt/notesSlides/notesSlide11.xml><?xml version="1.0" encoding="utf-8"?>
+<p:notes xmlns:a="http://schemas.openxmlformats.org/drawingml/2006/main" xmlns:r="http://schemas.openxmlformats.org/officeDocument/2006/relationships" xmlns:p="http://schemas.openxmlformats.org/presentationml/2006/main">
+  <p:cSld>
+    <p:spTree>
+      <p:nvGrpSpPr>
+        <p:cNvPr id="1" name=""/>
+        <p:cNvGrpSpPr/>
+        <p:nvPr/>
+      </p:nvGrpSpPr>
+      <p:grpSpPr>
+        <a:xfrm>
+          <a:off x="0" y="0"/>
+          <a:ext cx="0" cy="0"/>
+          <a:chOff x="0" y="0"/>
+          <a:chExt cx="0" cy="0"/>
+        </a:xfrm>
+      </p:grpSpPr>
+      <p:sp>
+        <p:nvSpPr>
+          <p:cNvPr id="2" name="Образ слайда 1"/>
+          <p:cNvSpPr>
+            <a:spLocks noGrp="1" noRot="1" noChangeAspect="1"/>
+          </p:cNvSpPr>
+          <p:nvPr>
+            <p:ph type="sldImg"/>
+          </p:nvPr>
+        </p:nvSpPr>
+        <p:spPr/>
+      </p:sp>
+      <p:sp>
+        <p:nvSpPr>
+          <p:cNvPr id="3" name="Заметки 2"/>
+          <p:cNvSpPr>
+            <a:spLocks noGrp="1"/>
+          </p:cNvSpPr>
+          <p:nvPr>
+            <p:ph type="body" idx="1"/>
+          </p:nvPr>
+        </p:nvSpPr>
+        <p:spPr/>
+        <p:txBody>
+          <a:bodyPr/>
+          <a:lstStyle/>
+          <a:p>
+            <a:r>
+              <a:rPr lang="ru-RU" dirty="0" smtClean="0"/>
+              <a:t>Усложним</a:t>
+            </a:r>
+            <a:r>
+              <a:rPr lang="ru-RU" baseline="0" dirty="0" smtClean="0"/>
+              <a:t> задачу, предположив, что численность популяций меняется не только во времени, но и в пространстве. Для простоты рассмотрим одномерный случай, когда кролики и лисы живут в узкой кольцевой полосе, например на острове, в центре которого лагуна или необитаемая гора. Разобьём эту полосу на </a:t>
+            </a:r>
+            <a:r>
+              <a:rPr lang="en-US" baseline="0" dirty="0" smtClean="0"/>
+              <a:t>N </a:t>
+            </a:r>
+            <a:r>
+              <a:rPr lang="ru-RU" baseline="0" dirty="0" smtClean="0"/>
+              <a:t>одинаковых делянок и будем отслеживать численность популяций в каждой из них. В нашей модели </a:t>
+            </a:r>
+            <a:r>
+              <a:rPr lang="en-US" baseline="0" dirty="0" smtClean="0"/>
+              <a:t>N=990.</a:t>
+            </a:r>
+            <a:r>
+              <a:rPr lang="ru-RU" baseline="0" dirty="0" smtClean="0"/>
+              <a:t> Теперь </a:t>
+            </a:r>
+            <a:r>
+              <a:rPr lang="en-US" baseline="0" dirty="0" smtClean="0"/>
+              <a:t>R </a:t>
+            </a:r>
+            <a:r>
+              <a:rPr lang="ru-RU" baseline="0" dirty="0" smtClean="0"/>
+              <a:t>и </a:t>
+            </a:r>
+            <a:r>
+              <a:rPr lang="en-US" baseline="0" dirty="0" smtClean="0"/>
+              <a:t>F – </a:t>
+            </a:r>
+            <a:r>
+              <a:rPr lang="ru-RU" baseline="0" dirty="0" smtClean="0"/>
+              <a:t>это количество кроликов, живущих на единице длины этой полосы, например на каждом километре.</a:t>
+            </a:r>
+            <a:endParaRPr lang="ru-RU" dirty="0"/>
+          </a:p>
+        </p:txBody>
+      </p:sp>
+      <p:sp>
+        <p:nvSpPr>
+          <p:cNvPr id="4" name="Номер слайда 3"/>
+          <p:cNvSpPr>
+            <a:spLocks noGrp="1"/>
+          </p:cNvSpPr>
+          <p:nvPr>
+            <p:ph type="sldNum" sz="quarter" idx="10"/>
+          </p:nvPr>
+        </p:nvSpPr>
+        <p:spPr/>
+        <p:txBody>
+          <a:bodyPr/>
+          <a:lstStyle/>
+          <a:p>
+            <a:fld id="{2A8B0EF9-1640-46E4-848E-1A91344214BA}" type="slidenum">
+              <a:rPr lang="ru-RU" smtClean="0"/>
+              <a:t>11</a:t>
+            </a:fld>
+            <a:endParaRPr lang="ru-RU"/>
+          </a:p>
+        </p:txBody>
+      </p:sp>
+    </p:spTree>
+    <p:extLst>
+      <p:ext uri="{BB962C8B-B14F-4D97-AF65-F5344CB8AC3E}">
+        <p14:creationId xmlns:p14="http://schemas.microsoft.com/office/powerpoint/2010/main" val="1590084328"/>
+      </p:ext>
+    </p:extLst>
+  </p:cSld>
+  <p:clrMapOvr>
+    <a:masterClrMapping/>
+  </p:clrMapOvr>
+</p:notes>
+</file>
+
+<file path=ppt/notesSlides/notesSlide12.xml><?xml version="1.0" encoding="utf-8"?>
+<p:notes xmlns:a="http://schemas.openxmlformats.org/drawingml/2006/main" xmlns:r="http://schemas.openxmlformats.org/officeDocument/2006/relationships" xmlns:p="http://schemas.openxmlformats.org/presentationml/2006/main">
+  <p:cSld>
+    <p:spTree>
+      <p:nvGrpSpPr>
+        <p:cNvPr id="1" name=""/>
+        <p:cNvGrpSpPr/>
+        <p:nvPr/>
+      </p:nvGrpSpPr>
+      <p:grpSpPr>
+        <a:xfrm>
+          <a:off x="0" y="0"/>
+          <a:ext cx="0" cy="0"/>
+          <a:chOff x="0" y="0"/>
+          <a:chExt cx="0" cy="0"/>
+        </a:xfrm>
+      </p:grpSpPr>
+      <p:sp>
+        <p:nvSpPr>
+          <p:cNvPr id="2" name="Образ слайда 1"/>
+          <p:cNvSpPr>
+            <a:spLocks noGrp="1" noRot="1" noChangeAspect="1"/>
+          </p:cNvSpPr>
+          <p:nvPr>
+            <p:ph type="sldImg"/>
+          </p:nvPr>
+        </p:nvSpPr>
+        <p:spPr/>
+      </p:sp>
+      <p:sp>
+        <p:nvSpPr>
+          <p:cNvPr id="3" name="Заметки 2"/>
+          <p:cNvSpPr>
+            <a:spLocks noGrp="1"/>
+          </p:cNvSpPr>
+          <p:nvPr>
+            <p:ph type="body" idx="1"/>
+          </p:nvPr>
+        </p:nvSpPr>
+        <p:spPr/>
+        <p:txBody>
+          <a:bodyPr/>
+          <a:lstStyle/>
+          <a:p>
+            <a:r>
+              <a:rPr lang="ru-RU" dirty="0" smtClean="0"/>
+              <a:t>Теперь наша</a:t>
+            </a:r>
+            <a:r>
+              <a:rPr lang="ru-RU" baseline="0" dirty="0" smtClean="0"/>
+              <a:t> задача усложняется тем, что кролики и лисы могут перемещаться по острову, мигрируя с одной делянки на другую. Мы предположим, что они это делают, двигаясь в случайном направлении (то есть половина вправо, половина влево) с одинаковой скоростью, которая может отличаться у кроликов и лис. Тогда за время </a:t>
+            </a:r>
+            <a:r>
+              <a:rPr lang="ru-RU" baseline="0" dirty="0" smtClean="0">
+                <a:latin typeface="Calibri"/>
+              </a:rPr>
+              <a:t>∆</a:t>
+            </a:r>
+            <a:r>
+              <a:rPr lang="en-US" baseline="0" dirty="0" smtClean="0">
+                <a:latin typeface="Calibri"/>
+              </a:rPr>
+              <a:t>t </a:t>
+            </a:r>
+            <a:r>
+              <a:rPr lang="ru-RU" baseline="0" dirty="0" smtClean="0">
+                <a:latin typeface="Calibri"/>
+              </a:rPr>
+              <a:t>половина населения делянки просто сместиться вправо на расстояние, равное произведению </a:t>
+            </a:r>
+            <a:r>
+              <a:rPr lang="ru-RU" baseline="0" dirty="0" smtClean="0">
+                <a:latin typeface="+mn-lt"/>
+              </a:rPr>
+              <a:t>∆</a:t>
+            </a:r>
+            <a:r>
+              <a:rPr lang="en-US" baseline="0" dirty="0" smtClean="0">
+                <a:latin typeface="+mn-lt"/>
+              </a:rPr>
+              <a:t>t</a:t>
+            </a:r>
+            <a:r>
+              <a:rPr lang="ru-RU" baseline="0" dirty="0" smtClean="0">
+                <a:latin typeface="+mn-lt"/>
+              </a:rPr>
+              <a:t> на скорость миграции, а половина – влево на такое же расстояние. Отсюда легко найти скорость изменения численности популяции в результате миграции, зная численность популяции в соседних делянках. Она равна произведению скорости миграции на некоторую характеристику неравномерности распределения популяции по делянкам. Для проверки нашей модели мы смоделировали расселение кроликов по острову при отсутствии лис – </a:t>
+            </a:r>
+            <a:r>
+              <a:rPr lang="en-US" baseline="0" dirty="0" smtClean="0">
+                <a:latin typeface="+mn-lt"/>
+              </a:rPr>
+              <a:t>no-foxes.mp4</a:t>
+            </a:r>
+            <a:endParaRPr lang="ru-RU" baseline="0" dirty="0" smtClean="0">
+              <a:latin typeface="+mn-lt"/>
+            </a:endParaRPr>
+          </a:p>
+          <a:p>
+            <a:endParaRPr lang="ru-RU" baseline="0" dirty="0" smtClean="0">
+              <a:latin typeface="+mn-lt"/>
+            </a:endParaRPr>
+          </a:p>
+          <a:p>
+            <a:r>
+              <a:rPr lang="ru-RU" b="1" baseline="0" dirty="0" smtClean="0">
+                <a:latin typeface="+mn-lt"/>
+              </a:rPr>
+              <a:t>Важное примечание, которое нужно помнить, но не нужно рассказывать</a:t>
+            </a:r>
+            <a:r>
+              <a:rPr lang="en-US" b="1" baseline="0" dirty="0" smtClean="0">
+                <a:latin typeface="+mn-lt"/>
+              </a:rPr>
+              <a:t>: </a:t>
+            </a:r>
+            <a:r>
+              <a:rPr lang="ru-RU" b="0" baseline="0" dirty="0" smtClean="0">
+                <a:latin typeface="+mn-lt"/>
+              </a:rPr>
+              <a:t>эти формулы не совсем точны, поскольку они не учитывают, что мигрирующие особи периодически случайным образом меняют направление своего движения. В точной модели должен быть еще один параметр – средняя длина пробега кроликов и лис до смены направления движения. Мы не учитываем ее, чтобы не </a:t>
+            </a:r>
+            <a:r>
+              <a:rPr lang="ru-RU" b="0" baseline="0" dirty="0" err="1" smtClean="0">
+                <a:latin typeface="+mn-lt"/>
+              </a:rPr>
+              <a:t>переусложнять</a:t>
+            </a:r>
+            <a:r>
+              <a:rPr lang="ru-RU" b="0" baseline="0" dirty="0" smtClean="0">
+                <a:latin typeface="+mn-lt"/>
+              </a:rPr>
+              <a:t> нашу модель.</a:t>
+            </a:r>
+          </a:p>
+          <a:p>
+            <a:endParaRPr lang="ru-RU" b="1" dirty="0"/>
+          </a:p>
+        </p:txBody>
+      </p:sp>
+      <p:sp>
+        <p:nvSpPr>
+          <p:cNvPr id="4" name="Номер слайда 3"/>
+          <p:cNvSpPr>
+            <a:spLocks noGrp="1"/>
+          </p:cNvSpPr>
+          <p:nvPr>
+            <p:ph type="sldNum" sz="quarter" idx="10"/>
+          </p:nvPr>
+        </p:nvSpPr>
+        <p:spPr/>
+        <p:txBody>
+          <a:bodyPr/>
+          <a:lstStyle/>
+          <a:p>
+            <a:fld id="{2A8B0EF9-1640-46E4-848E-1A91344214BA}" type="slidenum">
+              <a:rPr lang="ru-RU" smtClean="0"/>
+              <a:t>12</a:t>
+            </a:fld>
+            <a:endParaRPr lang="ru-RU"/>
+          </a:p>
+        </p:txBody>
+      </p:sp>
+    </p:spTree>
+    <p:extLst>
+      <p:ext uri="{BB962C8B-B14F-4D97-AF65-F5344CB8AC3E}">
+        <p14:creationId xmlns:p14="http://schemas.microsoft.com/office/powerpoint/2010/main" val="1829867911"/>
+      </p:ext>
+    </p:extLst>
+  </p:cSld>
+  <p:clrMapOvr>
+    <a:masterClrMapping/>
+  </p:clrMapOvr>
+</p:notes>
+</file>
+
+<file path=ppt/notesSlides/notesSlide13.xml><?xml version="1.0" encoding="utf-8"?>
+<p:notes xmlns:a="http://schemas.openxmlformats.org/drawingml/2006/main" xmlns:r="http://schemas.openxmlformats.org/officeDocument/2006/relationships" xmlns:p="http://schemas.openxmlformats.org/presentationml/2006/main">
+  <p:cSld>
+    <p:spTree>
+      <p:nvGrpSpPr>
+        <p:cNvPr id="1" name=""/>
+        <p:cNvGrpSpPr/>
+        <p:nvPr/>
+      </p:nvGrpSpPr>
+      <p:grpSpPr>
+        <a:xfrm>
+          <a:off x="0" y="0"/>
+          <a:ext cx="0" cy="0"/>
+          <a:chOff x="0" y="0"/>
+          <a:chExt cx="0" cy="0"/>
+        </a:xfrm>
+      </p:grpSpPr>
+      <p:sp>
+        <p:nvSpPr>
+          <p:cNvPr id="2" name="Образ слайда 1"/>
+          <p:cNvSpPr>
+            <a:spLocks noGrp="1" noRot="1" noChangeAspect="1"/>
+          </p:cNvSpPr>
+          <p:nvPr>
+            <p:ph type="sldImg"/>
+          </p:nvPr>
+        </p:nvSpPr>
+        <p:spPr/>
+      </p:sp>
+      <p:sp>
+        <p:nvSpPr>
+          <p:cNvPr id="3" name="Заметки 2"/>
+          <p:cNvSpPr>
+            <a:spLocks noGrp="1"/>
+          </p:cNvSpPr>
+          <p:nvPr>
+            <p:ph type="body" idx="1"/>
+          </p:nvPr>
+        </p:nvSpPr>
+        <p:spPr/>
+        <p:txBody>
+          <a:bodyPr/>
+          <a:lstStyle/>
+          <a:p>
+            <a:r>
+              <a:rPr lang="ru-RU" dirty="0" smtClean="0"/>
+              <a:t>Если</a:t>
+            </a:r>
+            <a:r>
+              <a:rPr lang="ru-RU" baseline="0" dirty="0" smtClean="0"/>
+              <a:t> и кролики и лисы быстро перемещаются по острову, то мы получим точно такие же колебания на целом острове, как получали без учета изменения популяций в пространстве. Интересное решение получается в случае, если кролики малоподвижны, а лисы быстро передвигаются по острову. При этом их популяции меняется в пространстве очень слабо, а кролики расселяются группами, между которыми их численность весьма мала. В таких группах и происходит размножение лис, после чего они равномерно расселяются по острову. Сравнив эту картину с графиком, где мы искали точки равновесия, мы видим, что две крайние точки равновесия как раз и реализуются там, где поселяются кролики, и в промежутках между этими участками. Такое независящее от времени (стационарное) решение называется диссипативной структурой, поскольку оно поддерживается за счет притока энергии извне. В нашем случае это конечно же энергия солнца, за счет которой растет трава, которую едят кролики. См. </a:t>
+            </a:r>
+            <a:r>
+              <a:rPr lang="en-US" baseline="0" dirty="0" smtClean="0"/>
+              <a:t>struct.mp4</a:t>
+            </a:r>
+            <a:endParaRPr lang="ru-RU" baseline="0" dirty="0" smtClean="0"/>
+          </a:p>
+          <a:p>
+            <a:r>
+              <a:rPr lang="ru-RU" baseline="0" dirty="0" smtClean="0"/>
+              <a:t>Если кролики несколько более подвижны, мы можем получить много разнообразных динамических (меняющихся со временем) решений. Это может быть бегущая по кольцу волна </a:t>
+            </a:r>
+            <a:r>
+              <a:rPr lang="en-US" baseline="0" dirty="0" smtClean="0"/>
+              <a:t>– soliton.mp4</a:t>
+            </a:r>
+            <a:r>
+              <a:rPr lang="ru-RU" baseline="0" dirty="0" smtClean="0"/>
+              <a:t>, динамическая диссипативная структура – </a:t>
+            </a:r>
+            <a:r>
+              <a:rPr lang="en-US" baseline="0" dirty="0" smtClean="0"/>
+              <a:t>dyn-struct.mp4</a:t>
+            </a:r>
+            <a:r>
+              <a:rPr lang="ru-RU" baseline="0" dirty="0" smtClean="0"/>
+              <a:t>, комбинация из диссипативной структуры на одной части острова и колебаний численности на другой – </a:t>
+            </a:r>
+            <a:r>
+              <a:rPr lang="en-US" baseline="0" dirty="0" smtClean="0"/>
+              <a:t>struct-flash.mp4. </a:t>
+            </a:r>
+            <a:r>
+              <a:rPr lang="ru-RU" baseline="0" dirty="0" smtClean="0"/>
+              <a:t>Возможны также ситуации, когда волновые колебания со временем вырождаются в колебания численности, однородные по всему острову – </a:t>
+            </a:r>
+            <a:r>
+              <a:rPr lang="en-US" baseline="0" dirty="0" smtClean="0"/>
+              <a:t>waves.mp4.</a:t>
+            </a:r>
+            <a:endParaRPr lang="ru-RU" dirty="0"/>
+          </a:p>
+        </p:txBody>
+      </p:sp>
+      <p:sp>
+        <p:nvSpPr>
+          <p:cNvPr id="4" name="Номер слайда 3"/>
+          <p:cNvSpPr>
+            <a:spLocks noGrp="1"/>
+          </p:cNvSpPr>
+          <p:nvPr>
+            <p:ph type="sldNum" sz="quarter" idx="10"/>
+          </p:nvPr>
+        </p:nvSpPr>
+        <p:spPr/>
+        <p:txBody>
+          <a:bodyPr/>
+          <a:lstStyle/>
+          <a:p>
+            <a:fld id="{2A8B0EF9-1640-46E4-848E-1A91344214BA}" type="slidenum">
+              <a:rPr lang="ru-RU" smtClean="0"/>
+              <a:t>13</a:t>
+            </a:fld>
+            <a:endParaRPr lang="ru-RU"/>
+          </a:p>
+        </p:txBody>
+      </p:sp>
+    </p:spTree>
+    <p:extLst>
+      <p:ext uri="{BB962C8B-B14F-4D97-AF65-F5344CB8AC3E}">
+        <p14:creationId xmlns:p14="http://schemas.microsoft.com/office/powerpoint/2010/main" val="1247576050"/>
+      </p:ext>
+    </p:extLst>
+  </p:cSld>
+  <p:clrMapOvr>
+    <a:masterClrMapping/>
+  </p:clrMapOvr>
+</p:notes>
+</file>
+
+<file path=ppt/notesSlides/notesSlide14.xml><?xml version="1.0" encoding="utf-8"?>
+<p:notes xmlns:a="http://schemas.openxmlformats.org/drawingml/2006/main" xmlns:r="http://schemas.openxmlformats.org/officeDocument/2006/relationships" xmlns:p="http://schemas.openxmlformats.org/presentationml/2006/main">
+  <p:cSld>
+    <p:spTree>
+      <p:nvGrpSpPr>
+        <p:cNvPr id="1" name=""/>
+        <p:cNvGrpSpPr/>
+        <p:nvPr/>
+      </p:nvGrpSpPr>
+      <p:grpSpPr>
+        <a:xfrm>
+          <a:off x="0" y="0"/>
+          <a:ext cx="0" cy="0"/>
+          <a:chOff x="0" y="0"/>
+          <a:chExt cx="0" cy="0"/>
+        </a:xfrm>
+      </p:grpSpPr>
+      <p:sp>
+        <p:nvSpPr>
+          <p:cNvPr id="2" name="Образ слайда 1"/>
+          <p:cNvSpPr>
+            <a:spLocks noGrp="1" noRot="1" noChangeAspect="1"/>
+          </p:cNvSpPr>
+          <p:nvPr>
+            <p:ph type="sldImg"/>
+          </p:nvPr>
+        </p:nvSpPr>
+        <p:spPr/>
+      </p:sp>
+      <p:sp>
+        <p:nvSpPr>
+          <p:cNvPr id="3" name="Заметки 2"/>
+          <p:cNvSpPr>
+            <a:spLocks noGrp="1"/>
+          </p:cNvSpPr>
+          <p:nvPr>
+            <p:ph type="body" idx="1"/>
+          </p:nvPr>
+        </p:nvSpPr>
+        <p:spPr/>
+        <p:txBody>
+          <a:bodyPr/>
+          <a:lstStyle/>
+          <a:p>
+            <a:r>
+              <a:rPr lang="ru-RU" dirty="0" smtClean="0"/>
+              <a:t>Моделирование</a:t>
+            </a:r>
+            <a:r>
+              <a:rPr lang="ru-RU" baseline="0" dirty="0" smtClean="0"/>
+              <a:t> двумерного распределения популяций хищников и жертв отличается от одномерной модели лишь в части, касающейся учета миграции. Для простоты мы будем считать, что четверть населения каждой делянки мигрирует вправо, четверть влево, четверть вверх и четверть вниз. Мы рассчитали изменение численности популяций для участка, сужающегося к правому краю. Получившаяся диссипативная структура сильно напоминает хвост леопарда. Действительно, ученые предполагают, что пятна на шкуре животных возникают подобным образом, только роль хищников и жертв играют химические вещества – ингибиторы и активаторы. Так совершенно различные механизмы приводят к очень похожим уравнениям, которые имеют очень похожие решения.</a:t>
+            </a:r>
+            <a:endParaRPr lang="ru-RU" dirty="0"/>
+          </a:p>
+        </p:txBody>
+      </p:sp>
+      <p:sp>
+        <p:nvSpPr>
+          <p:cNvPr id="4" name="Номер слайда 3"/>
+          <p:cNvSpPr>
+            <a:spLocks noGrp="1"/>
+          </p:cNvSpPr>
+          <p:nvPr>
+            <p:ph type="sldNum" sz="quarter" idx="10"/>
+          </p:nvPr>
+        </p:nvSpPr>
+        <p:spPr/>
+        <p:txBody>
+          <a:bodyPr/>
+          <a:lstStyle/>
+          <a:p>
+            <a:fld id="{2A8B0EF9-1640-46E4-848E-1A91344214BA}" type="slidenum">
+              <a:rPr lang="ru-RU" smtClean="0"/>
+              <a:t>14</a:t>
+            </a:fld>
+            <a:endParaRPr lang="ru-RU"/>
+          </a:p>
+        </p:txBody>
+      </p:sp>
+    </p:spTree>
+    <p:extLst>
+      <p:ext uri="{BB962C8B-B14F-4D97-AF65-F5344CB8AC3E}">
+        <p14:creationId xmlns:p14="http://schemas.microsoft.com/office/powerpoint/2010/main" val="4278618764"/>
+      </p:ext>
+    </p:extLst>
+  </p:cSld>
+  <p:clrMapOvr>
+    <a:masterClrMapping/>
+  </p:clrMapOvr>
+</p:notes>
+</file>
+
+<file path=ppt/notesSlides/notesSlide15.xml><?xml version="1.0" encoding="utf-8"?>
+<p:notes xmlns:a="http://schemas.openxmlformats.org/drawingml/2006/main" xmlns:r="http://schemas.openxmlformats.org/officeDocument/2006/relationships" xmlns:p="http://schemas.openxmlformats.org/presentationml/2006/main">
+  <p:cSld>
+    <p:spTree>
+      <p:nvGrpSpPr>
+        <p:cNvPr id="1" name=""/>
+        <p:cNvGrpSpPr/>
+        <p:nvPr/>
+      </p:nvGrpSpPr>
+      <p:grpSpPr>
+        <a:xfrm>
+          <a:off x="0" y="0"/>
+          <a:ext cx="0" cy="0"/>
+          <a:chOff x="0" y="0"/>
+          <a:chExt cx="0" cy="0"/>
+        </a:xfrm>
+      </p:grpSpPr>
+      <p:sp>
+        <p:nvSpPr>
+          <p:cNvPr id="2" name="Образ слайда 1"/>
+          <p:cNvSpPr>
+            <a:spLocks noGrp="1" noRot="1" noChangeAspect="1"/>
+          </p:cNvSpPr>
+          <p:nvPr>
+            <p:ph type="sldImg"/>
+          </p:nvPr>
+        </p:nvSpPr>
+        <p:spPr/>
+      </p:sp>
+      <p:sp>
+        <p:nvSpPr>
+          <p:cNvPr id="3" name="Заметки 2"/>
+          <p:cNvSpPr>
+            <a:spLocks noGrp="1"/>
+          </p:cNvSpPr>
+          <p:nvPr>
+            <p:ph type="body" idx="1"/>
+          </p:nvPr>
+        </p:nvSpPr>
+        <p:spPr/>
+        <p:txBody>
+          <a:bodyPr/>
+          <a:lstStyle/>
+          <a:p>
+            <a:r>
+              <a:rPr lang="ru-RU" dirty="0" smtClean="0"/>
+              <a:t>Механизм</a:t>
+            </a:r>
+            <a:r>
+              <a:rPr lang="ru-RU" baseline="0" dirty="0" smtClean="0"/>
+              <a:t> возникновения форм живой природы является одной из актуальных нерешенных проблем биологии. Формирование структур за счет взаимодействия химических веществ – активаторов и ингибиторов аналогично рассмотренному нами взаимодействию популяций хищников и жертв является одним из механизмов, который несомненно работает в живой природе, хотя и не объясняет всего многообразия форм живых организмов. </a:t>
+            </a:r>
+            <a:endParaRPr lang="ru-RU" dirty="0"/>
+          </a:p>
+        </p:txBody>
+      </p:sp>
+      <p:sp>
+        <p:nvSpPr>
+          <p:cNvPr id="4" name="Номер слайда 3"/>
+          <p:cNvSpPr>
+            <a:spLocks noGrp="1"/>
+          </p:cNvSpPr>
+          <p:nvPr>
+            <p:ph type="sldNum" sz="quarter" idx="10"/>
+          </p:nvPr>
+        </p:nvSpPr>
+        <p:spPr/>
+        <p:txBody>
+          <a:bodyPr/>
+          <a:lstStyle/>
+          <a:p>
+            <a:fld id="{2A8B0EF9-1640-46E4-848E-1A91344214BA}" type="slidenum">
+              <a:rPr lang="ru-RU" smtClean="0"/>
+              <a:t>15</a:t>
+            </a:fld>
+            <a:endParaRPr lang="ru-RU"/>
+          </a:p>
+        </p:txBody>
+      </p:sp>
+    </p:spTree>
+    <p:extLst>
+      <p:ext uri="{BB962C8B-B14F-4D97-AF65-F5344CB8AC3E}">
+        <p14:creationId xmlns:p14="http://schemas.microsoft.com/office/powerpoint/2010/main" val="3027980791"/>
+      </p:ext>
+    </p:extLst>
+  </p:cSld>
+  <p:clrMapOvr>
+    <a:masterClrMapping/>
+  </p:clrMapOvr>
+</p:notes>
+</file>
+
+<file path=ppt/notesSlides/notesSlide2.xml><?xml version="1.0" encoding="utf-8"?>
+<p:notes xmlns:a="http://schemas.openxmlformats.org/drawingml/2006/main" xmlns:r="http://schemas.openxmlformats.org/officeDocument/2006/relationships" xmlns:p="http://schemas.openxmlformats.org/presentationml/2006/main">
+  <p:cSld>
+    <p:spTree>
+      <p:nvGrpSpPr>
+        <p:cNvPr id="1" name=""/>
+        <p:cNvGrpSpPr/>
+        <p:nvPr/>
+      </p:nvGrpSpPr>
+      <p:grpSpPr>
+        <a:xfrm>
+          <a:off x="0" y="0"/>
+          <a:ext cx="0" cy="0"/>
+          <a:chOff x="0" y="0"/>
+          <a:chExt cx="0" cy="0"/>
+        </a:xfrm>
+      </p:grpSpPr>
+      <p:sp>
+        <p:nvSpPr>
+          <p:cNvPr id="2" name="Образ слайда 1"/>
+          <p:cNvSpPr>
+            <a:spLocks noGrp="1" noRot="1" noChangeAspect="1"/>
+          </p:cNvSpPr>
+          <p:nvPr>
+            <p:ph type="sldImg"/>
+          </p:nvPr>
+        </p:nvSpPr>
+        <p:spPr/>
+      </p:sp>
+      <p:sp>
+        <p:nvSpPr>
+          <p:cNvPr id="3" name="Заметки 2"/>
+          <p:cNvSpPr>
+            <a:spLocks noGrp="1"/>
+          </p:cNvSpPr>
+          <p:nvPr>
+            <p:ph type="body" idx="1"/>
+          </p:nvPr>
+        </p:nvSpPr>
+        <p:spPr/>
+        <p:txBody>
+          <a:bodyPr/>
+          <a:lstStyle/>
+          <a:p>
+            <a:endParaRPr lang="ru-RU"/>
+          </a:p>
+        </p:txBody>
+      </p:sp>
+      <p:sp>
+        <p:nvSpPr>
+          <p:cNvPr id="4" name="Номер слайда 3"/>
+          <p:cNvSpPr>
+            <a:spLocks noGrp="1"/>
+          </p:cNvSpPr>
+          <p:nvPr>
+            <p:ph type="sldNum" sz="quarter" idx="10"/>
+          </p:nvPr>
+        </p:nvSpPr>
+        <p:spPr/>
+        <p:txBody>
+          <a:bodyPr/>
+          <a:lstStyle/>
+          <a:p>
+            <a:fld id="{2A8B0EF9-1640-46E4-848E-1A91344214BA}" type="slidenum">
+              <a:rPr lang="ru-RU" smtClean="0"/>
+              <a:t>2</a:t>
+            </a:fld>
+            <a:endParaRPr lang="ru-RU"/>
+          </a:p>
+        </p:txBody>
+      </p:sp>
+    </p:spTree>
+    <p:extLst>
+      <p:ext uri="{BB962C8B-B14F-4D97-AF65-F5344CB8AC3E}">
+        <p14:creationId xmlns:p14="http://schemas.microsoft.com/office/powerpoint/2010/main" val="3502556925"/>
+      </p:ext>
+    </p:extLst>
+  </p:cSld>
+  <p:clrMapOvr>
+    <a:masterClrMapping/>
+  </p:clrMapOvr>
+</p:notes>
+</file>
+
+<file path=ppt/notesSlides/notesSlide3.xml><?xml version="1.0" encoding="utf-8"?>
+<p:notes xmlns:a="http://schemas.openxmlformats.org/drawingml/2006/main" xmlns:r="http://schemas.openxmlformats.org/officeDocument/2006/relationships" xmlns:p="http://schemas.openxmlformats.org/presentationml/2006/main">
+  <p:cSld>
+    <p:spTree>
+      <p:nvGrpSpPr>
+        <p:cNvPr id="1" name=""/>
+        <p:cNvGrpSpPr/>
+        <p:nvPr/>
+      </p:nvGrpSpPr>
+      <p:grpSpPr>
+        <a:xfrm>
+          <a:off x="0" y="0"/>
+          <a:ext cx="0" cy="0"/>
+          <a:chOff x="0" y="0"/>
+          <a:chExt cx="0" cy="0"/>
+        </a:xfrm>
+      </p:grpSpPr>
+      <p:sp>
+        <p:nvSpPr>
+          <p:cNvPr id="2" name="Образ слайда 1"/>
+          <p:cNvSpPr>
+            <a:spLocks noGrp="1" noRot="1" noChangeAspect="1"/>
+          </p:cNvSpPr>
+          <p:nvPr>
+            <p:ph type="sldImg"/>
+          </p:nvPr>
+        </p:nvSpPr>
+        <p:spPr/>
+      </p:sp>
+      <p:sp>
+        <p:nvSpPr>
+          <p:cNvPr id="3" name="Заметки 2"/>
+          <p:cNvSpPr>
+            <a:spLocks noGrp="1"/>
+          </p:cNvSpPr>
+          <p:nvPr>
+            <p:ph type="body" idx="1"/>
+          </p:nvPr>
+        </p:nvSpPr>
+        <p:spPr/>
+        <p:txBody>
+          <a:bodyPr/>
+          <a:lstStyle/>
+          <a:p>
+            <a:r>
+              <a:rPr lang="ru-RU" dirty="0" smtClean="0"/>
+              <a:t>Модель</a:t>
+            </a:r>
+            <a:r>
+              <a:rPr lang="ru-RU" baseline="0" dirty="0" smtClean="0"/>
+              <a:t> подробно рассмотрена например в книге </a:t>
+            </a:r>
+            <a:r>
+              <a:rPr lang="ru-RU" baseline="0" dirty="0" err="1" smtClean="0"/>
+              <a:t>А.Д.Базыкин</a:t>
+            </a:r>
+            <a:r>
+              <a:rPr lang="ru-RU" baseline="0" dirty="0" smtClean="0"/>
+              <a:t> </a:t>
+            </a:r>
+            <a:r>
+              <a:rPr lang="en-US" baseline="0" dirty="0" smtClean="0"/>
+              <a:t>“</a:t>
+            </a:r>
+            <a:r>
+              <a:rPr lang="ru-RU" baseline="0" dirty="0" smtClean="0"/>
+              <a:t>Нелинейная динамика взаимодействующих популяций</a:t>
+            </a:r>
+            <a:r>
+              <a:rPr lang="en-US" baseline="0" dirty="0" smtClean="0"/>
+              <a:t>”</a:t>
+            </a:r>
+            <a:r>
+              <a:rPr lang="ru-RU" baseline="0" dirty="0" smtClean="0"/>
+              <a:t> </a:t>
+            </a:r>
+            <a:r>
+              <a:rPr lang="ru-RU" sz="1300" dirty="0"/>
+              <a:t>Москва-</a:t>
+            </a:r>
+          </a:p>
+          <a:p>
+            <a:r>
+              <a:rPr lang="ru-RU" sz="1300" dirty="0"/>
+              <a:t>Ижевск: Институт компьютерных исследований, 2003.</a:t>
+            </a:r>
+            <a:endParaRPr lang="ru-RU" dirty="0"/>
+          </a:p>
+        </p:txBody>
+      </p:sp>
+      <p:sp>
+        <p:nvSpPr>
+          <p:cNvPr id="4" name="Номер слайда 3"/>
+          <p:cNvSpPr>
+            <a:spLocks noGrp="1"/>
+          </p:cNvSpPr>
+          <p:nvPr>
+            <p:ph type="sldNum" sz="quarter" idx="10"/>
+          </p:nvPr>
+        </p:nvSpPr>
+        <p:spPr/>
+        <p:txBody>
+          <a:bodyPr/>
+          <a:lstStyle/>
+          <a:p>
+            <a:fld id="{2A8B0EF9-1640-46E4-848E-1A91344214BA}" type="slidenum">
+              <a:rPr lang="ru-RU" smtClean="0"/>
+              <a:t>3</a:t>
+            </a:fld>
+            <a:endParaRPr lang="ru-RU"/>
+          </a:p>
+        </p:txBody>
+      </p:sp>
+    </p:spTree>
+    <p:extLst>
+      <p:ext uri="{BB962C8B-B14F-4D97-AF65-F5344CB8AC3E}">
+        <p14:creationId xmlns:p14="http://schemas.microsoft.com/office/powerpoint/2010/main" val="2169113909"/>
+      </p:ext>
+    </p:extLst>
+  </p:cSld>
+  <p:clrMapOvr>
+    <a:masterClrMapping/>
+  </p:clrMapOvr>
+</p:notes>
+</file>
+
+<file path=ppt/notesSlides/notesSlide4.xml><?xml version="1.0" encoding="utf-8"?>
+<p:notes xmlns:a="http://schemas.openxmlformats.org/drawingml/2006/main" xmlns:r="http://schemas.openxmlformats.org/officeDocument/2006/relationships" xmlns:p="http://schemas.openxmlformats.org/presentationml/2006/main">
+  <p:cSld>
+    <p:spTree>
+      <p:nvGrpSpPr>
+        <p:cNvPr id="1" name=""/>
+        <p:cNvGrpSpPr/>
+        <p:nvPr/>
+      </p:nvGrpSpPr>
+      <p:grpSpPr>
+        <a:xfrm>
+          <a:off x="0" y="0"/>
+          <a:ext cx="0" cy="0"/>
+          <a:chOff x="0" y="0"/>
+          <a:chExt cx="0" cy="0"/>
+        </a:xfrm>
+      </p:grpSpPr>
+      <p:sp>
+        <p:nvSpPr>
+          <p:cNvPr id="2" name="Образ слайда 1"/>
+          <p:cNvSpPr>
+            <a:spLocks noGrp="1" noRot="1" noChangeAspect="1"/>
+          </p:cNvSpPr>
+          <p:nvPr>
+            <p:ph type="sldImg"/>
+          </p:nvPr>
+        </p:nvSpPr>
+        <p:spPr/>
+      </p:sp>
+      <p:sp>
+        <p:nvSpPr>
+          <p:cNvPr id="3" name="Заметки 2"/>
+          <p:cNvSpPr>
+            <a:spLocks noGrp="1"/>
+          </p:cNvSpPr>
+          <p:nvPr>
+            <p:ph type="body" idx="1"/>
+          </p:nvPr>
+        </p:nvSpPr>
+        <p:spPr/>
+        <p:txBody>
+          <a:bodyPr/>
+          <a:lstStyle/>
+          <a:p>
+            <a:r>
+              <a:rPr lang="ru-RU" dirty="0" smtClean="0"/>
+              <a:t>Уравнения</a:t>
+            </a:r>
+            <a:r>
+              <a:rPr lang="ru-RU" baseline="0" dirty="0" smtClean="0"/>
+              <a:t> усовершенствованной модели разработаны нами на основе многочисленных вариаций, встречающихся в литературе.</a:t>
+            </a:r>
+            <a:endParaRPr lang="ru-RU" dirty="0"/>
+          </a:p>
+        </p:txBody>
+      </p:sp>
+      <p:sp>
+        <p:nvSpPr>
+          <p:cNvPr id="4" name="Номер слайда 3"/>
+          <p:cNvSpPr>
+            <a:spLocks noGrp="1"/>
+          </p:cNvSpPr>
+          <p:nvPr>
+            <p:ph type="sldNum" sz="quarter" idx="10"/>
+          </p:nvPr>
+        </p:nvSpPr>
+        <p:spPr/>
+        <p:txBody>
+          <a:bodyPr/>
+          <a:lstStyle/>
+          <a:p>
+            <a:fld id="{2A8B0EF9-1640-46E4-848E-1A91344214BA}" type="slidenum">
+              <a:rPr lang="ru-RU" smtClean="0"/>
+              <a:t>4</a:t>
+            </a:fld>
+            <a:endParaRPr lang="ru-RU"/>
+          </a:p>
+        </p:txBody>
+      </p:sp>
+    </p:spTree>
+    <p:extLst>
+      <p:ext uri="{BB962C8B-B14F-4D97-AF65-F5344CB8AC3E}">
+        <p14:creationId xmlns:p14="http://schemas.microsoft.com/office/powerpoint/2010/main" val="1175546079"/>
+      </p:ext>
+    </p:extLst>
+  </p:cSld>
+  <p:clrMapOvr>
+    <a:masterClrMapping/>
+  </p:clrMapOvr>
+</p:notes>
+</file>
+
+<file path=ppt/notesSlides/notesSlide5.xml><?xml version="1.0" encoding="utf-8"?>
+<p:notes xmlns:a="http://schemas.openxmlformats.org/drawingml/2006/main" xmlns:r="http://schemas.openxmlformats.org/officeDocument/2006/relationships" xmlns:p="http://schemas.openxmlformats.org/presentationml/2006/main">
+  <p:cSld>
+    <p:spTree>
+      <p:nvGrpSpPr>
+        <p:cNvPr id="1" name=""/>
+        <p:cNvGrpSpPr/>
+        <p:nvPr/>
+      </p:nvGrpSpPr>
+      <p:grpSpPr>
+        <a:xfrm>
+          <a:off x="0" y="0"/>
+          <a:ext cx="0" cy="0"/>
+          <a:chOff x="0" y="0"/>
+          <a:chExt cx="0" cy="0"/>
+        </a:xfrm>
+      </p:grpSpPr>
+      <p:sp>
+        <p:nvSpPr>
+          <p:cNvPr id="2" name="Образ слайда 1"/>
+          <p:cNvSpPr>
+            <a:spLocks noGrp="1" noRot="1" noChangeAspect="1"/>
+          </p:cNvSpPr>
+          <p:nvPr>
+            <p:ph type="sldImg"/>
+          </p:nvPr>
+        </p:nvSpPr>
+        <p:spPr/>
+      </p:sp>
+      <p:sp>
+        <p:nvSpPr>
+          <p:cNvPr id="3" name="Заметки 2"/>
+          <p:cNvSpPr>
+            <a:spLocks noGrp="1"/>
+          </p:cNvSpPr>
+          <p:nvPr>
+            <p:ph type="body" idx="1"/>
+          </p:nvPr>
+        </p:nvSpPr>
+        <p:spPr/>
+        <p:txBody>
+          <a:bodyPr/>
+          <a:lstStyle/>
+          <a:p>
+            <a:r>
+              <a:rPr lang="ru-RU" dirty="0" smtClean="0"/>
+              <a:t>Здесь</a:t>
+            </a:r>
+            <a:r>
+              <a:rPr lang="ru-RU" baseline="0" dirty="0" smtClean="0"/>
+              <a:t> </a:t>
+            </a:r>
+            <a:r>
+              <a:rPr lang="en-US" baseline="0" dirty="0" smtClean="0"/>
+              <a:t>R1 – ‘</a:t>
+            </a:r>
+            <a:r>
+              <a:rPr lang="ru-RU" baseline="0" dirty="0" smtClean="0"/>
+              <a:t>порог одиночества</a:t>
+            </a:r>
+            <a:r>
+              <a:rPr lang="en-US" baseline="0" dirty="0" smtClean="0"/>
+              <a:t>’</a:t>
+            </a:r>
+            <a:r>
+              <a:rPr lang="ru-RU" baseline="0" dirty="0" smtClean="0"/>
+              <a:t> – численность популяции, когда на поиски партнера уходит такое же время, как на вынашивание крольчат.</a:t>
+            </a:r>
+            <a:endParaRPr lang="ru-RU" dirty="0"/>
+          </a:p>
+        </p:txBody>
+      </p:sp>
+      <p:sp>
+        <p:nvSpPr>
+          <p:cNvPr id="4" name="Номер слайда 3"/>
+          <p:cNvSpPr>
+            <a:spLocks noGrp="1"/>
+          </p:cNvSpPr>
+          <p:nvPr>
+            <p:ph type="sldNum" sz="quarter" idx="10"/>
+          </p:nvPr>
+        </p:nvSpPr>
+        <p:spPr/>
+        <p:txBody>
+          <a:bodyPr/>
+          <a:lstStyle/>
+          <a:p>
+            <a:fld id="{2A8B0EF9-1640-46E4-848E-1A91344214BA}" type="slidenum">
+              <a:rPr lang="ru-RU" smtClean="0"/>
+              <a:t>5</a:t>
+            </a:fld>
+            <a:endParaRPr lang="ru-RU"/>
+          </a:p>
+        </p:txBody>
+      </p:sp>
+    </p:spTree>
+    <p:extLst>
+      <p:ext uri="{BB962C8B-B14F-4D97-AF65-F5344CB8AC3E}">
+        <p14:creationId xmlns:p14="http://schemas.microsoft.com/office/powerpoint/2010/main" val="976177553"/>
+      </p:ext>
+    </p:extLst>
+  </p:cSld>
+  <p:clrMapOvr>
+    <a:masterClrMapping/>
+  </p:clrMapOvr>
+</p:notes>
+</file>
+
+<file path=ppt/notesSlides/notesSlide6.xml><?xml version="1.0" encoding="utf-8"?>
+<p:notes xmlns:a="http://schemas.openxmlformats.org/drawingml/2006/main" xmlns:r="http://schemas.openxmlformats.org/officeDocument/2006/relationships" xmlns:p="http://schemas.openxmlformats.org/presentationml/2006/main">
+  <p:cSld>
+    <p:spTree>
+      <p:nvGrpSpPr>
+        <p:cNvPr id="1" name=""/>
+        <p:cNvGrpSpPr/>
+        <p:nvPr/>
+      </p:nvGrpSpPr>
+      <p:grpSpPr>
+        <a:xfrm>
+          <a:off x="0" y="0"/>
+          <a:ext cx="0" cy="0"/>
+          <a:chOff x="0" y="0"/>
+          <a:chExt cx="0" cy="0"/>
+        </a:xfrm>
+      </p:grpSpPr>
+      <p:sp>
+        <p:nvSpPr>
+          <p:cNvPr id="2" name="Образ слайда 1"/>
+          <p:cNvSpPr>
+            <a:spLocks noGrp="1" noRot="1" noChangeAspect="1"/>
+          </p:cNvSpPr>
+          <p:nvPr>
+            <p:ph type="sldImg"/>
+          </p:nvPr>
+        </p:nvSpPr>
+        <p:spPr/>
+      </p:sp>
+      <p:sp>
+        <p:nvSpPr>
+          <p:cNvPr id="3" name="Заметки 2"/>
+          <p:cNvSpPr>
+            <a:spLocks noGrp="1"/>
+          </p:cNvSpPr>
+          <p:nvPr>
+            <p:ph type="body" idx="1"/>
+          </p:nvPr>
+        </p:nvSpPr>
+        <p:spPr/>
+        <p:txBody>
+          <a:bodyPr/>
+          <a:lstStyle/>
+          <a:p>
+            <a:r>
+              <a:rPr lang="ru-RU" dirty="0" smtClean="0"/>
+              <a:t>Здесь</a:t>
+            </a:r>
+            <a:r>
+              <a:rPr lang="ru-RU" baseline="0" dirty="0" smtClean="0"/>
+              <a:t> </a:t>
+            </a:r>
+            <a:r>
+              <a:rPr lang="en-US" baseline="0" dirty="0" smtClean="0"/>
+              <a:t>Rh – ‘</a:t>
+            </a:r>
+            <a:r>
+              <a:rPr lang="ru-RU" baseline="0" dirty="0" smtClean="0"/>
+              <a:t>порог насыщения хищников</a:t>
+            </a:r>
+            <a:r>
+              <a:rPr lang="en-US" baseline="0" dirty="0" smtClean="0"/>
+              <a:t>’</a:t>
+            </a:r>
+            <a:r>
+              <a:rPr lang="ru-RU" baseline="0" dirty="0" smtClean="0"/>
+              <a:t> – численность популяции, при которой на отлов кролика уходит такое же время, как и на его поедание.</a:t>
+            </a:r>
+            <a:endParaRPr lang="ru-RU" dirty="0"/>
+          </a:p>
+        </p:txBody>
+      </p:sp>
+      <p:sp>
+        <p:nvSpPr>
+          <p:cNvPr id="4" name="Номер слайда 3"/>
+          <p:cNvSpPr>
+            <a:spLocks noGrp="1"/>
+          </p:cNvSpPr>
+          <p:nvPr>
+            <p:ph type="sldNum" sz="quarter" idx="10"/>
+          </p:nvPr>
+        </p:nvSpPr>
+        <p:spPr/>
+        <p:txBody>
+          <a:bodyPr/>
+          <a:lstStyle/>
+          <a:p>
+            <a:fld id="{2A8B0EF9-1640-46E4-848E-1A91344214BA}" type="slidenum">
+              <a:rPr lang="ru-RU" smtClean="0"/>
+              <a:t>6</a:t>
+            </a:fld>
+            <a:endParaRPr lang="ru-RU"/>
+          </a:p>
+        </p:txBody>
+      </p:sp>
+    </p:spTree>
+    <p:extLst>
+      <p:ext uri="{BB962C8B-B14F-4D97-AF65-F5344CB8AC3E}">
+        <p14:creationId xmlns:p14="http://schemas.microsoft.com/office/powerpoint/2010/main" val="3723195939"/>
+      </p:ext>
+    </p:extLst>
+  </p:cSld>
+  <p:clrMapOvr>
+    <a:masterClrMapping/>
+  </p:clrMapOvr>
+</p:notes>
+</file>
+
+<file path=ppt/notesSlides/notesSlide7.xml><?xml version="1.0" encoding="utf-8"?>
+<p:notes xmlns:a="http://schemas.openxmlformats.org/drawingml/2006/main" xmlns:r="http://schemas.openxmlformats.org/officeDocument/2006/relationships" xmlns:p="http://schemas.openxmlformats.org/presentationml/2006/main">
+  <p:cSld>
+    <p:spTree>
+      <p:nvGrpSpPr>
+        <p:cNvPr id="1" name=""/>
+        <p:cNvGrpSpPr/>
+        <p:nvPr/>
+      </p:nvGrpSpPr>
+      <p:grpSpPr>
+        <a:xfrm>
+          <a:off x="0" y="0"/>
+          <a:ext cx="0" cy="0"/>
+          <a:chOff x="0" y="0"/>
+          <a:chExt cx="0" cy="0"/>
+        </a:xfrm>
+      </p:grpSpPr>
+      <p:sp>
+        <p:nvSpPr>
+          <p:cNvPr id="2" name="Образ слайда 1"/>
+          <p:cNvSpPr>
+            <a:spLocks noGrp="1" noRot="1" noChangeAspect="1"/>
+          </p:cNvSpPr>
+          <p:nvPr>
+            <p:ph type="sldImg"/>
+          </p:nvPr>
+        </p:nvSpPr>
+        <p:spPr/>
+      </p:sp>
+      <p:sp>
+        <p:nvSpPr>
+          <p:cNvPr id="3" name="Заметки 2"/>
+          <p:cNvSpPr>
+            <a:spLocks noGrp="1"/>
+          </p:cNvSpPr>
+          <p:nvPr>
+            <p:ph type="body" idx="1"/>
+          </p:nvPr>
+        </p:nvSpPr>
+        <p:spPr/>
+        <p:txBody>
+          <a:bodyPr/>
+          <a:lstStyle/>
+          <a:p>
+            <a:r>
+              <a:rPr lang="ru-RU" dirty="0" smtClean="0"/>
+              <a:t>Мы</a:t>
+            </a:r>
+            <a:r>
+              <a:rPr lang="ru-RU" baseline="0" dirty="0" smtClean="0"/>
+              <a:t> используем штрих для обозначения скорости изменения, поскольку такое обозначение является стандартным (для производной). Скорость изменения – это изменение в единицу времени, т.е. например </a:t>
+            </a:r>
+            <a:r>
+              <a:rPr lang="en-US" baseline="0" dirty="0" smtClean="0"/>
+              <a:t>R’</a:t>
+            </a:r>
+            <a:r>
+              <a:rPr lang="ru-RU" baseline="0" dirty="0" smtClean="0"/>
+              <a:t>=</a:t>
+            </a:r>
+            <a:r>
+              <a:rPr lang="en-US" baseline="0" dirty="0" err="1" smtClean="0"/>
+              <a:t>dR</a:t>
+            </a:r>
+            <a:r>
+              <a:rPr lang="en-US" baseline="0" dirty="0" smtClean="0"/>
+              <a:t>/</a:t>
+            </a:r>
+            <a:r>
+              <a:rPr lang="en-US" baseline="0" dirty="0" err="1" smtClean="0"/>
+              <a:t>dt.</a:t>
+            </a:r>
+            <a:r>
+              <a:rPr lang="en-US" baseline="0" dirty="0" smtClean="0"/>
+              <a:t> </a:t>
+            </a:r>
+            <a:r>
+              <a:rPr lang="ru-RU" baseline="0" dirty="0" smtClean="0"/>
+              <a:t>Маленькая буква </a:t>
+            </a:r>
+            <a:r>
+              <a:rPr lang="en-US" baseline="0" dirty="0" smtClean="0"/>
+              <a:t>d </a:t>
+            </a:r>
+            <a:r>
+              <a:rPr lang="ru-RU" baseline="0" dirty="0" smtClean="0"/>
+              <a:t>обозначает изменение достаточно малое, чтобы результат не зависел от его величины. Например, скорость изменения пройденного пути – это просто скорость.</a:t>
+            </a:r>
+            <a:endParaRPr lang="ru-RU" dirty="0"/>
+          </a:p>
+        </p:txBody>
+      </p:sp>
+      <p:sp>
+        <p:nvSpPr>
+          <p:cNvPr id="4" name="Номер слайда 3"/>
+          <p:cNvSpPr>
+            <a:spLocks noGrp="1"/>
+          </p:cNvSpPr>
+          <p:nvPr>
+            <p:ph type="sldNum" sz="quarter" idx="10"/>
+          </p:nvPr>
+        </p:nvSpPr>
+        <p:spPr/>
+        <p:txBody>
+          <a:bodyPr/>
+          <a:lstStyle/>
+          <a:p>
+            <a:fld id="{2A8B0EF9-1640-46E4-848E-1A91344214BA}" type="slidenum">
+              <a:rPr lang="ru-RU" smtClean="0"/>
+              <a:t>7</a:t>
+            </a:fld>
+            <a:endParaRPr lang="ru-RU"/>
+          </a:p>
+        </p:txBody>
+      </p:sp>
+    </p:spTree>
+    <p:extLst>
+      <p:ext uri="{BB962C8B-B14F-4D97-AF65-F5344CB8AC3E}">
+        <p14:creationId xmlns:p14="http://schemas.microsoft.com/office/powerpoint/2010/main" val="2781976850"/>
+      </p:ext>
+    </p:extLst>
+  </p:cSld>
+  <p:clrMapOvr>
+    <a:masterClrMapping/>
+  </p:clrMapOvr>
+</p:notes>
+</file>
+
+<file path=ppt/notesSlides/notesSlide8.xml><?xml version="1.0" encoding="utf-8"?>
+<p:notes xmlns:a="http://schemas.openxmlformats.org/drawingml/2006/main" xmlns:r="http://schemas.openxmlformats.org/officeDocument/2006/relationships" xmlns:p="http://schemas.openxmlformats.org/presentationml/2006/main">
+  <p:cSld>
+    <p:spTree>
+      <p:nvGrpSpPr>
+        <p:cNvPr id="1" name=""/>
+        <p:cNvGrpSpPr/>
+        <p:nvPr/>
+      </p:nvGrpSpPr>
+      <p:grpSpPr>
+        <a:xfrm>
+          <a:off x="0" y="0"/>
+          <a:ext cx="0" cy="0"/>
+          <a:chOff x="0" y="0"/>
+          <a:chExt cx="0" cy="0"/>
+        </a:xfrm>
+      </p:grpSpPr>
+      <p:sp>
+        <p:nvSpPr>
+          <p:cNvPr id="2" name="Образ слайда 1"/>
+          <p:cNvSpPr>
+            <a:spLocks noGrp="1" noRot="1" noChangeAspect="1"/>
+          </p:cNvSpPr>
+          <p:nvPr>
+            <p:ph type="sldImg"/>
+          </p:nvPr>
+        </p:nvSpPr>
+        <p:spPr/>
+      </p:sp>
+      <p:sp>
+        <p:nvSpPr>
+          <p:cNvPr id="3" name="Заметки 2"/>
+          <p:cNvSpPr>
+            <a:spLocks noGrp="1"/>
+          </p:cNvSpPr>
+          <p:nvPr>
+            <p:ph type="body" idx="1"/>
+          </p:nvPr>
+        </p:nvSpPr>
+        <p:spPr/>
+        <p:txBody>
+          <a:bodyPr/>
+          <a:lstStyle/>
+          <a:p>
+            <a:endParaRPr lang="ru-RU"/>
+          </a:p>
+        </p:txBody>
+      </p:sp>
+      <p:sp>
+        <p:nvSpPr>
+          <p:cNvPr id="4" name="Номер слайда 3"/>
+          <p:cNvSpPr>
+            <a:spLocks noGrp="1"/>
+          </p:cNvSpPr>
+          <p:nvPr>
+            <p:ph type="sldNum" sz="quarter" idx="10"/>
+          </p:nvPr>
+        </p:nvSpPr>
+        <p:spPr/>
+        <p:txBody>
+          <a:bodyPr/>
+          <a:lstStyle/>
+          <a:p>
+            <a:fld id="{2A8B0EF9-1640-46E4-848E-1A91344214BA}" type="slidenum">
+              <a:rPr lang="ru-RU" smtClean="0"/>
+              <a:t>8</a:t>
+            </a:fld>
+            <a:endParaRPr lang="ru-RU"/>
+          </a:p>
+        </p:txBody>
+      </p:sp>
+    </p:spTree>
+    <p:extLst>
+      <p:ext uri="{BB962C8B-B14F-4D97-AF65-F5344CB8AC3E}">
+        <p14:creationId xmlns:p14="http://schemas.microsoft.com/office/powerpoint/2010/main" val="3909869889"/>
+      </p:ext>
+    </p:extLst>
+  </p:cSld>
+  <p:clrMapOvr>
+    <a:masterClrMapping/>
+  </p:clrMapOvr>
+</p:notes>
+</file>
+
+<file path=ppt/notesSlides/notesSlide9.xml><?xml version="1.0" encoding="utf-8"?>
+<p:notes xmlns:a="http://schemas.openxmlformats.org/drawingml/2006/main" xmlns:r="http://schemas.openxmlformats.org/officeDocument/2006/relationships" xmlns:p="http://schemas.openxmlformats.org/presentationml/2006/main">
+  <p:cSld>
+    <p:spTree>
+      <p:nvGrpSpPr>
+        <p:cNvPr id="1" name=""/>
+        <p:cNvGrpSpPr/>
+        <p:nvPr/>
+      </p:nvGrpSpPr>
+      <p:grpSpPr>
+        <a:xfrm>
+          <a:off x="0" y="0"/>
+          <a:ext cx="0" cy="0"/>
+          <a:chOff x="0" y="0"/>
+          <a:chExt cx="0" cy="0"/>
+        </a:xfrm>
+      </p:grpSpPr>
+      <p:sp>
+        <p:nvSpPr>
+          <p:cNvPr id="2" name="Образ слайда 1"/>
+          <p:cNvSpPr>
+            <a:spLocks noGrp="1" noRot="1" noChangeAspect="1"/>
+          </p:cNvSpPr>
+          <p:nvPr>
+            <p:ph type="sldImg"/>
+          </p:nvPr>
+        </p:nvSpPr>
+        <p:spPr/>
+      </p:sp>
+      <p:sp>
+        <p:nvSpPr>
+          <p:cNvPr id="3" name="Заметки 2"/>
+          <p:cNvSpPr>
+            <a:spLocks noGrp="1"/>
+          </p:cNvSpPr>
+          <p:nvPr>
+            <p:ph type="body" idx="1"/>
+          </p:nvPr>
+        </p:nvSpPr>
+        <p:spPr/>
+        <p:txBody>
+          <a:bodyPr/>
+          <a:lstStyle/>
+          <a:p>
+            <a:r>
+              <a:rPr lang="ru-RU" dirty="0" smtClean="0"/>
+              <a:t>Равновесную</a:t>
+            </a:r>
+            <a:r>
+              <a:rPr lang="ru-RU" baseline="0" dirty="0" smtClean="0"/>
+              <a:t> численность популяции, которая дает решение, не зависящее от времени (его называют стационарным), легко найти приравняв нулю скорости изменения численности популяций</a:t>
+            </a:r>
+            <a:r>
+              <a:rPr lang="en-US" baseline="0" dirty="0" smtClean="0"/>
+              <a:t>:</a:t>
+            </a:r>
+            <a:r>
+              <a:rPr lang="ru-RU" baseline="0" dirty="0" smtClean="0"/>
+              <a:t> </a:t>
+            </a:r>
+            <a:r>
+              <a:rPr lang="en-US" baseline="0" dirty="0" smtClean="0"/>
+              <a:t>R’=0, F’=0. </a:t>
+            </a:r>
+            <a:r>
+              <a:rPr lang="ru-RU" baseline="0" dirty="0" smtClean="0"/>
+              <a:t>При этом нетривиальное решение (когда численность и кроликов и лис отлична от 0) оказывается неустойчивым. Это означает, что любое сколь угодно малое отклонение от равновесной популяции со временем нарастает. Точно так же со временем нарастает угол отклонения от вертикали карандаша, поставленного на острие. Почему так происходит легко понять, построив графически решение уравнения равновесия </a:t>
+            </a:r>
+            <a:r>
+              <a:rPr lang="en-US" baseline="0" dirty="0" smtClean="0"/>
+              <a:t>R’=0.</a:t>
+            </a:r>
+            <a:endParaRPr lang="ru-RU" baseline="0" dirty="0" smtClean="0"/>
+          </a:p>
+          <a:p>
+            <a:endParaRPr lang="ru-RU" dirty="0" smtClean="0"/>
+          </a:p>
+          <a:p>
+            <a:r>
+              <a:rPr lang="ru-RU" dirty="0" smtClean="0"/>
+              <a:t>Зафиксируем</a:t>
+            </a:r>
+            <a:r>
+              <a:rPr lang="ru-RU" baseline="0" dirty="0" smtClean="0"/>
+              <a:t> численность лис </a:t>
+            </a:r>
+            <a:r>
+              <a:rPr lang="en-US" baseline="0" dirty="0" smtClean="0"/>
+              <a:t>(</a:t>
+            </a:r>
+            <a:r>
+              <a:rPr lang="ru-RU" baseline="0" dirty="0" smtClean="0"/>
+              <a:t>пусть она равна равновесной</a:t>
+            </a:r>
+            <a:r>
+              <a:rPr lang="en-US" baseline="0" dirty="0" smtClean="0"/>
+              <a:t>) </a:t>
+            </a:r>
+            <a:r>
+              <a:rPr lang="ru-RU" baseline="0" dirty="0" smtClean="0"/>
+              <a:t>и построим зависимость скорости рождения и отлова кроликов от их численности. Равновесие будет достигаться в точках пересечения этих графиков – там численность популяции меняться не будет. Таких точек 3, причем средняя точка является точкой неустойчивого равновесия, поскольку малое отклонение численности популяции в любую сторону будет приводит к увеличению этого отклонения. Две другие точки устойчивы только при условии, что численность лис не меняется. На самом деле для нижней точки лисы будут вымирать, а для верхней – быстро размножаться. </a:t>
+            </a:r>
+            <a:endParaRPr lang="ru-RU" dirty="0"/>
+          </a:p>
+        </p:txBody>
+      </p:sp>
+      <p:sp>
+        <p:nvSpPr>
+          <p:cNvPr id="4" name="Номер слайда 3"/>
+          <p:cNvSpPr>
+            <a:spLocks noGrp="1"/>
+          </p:cNvSpPr>
+          <p:nvPr>
+            <p:ph type="sldNum" sz="quarter" idx="10"/>
+          </p:nvPr>
+        </p:nvSpPr>
+        <p:spPr/>
+        <p:txBody>
+          <a:bodyPr/>
+          <a:lstStyle/>
+          <a:p>
+            <a:fld id="{2A8B0EF9-1640-46E4-848E-1A91344214BA}" type="slidenum">
+              <a:rPr lang="ru-RU" smtClean="0"/>
+              <a:t>9</a:t>
+            </a:fld>
+            <a:endParaRPr lang="ru-RU"/>
+          </a:p>
+        </p:txBody>
+      </p:sp>
+    </p:spTree>
+    <p:extLst>
+      <p:ext uri="{BB962C8B-B14F-4D97-AF65-F5344CB8AC3E}">
+        <p14:creationId xmlns:p14="http://schemas.microsoft.com/office/powerpoint/2010/main" val="2768725556"/>
+      </p:ext>
+    </p:extLst>
+  </p:cSld>
+  <p:clrMapOvr>
+    <a:masterClrMapping/>
+  </p:clrMapOvr>
+</p:notes>
 </file>
 
 <file path=ppt/slideLayouts/slideLayout1.xml><?xml version="1.0" encoding="utf-8"?>
@@ -296,7 +2343,7 @@
           <a:p>
             <a:fld id="{B4C71EC6-210F-42DE-9C53-41977AD35B3D}" type="datetimeFigureOut">
               <a:rPr lang="ru-RU" smtClean="0"/>
-              <a:t>17.11.2015</a:t>
+              <a:t>26.01.2016</a:t>
             </a:fld>
             <a:endParaRPr lang="ru-RU"/>
           </a:p>
@@ -461,7 +2508,7 @@
           <a:p>
             <a:fld id="{B4C71EC6-210F-42DE-9C53-41977AD35B3D}" type="datetimeFigureOut">
               <a:rPr lang="ru-RU" smtClean="0"/>
-              <a:t>17.11.2015</a:t>
+              <a:t>26.01.2016</a:t>
             </a:fld>
             <a:endParaRPr lang="ru-RU"/>
           </a:p>
@@ -636,7 +2683,7 @@
           <a:p>
             <a:fld id="{B4C71EC6-210F-42DE-9C53-41977AD35B3D}" type="datetimeFigureOut">
               <a:rPr lang="ru-RU" smtClean="0"/>
-              <a:t>17.11.2015</a:t>
+              <a:t>26.01.2016</a:t>
             </a:fld>
             <a:endParaRPr lang="ru-RU"/>
           </a:p>
@@ -801,7 +2848,7 @@
           <a:p>
             <a:fld id="{B4C71EC6-210F-42DE-9C53-41977AD35B3D}" type="datetimeFigureOut">
               <a:rPr lang="ru-RU" smtClean="0"/>
-              <a:t>17.11.2015</a:t>
+              <a:t>26.01.2016</a:t>
             </a:fld>
             <a:endParaRPr lang="ru-RU"/>
           </a:p>
@@ -1042,7 +3089,7 @@
           <a:p>
             <a:fld id="{B4C71EC6-210F-42DE-9C53-41977AD35B3D}" type="datetimeFigureOut">
               <a:rPr lang="ru-RU" smtClean="0"/>
-              <a:t>17.11.2015</a:t>
+              <a:t>26.01.2016</a:t>
             </a:fld>
             <a:endParaRPr lang="ru-RU"/>
           </a:p>
@@ -1325,7 +3372,7 @@
           <a:p>
             <a:fld id="{B4C71EC6-210F-42DE-9C53-41977AD35B3D}" type="datetimeFigureOut">
               <a:rPr lang="ru-RU" smtClean="0"/>
-              <a:t>17.11.2015</a:t>
+              <a:t>26.01.2016</a:t>
             </a:fld>
             <a:endParaRPr lang="ru-RU"/>
           </a:p>
@@ -1742,7 +3789,7 @@
           <a:p>
             <a:fld id="{B4C71EC6-210F-42DE-9C53-41977AD35B3D}" type="datetimeFigureOut">
               <a:rPr lang="ru-RU" smtClean="0"/>
-              <a:t>17.11.2015</a:t>
+              <a:t>26.01.2016</a:t>
             </a:fld>
             <a:endParaRPr lang="ru-RU"/>
           </a:p>
@@ -1855,7 +3902,7 @@
           <a:p>
             <a:fld id="{B4C71EC6-210F-42DE-9C53-41977AD35B3D}" type="datetimeFigureOut">
               <a:rPr lang="ru-RU" smtClean="0"/>
-              <a:t>17.11.2015</a:t>
+              <a:t>26.01.2016</a:t>
             </a:fld>
             <a:endParaRPr lang="ru-RU"/>
           </a:p>
@@ -1945,7 +3992,7 @@
           <a:p>
             <a:fld id="{B4C71EC6-210F-42DE-9C53-41977AD35B3D}" type="datetimeFigureOut">
               <a:rPr lang="ru-RU" smtClean="0"/>
-              <a:t>17.11.2015</a:t>
+              <a:t>26.01.2016</a:t>
             </a:fld>
             <a:endParaRPr lang="ru-RU"/>
           </a:p>
@@ -2217,7 +4264,7 @@
           <a:p>
             <a:fld id="{B4C71EC6-210F-42DE-9C53-41977AD35B3D}" type="datetimeFigureOut">
               <a:rPr lang="ru-RU" smtClean="0"/>
-              <a:t>17.11.2015</a:t>
+              <a:t>26.01.2016</a:t>
             </a:fld>
             <a:endParaRPr lang="ru-RU"/>
           </a:p>
@@ -2465,7 +4512,7 @@
           <a:p>
             <a:fld id="{B4C71EC6-210F-42DE-9C53-41977AD35B3D}" type="datetimeFigureOut">
               <a:rPr lang="ru-RU" smtClean="0"/>
-              <a:t>17.11.2015</a:t>
+              <a:t>26.01.2016</a:t>
             </a:fld>
             <a:endParaRPr lang="ru-RU"/>
           </a:p>
@@ -2673,7 +4720,7 @@
           <a:p>
             <a:fld id="{B4C71EC6-210F-42DE-9C53-41977AD35B3D}" type="datetimeFigureOut">
               <a:rPr lang="ru-RU" smtClean="0"/>
-              <a:t>17.11.2015</a:t>
+              <a:t>26.01.2016</a:t>
             </a:fld>
             <a:endParaRPr lang="ru-RU"/>
           </a:p>
@@ -3113,6 +5160,1863 @@
   <p:clrMapOvr>
     <a:masterClrMapping/>
   </p:clrMapOvr>
+  <p:timing>
+    <p:tnLst>
+      <p:par>
+        <p:cTn id="1" dur="indefinite" restart="never" nodeType="tmRoot"/>
+      </p:par>
+    </p:tnLst>
+  </p:timing>
+</p:sld>
+</file>
+
+<file path=ppt/slides/slide10.xml><?xml version="1.0" encoding="utf-8"?>
+<p:sld xmlns:a="http://schemas.openxmlformats.org/drawingml/2006/main" xmlns:r="http://schemas.openxmlformats.org/officeDocument/2006/relationships" xmlns:p="http://schemas.openxmlformats.org/presentationml/2006/main">
+  <p:cSld>
+    <p:spTree>
+      <p:nvGrpSpPr>
+        <p:cNvPr id="1" name=""/>
+        <p:cNvGrpSpPr/>
+        <p:nvPr/>
+      </p:nvGrpSpPr>
+      <p:grpSpPr>
+        <a:xfrm>
+          <a:off x="0" y="0"/>
+          <a:ext cx="0" cy="0"/>
+          <a:chOff x="0" y="0"/>
+          <a:chExt cx="0" cy="0"/>
+        </a:xfrm>
+      </p:grpSpPr>
+      <p:sp>
+        <p:nvSpPr>
+          <p:cNvPr id="2" name="Заголовок 1"/>
+          <p:cNvSpPr>
+            <a:spLocks noGrp="1"/>
+          </p:cNvSpPr>
+          <p:nvPr>
+            <p:ph type="title"/>
+          </p:nvPr>
+        </p:nvSpPr>
+        <p:spPr/>
+        <p:txBody>
+          <a:bodyPr/>
+          <a:lstStyle/>
+          <a:p>
+            <a:r>
+              <a:rPr lang="ru-RU" dirty="0" smtClean="0"/>
+              <a:t>Автоколебания</a:t>
+            </a:r>
+            <a:endParaRPr lang="ru-RU" dirty="0"/>
+          </a:p>
+        </p:txBody>
+      </p:sp>
+      <p:pic>
+        <p:nvPicPr>
+          <p:cNvPr id="2050" name="Picture 2" descr="C:\build\rabbits\evolution.png"/>
+          <p:cNvPicPr>
+            <a:picLocks noChangeAspect="1" noChangeArrowheads="1"/>
+          </p:cNvPicPr>
+          <p:nvPr/>
+        </p:nvPicPr>
+        <p:blipFill>
+          <a:blip r:embed="rId3">
+            <a:extLst>
+              <a:ext uri="{28A0092B-C50C-407E-A947-70E740481C1C}">
+                <a14:useLocalDpi xmlns:a14="http://schemas.microsoft.com/office/drawing/2010/main" val="0"/>
+              </a:ext>
+            </a:extLst>
+          </a:blip>
+          <a:srcRect/>
+          <a:stretch>
+            <a:fillRect/>
+          </a:stretch>
+        </p:blipFill>
+        <p:spPr bwMode="auto">
+          <a:xfrm>
+            <a:off x="785192" y="1052736"/>
+            <a:ext cx="7315200" cy="5459413"/>
+          </a:xfrm>
+          <a:prstGeom prst="rect">
+            <a:avLst/>
+          </a:prstGeom>
+          <a:noFill/>
+          <a:extLst>
+            <a:ext uri="{909E8E84-426E-40DD-AFC4-6F175D3DCCD1}">
+              <a14:hiddenFill xmlns:a14="http://schemas.microsoft.com/office/drawing/2010/main">
+                <a:solidFill>
+                  <a:srgbClr val="FFFFFF"/>
+                </a:solidFill>
+              </a14:hiddenFill>
+            </a:ext>
+          </a:extLst>
+        </p:spPr>
+      </p:pic>
+    </p:spTree>
+    <p:extLst>
+      <p:ext uri="{BB962C8B-B14F-4D97-AF65-F5344CB8AC3E}">
+        <p14:creationId xmlns:p14="http://schemas.microsoft.com/office/powerpoint/2010/main" val="1784176976"/>
+      </p:ext>
+    </p:extLst>
+  </p:cSld>
+  <p:clrMapOvr>
+    <a:masterClrMapping/>
+  </p:clrMapOvr>
+  <p:timing>
+    <p:tnLst>
+      <p:par>
+        <p:cTn id="1" dur="indefinite" restart="never" nodeType="tmRoot"/>
+      </p:par>
+    </p:tnLst>
+  </p:timing>
+</p:sld>
+</file>
+
+<file path=ppt/slides/slide11.xml><?xml version="1.0" encoding="utf-8"?>
+<p:sld xmlns:a="http://schemas.openxmlformats.org/drawingml/2006/main" xmlns:r="http://schemas.openxmlformats.org/officeDocument/2006/relationships" xmlns:p="http://schemas.openxmlformats.org/presentationml/2006/main">
+  <p:cSld>
+    <p:spTree>
+      <p:nvGrpSpPr>
+        <p:cNvPr id="1" name=""/>
+        <p:cNvGrpSpPr/>
+        <p:nvPr/>
+      </p:nvGrpSpPr>
+      <p:grpSpPr>
+        <a:xfrm>
+          <a:off x="0" y="0"/>
+          <a:ext cx="0" cy="0"/>
+          <a:chOff x="0" y="0"/>
+          <a:chExt cx="0" cy="0"/>
+        </a:xfrm>
+      </p:grpSpPr>
+      <p:sp>
+        <p:nvSpPr>
+          <p:cNvPr id="2" name="Заголовок 1"/>
+          <p:cNvSpPr>
+            <a:spLocks noGrp="1"/>
+          </p:cNvSpPr>
+          <p:nvPr>
+            <p:ph type="title"/>
+          </p:nvPr>
+        </p:nvSpPr>
+        <p:spPr/>
+        <p:txBody>
+          <a:bodyPr>
+            <a:normAutofit/>
+          </a:bodyPr>
+          <a:lstStyle/>
+          <a:p>
+            <a:r>
+              <a:rPr lang="ru-RU" dirty="0" smtClean="0"/>
+              <a:t>Одномерная модель – кольцо</a:t>
+            </a:r>
+            <a:endParaRPr lang="ru-RU" dirty="0"/>
+          </a:p>
+        </p:txBody>
+      </p:sp>
+      <p:pic>
+        <p:nvPicPr>
+          <p:cNvPr id="1026" name="Picture 2"/>
+          <p:cNvPicPr>
+            <a:picLocks noChangeAspect="1" noChangeArrowheads="1"/>
+          </p:cNvPicPr>
+          <p:nvPr/>
+        </p:nvPicPr>
+        <p:blipFill>
+          <a:blip r:embed="rId3">
+            <a:extLst>
+              <a:ext uri="{28A0092B-C50C-407E-A947-70E740481C1C}">
+                <a14:useLocalDpi xmlns:a14="http://schemas.microsoft.com/office/drawing/2010/main" val="0"/>
+              </a:ext>
+            </a:extLst>
+          </a:blip>
+          <a:srcRect/>
+          <a:stretch>
+            <a:fillRect/>
+          </a:stretch>
+        </p:blipFill>
+        <p:spPr bwMode="auto">
+          <a:xfrm>
+            <a:off x="2176463" y="2052638"/>
+            <a:ext cx="4791075" cy="2752725"/>
+          </a:xfrm>
+          <a:prstGeom prst="rect">
+            <a:avLst/>
+          </a:prstGeom>
+          <a:noFill/>
+          <a:ln>
+            <a:noFill/>
+          </a:ln>
+          <a:extLst>
+            <a:ext uri="{909E8E84-426E-40DD-AFC4-6F175D3DCCD1}">
+              <a14:hiddenFill xmlns:a14="http://schemas.microsoft.com/office/drawing/2010/main">
+                <a:solidFill>
+                  <a:schemeClr val="accent1"/>
+                </a:solidFill>
+              </a14:hiddenFill>
+            </a:ext>
+            <a:ext uri="{91240B29-F687-4F45-9708-019B960494DF}">
+              <a14:hiddenLine xmlns:a14="http://schemas.microsoft.com/office/drawing/2010/main" w="9525">
+                <a:solidFill>
+                  <a:schemeClr val="tx1"/>
+                </a:solidFill>
+                <a:miter lim="800000"/>
+                <a:headEnd/>
+                <a:tailEnd/>
+              </a14:hiddenLine>
+            </a:ext>
+          </a:extLst>
+        </p:spPr>
+      </p:pic>
+    </p:spTree>
+    <p:extLst>
+      <p:ext uri="{BB962C8B-B14F-4D97-AF65-F5344CB8AC3E}">
+        <p14:creationId xmlns:p14="http://schemas.microsoft.com/office/powerpoint/2010/main" val="4244848619"/>
+      </p:ext>
+    </p:extLst>
+  </p:cSld>
+  <p:clrMapOvr>
+    <a:masterClrMapping/>
+  </p:clrMapOvr>
+  <p:timing>
+    <p:tnLst>
+      <p:par>
+        <p:cTn id="1" dur="indefinite" restart="never" nodeType="tmRoot"/>
+      </p:par>
+    </p:tnLst>
+  </p:timing>
+</p:sld>
+</file>
+
+<file path=ppt/slides/slide12.xml><?xml version="1.0" encoding="utf-8"?>
+<p:sld xmlns:a="http://schemas.openxmlformats.org/drawingml/2006/main" xmlns:r="http://schemas.openxmlformats.org/officeDocument/2006/relationships" xmlns:p="http://schemas.openxmlformats.org/presentationml/2006/main">
+  <p:cSld>
+    <p:spTree>
+      <p:nvGrpSpPr>
+        <p:cNvPr id="1" name=""/>
+        <p:cNvGrpSpPr/>
+        <p:nvPr/>
+      </p:nvGrpSpPr>
+      <p:grpSpPr>
+        <a:xfrm>
+          <a:off x="0" y="0"/>
+          <a:ext cx="0" cy="0"/>
+          <a:chOff x="0" y="0"/>
+          <a:chExt cx="0" cy="0"/>
+        </a:xfrm>
+      </p:grpSpPr>
+      <p:sp>
+        <p:nvSpPr>
+          <p:cNvPr id="2" name="Заголовок 1"/>
+          <p:cNvSpPr>
+            <a:spLocks noGrp="1"/>
+          </p:cNvSpPr>
+          <p:nvPr>
+            <p:ph type="title"/>
+          </p:nvPr>
+        </p:nvSpPr>
+        <p:spPr/>
+        <p:txBody>
+          <a:bodyPr/>
+          <a:lstStyle/>
+          <a:p>
+            <a:r>
+              <a:rPr lang="ru-RU" dirty="0" smtClean="0"/>
+              <a:t>Учет миграции</a:t>
+            </a:r>
+            <a:endParaRPr lang="ru-RU" dirty="0"/>
+          </a:p>
+        </p:txBody>
+      </p:sp>
+      <mc:AlternateContent xmlns:mc="http://schemas.openxmlformats.org/markup-compatibility/2006" xmlns:a14="http://schemas.microsoft.com/office/drawing/2010/main">
+        <mc:Choice Requires="a14">
+          <p:sp>
+            <p:nvSpPr>
+              <p:cNvPr id="4" name="TextBox 3"/>
+              <p:cNvSpPr txBox="1"/>
+              <p:nvPr/>
+            </p:nvSpPr>
+            <p:spPr>
+              <a:xfrm>
+                <a:off x="5508104" y="2132856"/>
+                <a:ext cx="2448272" cy="426207"/>
+              </a:xfrm>
+              <a:prstGeom prst="rect">
+                <a:avLst/>
+              </a:prstGeom>
+              <a:noFill/>
+            </p:spPr>
+            <p:txBody>
+              <a:bodyPr wrap="square" rtlCol="0">
+                <a:spAutoFit/>
+              </a:bodyPr>
+              <a:lstStyle/>
+              <a:p>
+                <a:pPr/>
+                <a14:m>
+                  <m:oMathPara xmlns:m="http://schemas.openxmlformats.org/officeDocument/2006/math">
+                    <m:oMathParaPr>
+                      <m:jc m:val="centerGroup"/>
+                    </m:oMathParaPr>
+                    <m:oMath xmlns:m="http://schemas.openxmlformats.org/officeDocument/2006/math">
+                      <m:sSub>
+                        <m:sSubPr>
+                          <m:ctrlPr>
+                            <a:rPr lang="en-US" b="0" i="1" smtClean="0">
+                              <a:latin typeface="Cambria Math"/>
+                            </a:rPr>
+                          </m:ctrlPr>
+                        </m:sSubPr>
+                        <m:e>
+                          <m:r>
+                            <a:rPr lang="en-US" b="0" i="1" smtClean="0">
+                              <a:latin typeface="Cambria Math"/>
+                            </a:rPr>
+                            <m:t>𝑅</m:t>
+                          </m:r>
+                        </m:e>
+                        <m:sub>
+                          <m:r>
+                            <a:rPr lang="en-US" b="0" i="1" smtClean="0">
+                              <a:latin typeface="Cambria Math"/>
+                            </a:rPr>
+                            <m:t>𝑖</m:t>
+                          </m:r>
+                        </m:sub>
+                      </m:sSub>
+                      <m:r>
+                        <a:rPr lang="en-US" b="0" i="1" smtClean="0">
+                          <a:latin typeface="Cambria Math"/>
+                        </a:rPr>
+                        <m:t>′</m:t>
+                      </m:r>
+                      <m:box>
+                        <m:boxPr>
+                          <m:ctrlPr>
+                            <a:rPr lang="ru-RU" i="1" smtClean="0">
+                              <a:latin typeface="Cambria Math"/>
+                            </a:rPr>
+                          </m:ctrlPr>
+                        </m:boxPr>
+                        <m:e>
+                          <m:argPr>
+                            <m:argSz m:val="-1"/>
+                          </m:argPr>
+                          <m:r>
+                            <m:rPr>
+                              <m:brk m:alnAt="63"/>
+                            </m:rPr>
+                            <a:rPr lang="en-US" b="0" i="1" smtClean="0">
+                              <a:latin typeface="Cambria Math"/>
+                            </a:rPr>
+                            <m:t>=</m:t>
+                          </m:r>
+                          <m:sSub>
+                            <m:sSubPr>
+                              <m:ctrlPr>
+                                <a:rPr lang="en-US" b="0" i="1" smtClean="0">
+                                  <a:latin typeface="Cambria Math"/>
+                                </a:rPr>
+                              </m:ctrlPr>
+                            </m:sSubPr>
+                            <m:e>
+                              <m:r>
+                                <a:rPr lang="en-US" b="0" i="1" smtClean="0">
+                                  <a:latin typeface="Cambria Math"/>
+                                </a:rPr>
+                                <m:t> </m:t>
+                              </m:r>
+                              <m:r>
+                                <a:rPr lang="en-US" b="0" i="1" smtClean="0">
+                                  <a:latin typeface="Cambria Math"/>
+                                </a:rPr>
+                                <m:t>𝑉</m:t>
+                              </m:r>
+                            </m:e>
+                            <m:sub>
+                              <m:r>
+                                <a:rPr lang="en-US" b="0" i="1" smtClean="0">
+                                  <a:latin typeface="Cambria Math"/>
+                                </a:rPr>
+                                <m:t>𝑅</m:t>
+                              </m:r>
+                            </m:sub>
+                          </m:sSub>
+                          <m:r>
+                            <m:rPr>
+                              <m:brk m:alnAt="63"/>
+                            </m:rPr>
+                            <a:rPr lang="en-US" b="0" i="1" smtClean="0">
+                              <a:latin typeface="Cambria Math"/>
+                            </a:rPr>
+                            <m:t>∗</m:t>
+                          </m:r>
+                          <m:f>
+                            <m:fPr>
+                              <m:ctrlPr>
+                                <a:rPr lang="ru-RU" i="1" smtClean="0">
+                                  <a:latin typeface="Cambria Math"/>
+                                </a:rPr>
+                              </m:ctrlPr>
+                            </m:fPr>
+                            <m:num>
+                              <m:sSub>
+                                <m:sSubPr>
+                                  <m:ctrlPr>
+                                    <a:rPr lang="en-US" b="0" i="1" smtClean="0">
+                                      <a:latin typeface="Cambria Math"/>
+                                    </a:rPr>
+                                  </m:ctrlPr>
+                                </m:sSubPr>
+                                <m:e>
+                                  <m:r>
+                                    <a:rPr lang="en-US" b="0" i="1" smtClean="0">
+                                      <a:latin typeface="Cambria Math"/>
+                                    </a:rPr>
+                                    <m:t>𝑅</m:t>
+                                  </m:r>
+                                </m:e>
+                                <m:sub>
+                                  <m:r>
+                                    <a:rPr lang="en-US" b="0" i="1" smtClean="0">
+                                      <a:latin typeface="Cambria Math"/>
+                                    </a:rPr>
+                                    <m:t>𝑖</m:t>
+                                  </m:r>
+                                  <m:r>
+                                    <a:rPr lang="en-US" b="0" i="1" smtClean="0">
+                                      <a:latin typeface="Cambria Math"/>
+                                    </a:rPr>
+                                    <m:t>−1</m:t>
+                                  </m:r>
+                                </m:sub>
+                              </m:sSub>
+                              <m:r>
+                                <a:rPr lang="en-US" b="0" i="1" smtClean="0">
+                                  <a:latin typeface="Cambria Math"/>
+                                </a:rPr>
+                                <m:t>+</m:t>
+                              </m:r>
+                              <m:sSub>
+                                <m:sSubPr>
+                                  <m:ctrlPr>
+                                    <a:rPr lang="en-US" i="1">
+                                      <a:latin typeface="Cambria Math"/>
+                                    </a:rPr>
+                                  </m:ctrlPr>
+                                </m:sSubPr>
+                                <m:e>
+                                  <m:r>
+                                    <a:rPr lang="en-US" i="1">
+                                      <a:latin typeface="Cambria Math"/>
+                                    </a:rPr>
+                                    <m:t>𝑅</m:t>
+                                  </m:r>
+                                </m:e>
+                                <m:sub>
+                                  <m:r>
+                                    <a:rPr lang="en-US" i="1">
+                                      <a:latin typeface="Cambria Math"/>
+                                    </a:rPr>
+                                    <m:t>𝑖</m:t>
+                                  </m:r>
+                                  <m:r>
+                                    <a:rPr lang="en-US" b="0" i="1" smtClean="0">
+                                      <a:latin typeface="Cambria Math"/>
+                                    </a:rPr>
+                                    <m:t>+</m:t>
+                                  </m:r>
+                                  <m:r>
+                                    <a:rPr lang="en-US" i="1">
+                                      <a:latin typeface="Cambria Math"/>
+                                    </a:rPr>
+                                    <m:t>1</m:t>
+                                  </m:r>
+                                </m:sub>
+                              </m:sSub>
+                              <m:r>
+                                <a:rPr lang="en-US" b="0" i="1" smtClean="0">
+                                  <a:latin typeface="Cambria Math"/>
+                                </a:rPr>
+                                <m:t>−2</m:t>
+                              </m:r>
+                              <m:sSub>
+                                <m:sSubPr>
+                                  <m:ctrlPr>
+                                    <a:rPr lang="en-US" i="1">
+                                      <a:latin typeface="Cambria Math"/>
+                                    </a:rPr>
+                                  </m:ctrlPr>
+                                </m:sSubPr>
+                                <m:e>
+                                  <m:r>
+                                    <a:rPr lang="en-US" i="1">
+                                      <a:latin typeface="Cambria Math"/>
+                                    </a:rPr>
+                                    <m:t>𝑅</m:t>
+                                  </m:r>
+                                </m:e>
+                                <m:sub>
+                                  <m:r>
+                                    <a:rPr lang="en-US" i="1">
+                                      <a:latin typeface="Cambria Math"/>
+                                    </a:rPr>
+                                    <m:t>𝑖</m:t>
+                                  </m:r>
+                                </m:sub>
+                              </m:sSub>
+                            </m:num>
+                            <m:den>
+                              <m:r>
+                                <a:rPr lang="en-US" b="0" i="1" smtClean="0">
+                                  <a:latin typeface="Cambria Math"/>
+                                </a:rPr>
+                                <m:t>2</m:t>
+                              </m:r>
+                              <m:r>
+                                <a:rPr lang="en-US" b="0" i="1" smtClean="0">
+                                  <a:latin typeface="Cambria Math"/>
+                                </a:rPr>
+                                <m:t>𝐿</m:t>
+                              </m:r>
+                            </m:den>
+                          </m:f>
+                        </m:e>
+                      </m:box>
+                    </m:oMath>
+                  </m:oMathPara>
+                </a14:m>
+                <a:endParaRPr lang="ru-RU" dirty="0"/>
+              </a:p>
+            </p:txBody>
+          </p:sp>
+        </mc:Choice>
+        <mc:Fallback xmlns="">
+          <p:sp>
+            <p:nvSpPr>
+              <p:cNvPr id="4" name="TextBox 3"/>
+              <p:cNvSpPr txBox="1">
+                <a:spLocks noRot="1" noChangeAspect="1" noMove="1" noResize="1" noEditPoints="1" noAdjustHandles="1" noChangeArrowheads="1" noChangeShapeType="1" noTextEdit="1"/>
+              </p:cNvSpPr>
+              <p:nvPr/>
+            </p:nvSpPr>
+            <p:spPr>
+              <a:xfrm>
+                <a:off x="5508104" y="2132856"/>
+                <a:ext cx="2448272" cy="426207"/>
+              </a:xfrm>
+              <a:prstGeom prst="rect">
+                <a:avLst/>
+              </a:prstGeom>
+              <a:blipFill rotWithShape="1">
+                <a:blip r:embed="rId3"/>
+                <a:stretch>
+                  <a:fillRect b="-1429"/>
+                </a:stretch>
+              </a:blipFill>
+            </p:spPr>
+            <p:txBody>
+              <a:bodyPr/>
+              <a:lstStyle/>
+              <a:p>
+                <a:r>
+                  <a:rPr lang="ru-RU">
+                    <a:noFill/>
+                  </a:rPr>
+                  <a:t> </a:t>
+                </a:r>
+              </a:p>
+            </p:txBody>
+          </p:sp>
+        </mc:Fallback>
+      </mc:AlternateContent>
+      <mc:AlternateContent xmlns:mc="http://schemas.openxmlformats.org/markup-compatibility/2006" xmlns:a14="http://schemas.microsoft.com/office/drawing/2010/main">
+        <mc:Choice Requires="a14">
+          <p:sp>
+            <p:nvSpPr>
+              <p:cNvPr id="7" name="TextBox 6"/>
+              <p:cNvSpPr txBox="1"/>
+              <p:nvPr/>
+            </p:nvSpPr>
+            <p:spPr>
+              <a:xfrm>
+                <a:off x="5508104" y="2780928"/>
+                <a:ext cx="2448272" cy="420436"/>
+              </a:xfrm>
+              <a:prstGeom prst="rect">
+                <a:avLst/>
+              </a:prstGeom>
+              <a:noFill/>
+            </p:spPr>
+            <p:txBody>
+              <a:bodyPr wrap="square" rtlCol="0">
+                <a:spAutoFit/>
+              </a:bodyPr>
+              <a:lstStyle/>
+              <a:p>
+                <a:pPr/>
+                <a14:m>
+                  <m:oMathPara xmlns:m="http://schemas.openxmlformats.org/officeDocument/2006/math">
+                    <m:oMathParaPr>
+                      <m:jc m:val="centerGroup"/>
+                    </m:oMathParaPr>
+                    <m:oMath xmlns:m="http://schemas.openxmlformats.org/officeDocument/2006/math">
+                      <m:sSub>
+                        <m:sSubPr>
+                          <m:ctrlPr>
+                            <a:rPr lang="en-US" b="0" i="1" smtClean="0">
+                              <a:latin typeface="Cambria Math"/>
+                            </a:rPr>
+                          </m:ctrlPr>
+                        </m:sSubPr>
+                        <m:e>
+                          <m:r>
+                            <a:rPr lang="en-US" b="0" i="1" smtClean="0">
+                              <a:latin typeface="Cambria Math"/>
+                            </a:rPr>
+                            <m:t>𝐹</m:t>
+                          </m:r>
+                        </m:e>
+                        <m:sub>
+                          <m:r>
+                            <a:rPr lang="en-US" b="0" i="1" smtClean="0">
+                              <a:latin typeface="Cambria Math"/>
+                            </a:rPr>
+                            <m:t>𝑖</m:t>
+                          </m:r>
+                        </m:sub>
+                      </m:sSub>
+                      <m:r>
+                        <a:rPr lang="en-US" b="0" i="1" smtClean="0">
+                          <a:latin typeface="Cambria Math"/>
+                        </a:rPr>
+                        <m:t>′</m:t>
+                      </m:r>
+                      <m:box>
+                        <m:boxPr>
+                          <m:ctrlPr>
+                            <a:rPr lang="ru-RU" i="1" smtClean="0">
+                              <a:latin typeface="Cambria Math"/>
+                            </a:rPr>
+                          </m:ctrlPr>
+                        </m:boxPr>
+                        <m:e>
+                          <m:argPr>
+                            <m:argSz m:val="-1"/>
+                          </m:argPr>
+                          <m:r>
+                            <m:rPr>
+                              <m:brk m:alnAt="63"/>
+                            </m:rPr>
+                            <a:rPr lang="en-US" b="0" i="1" smtClean="0">
+                              <a:latin typeface="Cambria Math"/>
+                            </a:rPr>
+                            <m:t>=</m:t>
+                          </m:r>
+                          <m:sSub>
+                            <m:sSubPr>
+                              <m:ctrlPr>
+                                <a:rPr lang="en-US" b="0" i="1" smtClean="0">
+                                  <a:latin typeface="Cambria Math"/>
+                                </a:rPr>
+                              </m:ctrlPr>
+                            </m:sSubPr>
+                            <m:e>
+                              <m:r>
+                                <a:rPr lang="en-US" b="0" i="1" smtClean="0">
+                                  <a:latin typeface="Cambria Math"/>
+                                </a:rPr>
+                                <m:t> </m:t>
+                              </m:r>
+                              <m:r>
+                                <a:rPr lang="en-US" b="0" i="1" smtClean="0">
+                                  <a:latin typeface="Cambria Math"/>
+                                </a:rPr>
+                                <m:t>𝑉</m:t>
+                              </m:r>
+                            </m:e>
+                            <m:sub>
+                              <m:r>
+                                <a:rPr lang="en-US" b="0" i="1" smtClean="0">
+                                  <a:latin typeface="Cambria Math"/>
+                                </a:rPr>
+                                <m:t>𝐹</m:t>
+                              </m:r>
+                            </m:sub>
+                          </m:sSub>
+                          <m:r>
+                            <m:rPr>
+                              <m:brk m:alnAt="63"/>
+                            </m:rPr>
+                            <a:rPr lang="en-US" b="0" i="1" smtClean="0">
+                              <a:latin typeface="Cambria Math"/>
+                            </a:rPr>
+                            <m:t>∗</m:t>
+                          </m:r>
+                          <m:f>
+                            <m:fPr>
+                              <m:ctrlPr>
+                                <a:rPr lang="ru-RU" i="1" smtClean="0">
+                                  <a:latin typeface="Cambria Math"/>
+                                </a:rPr>
+                              </m:ctrlPr>
+                            </m:fPr>
+                            <m:num>
+                              <m:sSub>
+                                <m:sSubPr>
+                                  <m:ctrlPr>
+                                    <a:rPr lang="en-US" b="0" i="1" smtClean="0">
+                                      <a:latin typeface="Cambria Math"/>
+                                    </a:rPr>
+                                  </m:ctrlPr>
+                                </m:sSubPr>
+                                <m:e>
+                                  <m:r>
+                                    <a:rPr lang="en-US" b="0" i="1" smtClean="0">
+                                      <a:latin typeface="Cambria Math"/>
+                                    </a:rPr>
+                                    <m:t>𝐹</m:t>
+                                  </m:r>
+                                </m:e>
+                                <m:sub>
+                                  <m:r>
+                                    <a:rPr lang="en-US" b="0" i="1" smtClean="0">
+                                      <a:latin typeface="Cambria Math"/>
+                                    </a:rPr>
+                                    <m:t>𝑖</m:t>
+                                  </m:r>
+                                  <m:r>
+                                    <a:rPr lang="en-US" b="0" i="1" smtClean="0">
+                                      <a:latin typeface="Cambria Math"/>
+                                    </a:rPr>
+                                    <m:t>−1</m:t>
+                                  </m:r>
+                                </m:sub>
+                              </m:sSub>
+                              <m:r>
+                                <a:rPr lang="en-US" b="0" i="1" smtClean="0">
+                                  <a:latin typeface="Cambria Math"/>
+                                </a:rPr>
+                                <m:t>+</m:t>
+                              </m:r>
+                              <m:sSub>
+                                <m:sSubPr>
+                                  <m:ctrlPr>
+                                    <a:rPr lang="en-US" i="1">
+                                      <a:latin typeface="Cambria Math"/>
+                                    </a:rPr>
+                                  </m:ctrlPr>
+                                </m:sSubPr>
+                                <m:e>
+                                  <m:r>
+                                    <a:rPr lang="en-US" b="0" i="1" smtClean="0">
+                                      <a:latin typeface="Cambria Math"/>
+                                    </a:rPr>
+                                    <m:t>𝐹</m:t>
+                                  </m:r>
+                                </m:e>
+                                <m:sub>
+                                  <m:r>
+                                    <a:rPr lang="en-US" i="1">
+                                      <a:latin typeface="Cambria Math"/>
+                                    </a:rPr>
+                                    <m:t>𝑖</m:t>
+                                  </m:r>
+                                  <m:r>
+                                    <a:rPr lang="en-US" b="0" i="1" smtClean="0">
+                                      <a:latin typeface="Cambria Math"/>
+                                    </a:rPr>
+                                    <m:t>+</m:t>
+                                  </m:r>
+                                  <m:r>
+                                    <a:rPr lang="en-US" i="1">
+                                      <a:latin typeface="Cambria Math"/>
+                                    </a:rPr>
+                                    <m:t>1</m:t>
+                                  </m:r>
+                                </m:sub>
+                              </m:sSub>
+                              <m:r>
+                                <a:rPr lang="en-US" b="0" i="1" smtClean="0">
+                                  <a:latin typeface="Cambria Math"/>
+                                </a:rPr>
+                                <m:t>−2</m:t>
+                              </m:r>
+                              <m:sSub>
+                                <m:sSubPr>
+                                  <m:ctrlPr>
+                                    <a:rPr lang="en-US" i="1">
+                                      <a:latin typeface="Cambria Math"/>
+                                    </a:rPr>
+                                  </m:ctrlPr>
+                                </m:sSubPr>
+                                <m:e>
+                                  <m:r>
+                                    <a:rPr lang="en-US" b="0" i="1" smtClean="0">
+                                      <a:latin typeface="Cambria Math"/>
+                                    </a:rPr>
+                                    <m:t>𝐹</m:t>
+                                  </m:r>
+                                </m:e>
+                                <m:sub>
+                                  <m:r>
+                                    <a:rPr lang="en-US" i="1">
+                                      <a:latin typeface="Cambria Math"/>
+                                    </a:rPr>
+                                    <m:t>𝑖</m:t>
+                                  </m:r>
+                                </m:sub>
+                              </m:sSub>
+                            </m:num>
+                            <m:den>
+                              <m:r>
+                                <a:rPr lang="en-US" b="0" i="1" smtClean="0">
+                                  <a:latin typeface="Cambria Math"/>
+                                </a:rPr>
+                                <m:t>2</m:t>
+                              </m:r>
+                              <m:r>
+                                <a:rPr lang="en-US" b="0" i="1" smtClean="0">
+                                  <a:latin typeface="Cambria Math"/>
+                                </a:rPr>
+                                <m:t>𝐿</m:t>
+                              </m:r>
+                            </m:den>
+                          </m:f>
+                        </m:e>
+                      </m:box>
+                    </m:oMath>
+                  </m:oMathPara>
+                </a14:m>
+                <a:endParaRPr lang="ru-RU" dirty="0"/>
+              </a:p>
+            </p:txBody>
+          </p:sp>
+        </mc:Choice>
+        <mc:Fallback xmlns="">
+          <p:sp>
+            <p:nvSpPr>
+              <p:cNvPr id="7" name="TextBox 6"/>
+              <p:cNvSpPr txBox="1">
+                <a:spLocks noRot="1" noChangeAspect="1" noMove="1" noResize="1" noEditPoints="1" noAdjustHandles="1" noChangeArrowheads="1" noChangeShapeType="1" noTextEdit="1"/>
+              </p:cNvSpPr>
+              <p:nvPr/>
+            </p:nvSpPr>
+            <p:spPr>
+              <a:xfrm>
+                <a:off x="5508104" y="2780928"/>
+                <a:ext cx="2448272" cy="420436"/>
+              </a:xfrm>
+              <a:prstGeom prst="rect">
+                <a:avLst/>
+              </a:prstGeom>
+              <a:blipFill rotWithShape="1">
+                <a:blip r:embed="rId4"/>
+                <a:stretch>
+                  <a:fillRect b="-2899"/>
+                </a:stretch>
+              </a:blipFill>
+            </p:spPr>
+            <p:txBody>
+              <a:bodyPr/>
+              <a:lstStyle/>
+              <a:p>
+                <a:r>
+                  <a:rPr lang="ru-RU">
+                    <a:noFill/>
+                  </a:rPr>
+                  <a:t> </a:t>
+                </a:r>
+              </a:p>
+            </p:txBody>
+          </p:sp>
+        </mc:Fallback>
+      </mc:AlternateContent>
+      <p:pic>
+        <p:nvPicPr>
+          <p:cNvPr id="1028" name="Picture 4"/>
+          <p:cNvPicPr>
+            <a:picLocks noChangeAspect="1" noChangeArrowheads="1"/>
+          </p:cNvPicPr>
+          <p:nvPr/>
+        </p:nvPicPr>
+        <p:blipFill>
+          <a:blip r:embed="rId5">
+            <a:extLst>
+              <a:ext uri="{28A0092B-C50C-407E-A947-70E740481C1C}">
+                <a14:useLocalDpi xmlns:a14="http://schemas.microsoft.com/office/drawing/2010/main" val="0"/>
+              </a:ext>
+            </a:extLst>
+          </a:blip>
+          <a:srcRect/>
+          <a:stretch>
+            <a:fillRect/>
+          </a:stretch>
+        </p:blipFill>
+        <p:spPr bwMode="auto">
+          <a:xfrm>
+            <a:off x="1691680" y="1784405"/>
+            <a:ext cx="3514725" cy="3305175"/>
+          </a:xfrm>
+          <a:prstGeom prst="rect">
+            <a:avLst/>
+          </a:prstGeom>
+          <a:noFill/>
+          <a:ln>
+            <a:noFill/>
+          </a:ln>
+          <a:extLst>
+            <a:ext uri="{909E8E84-426E-40DD-AFC4-6F175D3DCCD1}">
+              <a14:hiddenFill xmlns:a14="http://schemas.microsoft.com/office/drawing/2010/main">
+                <a:solidFill>
+                  <a:schemeClr val="accent1"/>
+                </a:solidFill>
+              </a14:hiddenFill>
+            </a:ext>
+            <a:ext uri="{91240B29-F687-4F45-9708-019B960494DF}">
+              <a14:hiddenLine xmlns:a14="http://schemas.microsoft.com/office/drawing/2010/main" w="9525">
+                <a:solidFill>
+                  <a:schemeClr val="tx1"/>
+                </a:solidFill>
+                <a:miter lim="800000"/>
+                <a:headEnd/>
+                <a:tailEnd/>
+              </a14:hiddenLine>
+            </a:ext>
+          </a:extLst>
+        </p:spPr>
+      </p:pic>
+    </p:spTree>
+    <p:extLst>
+      <p:ext uri="{BB962C8B-B14F-4D97-AF65-F5344CB8AC3E}">
+        <p14:creationId xmlns:p14="http://schemas.microsoft.com/office/powerpoint/2010/main" val="1531561961"/>
+      </p:ext>
+    </p:extLst>
+  </p:cSld>
+  <p:clrMapOvr>
+    <a:masterClrMapping/>
+  </p:clrMapOvr>
+  <p:timing>
+    <p:tnLst>
+      <p:par>
+        <p:cTn id="1" dur="indefinite" restart="never" nodeType="tmRoot"/>
+      </p:par>
+    </p:tnLst>
+  </p:timing>
+</p:sld>
+</file>
+
+<file path=ppt/slides/slide13.xml><?xml version="1.0" encoding="utf-8"?>
+<p:sld xmlns:a="http://schemas.openxmlformats.org/drawingml/2006/main" xmlns:r="http://schemas.openxmlformats.org/officeDocument/2006/relationships" xmlns:p="http://schemas.openxmlformats.org/presentationml/2006/main">
+  <p:cSld>
+    <p:spTree>
+      <p:nvGrpSpPr>
+        <p:cNvPr id="1" name=""/>
+        <p:cNvGrpSpPr/>
+        <p:nvPr/>
+      </p:nvGrpSpPr>
+      <p:grpSpPr>
+        <a:xfrm>
+          <a:off x="0" y="0"/>
+          <a:ext cx="0" cy="0"/>
+          <a:chOff x="0" y="0"/>
+          <a:chExt cx="0" cy="0"/>
+        </a:xfrm>
+      </p:grpSpPr>
+      <p:sp>
+        <p:nvSpPr>
+          <p:cNvPr id="2" name="Заголовок 1"/>
+          <p:cNvSpPr>
+            <a:spLocks noGrp="1"/>
+          </p:cNvSpPr>
+          <p:nvPr>
+            <p:ph type="title"/>
+          </p:nvPr>
+        </p:nvSpPr>
+        <p:spPr>
+          <a:xfrm>
+            <a:off x="1403648" y="274638"/>
+            <a:ext cx="7283152" cy="1143000"/>
+          </a:xfrm>
+        </p:spPr>
+        <p:txBody>
+          <a:bodyPr/>
+          <a:lstStyle/>
+          <a:p>
+            <a:r>
+              <a:rPr lang="ru-RU" dirty="0" smtClean="0"/>
+              <a:t>Диссипативная структура</a:t>
+            </a:r>
+            <a:endParaRPr lang="ru-RU" dirty="0"/>
+          </a:p>
+        </p:txBody>
+      </p:sp>
+      <p:pic>
+        <p:nvPicPr>
+          <p:cNvPr id="3075" name="Picture 3" descr="C:\build\rabbits\equilibrium.png"/>
+          <p:cNvPicPr>
+            <a:picLocks noChangeAspect="1" noChangeArrowheads="1"/>
+          </p:cNvPicPr>
+          <p:nvPr/>
+        </p:nvPicPr>
+        <p:blipFill>
+          <a:blip r:embed="rId3">
+            <a:extLst>
+              <a:ext uri="{28A0092B-C50C-407E-A947-70E740481C1C}">
+                <a14:useLocalDpi xmlns:a14="http://schemas.microsoft.com/office/drawing/2010/main" val="0"/>
+              </a:ext>
+            </a:extLst>
+          </a:blip>
+          <a:srcRect/>
+          <a:stretch>
+            <a:fillRect/>
+          </a:stretch>
+        </p:blipFill>
+        <p:spPr bwMode="auto">
+          <a:xfrm>
+            <a:off x="3203848" y="3247080"/>
+            <a:ext cx="4752528" cy="3546862"/>
+          </a:xfrm>
+          <a:prstGeom prst="rect">
+            <a:avLst/>
+          </a:prstGeom>
+          <a:noFill/>
+          <a:extLst>
+            <a:ext uri="{909E8E84-426E-40DD-AFC4-6F175D3DCCD1}">
+              <a14:hiddenFill xmlns:a14="http://schemas.microsoft.com/office/drawing/2010/main">
+                <a:solidFill>
+                  <a:srgbClr val="FFFFFF"/>
+                </a:solidFill>
+              </a14:hiddenFill>
+            </a:ext>
+          </a:extLst>
+        </p:spPr>
+      </p:pic>
+      <p:pic>
+        <p:nvPicPr>
+          <p:cNvPr id="3074" name="Picture 2"/>
+          <p:cNvPicPr>
+            <a:picLocks noChangeAspect="1" noChangeArrowheads="1"/>
+          </p:cNvPicPr>
+          <p:nvPr/>
+        </p:nvPicPr>
+        <p:blipFill>
+          <a:blip r:embed="rId4">
+            <a:extLst>
+              <a:ext uri="{28A0092B-C50C-407E-A947-70E740481C1C}">
+                <a14:useLocalDpi xmlns:a14="http://schemas.microsoft.com/office/drawing/2010/main" val="0"/>
+              </a:ext>
+            </a:extLst>
+          </a:blip>
+          <a:srcRect/>
+          <a:stretch>
+            <a:fillRect/>
+          </a:stretch>
+        </p:blipFill>
+        <p:spPr bwMode="auto">
+          <a:xfrm>
+            <a:off x="827584" y="1267675"/>
+            <a:ext cx="5209803" cy="2058508"/>
+          </a:xfrm>
+          <a:prstGeom prst="rect">
+            <a:avLst/>
+          </a:prstGeom>
+          <a:noFill/>
+          <a:ln>
+            <a:noFill/>
+          </a:ln>
+          <a:extLst>
+            <a:ext uri="{909E8E84-426E-40DD-AFC4-6F175D3DCCD1}">
+              <a14:hiddenFill xmlns:a14="http://schemas.microsoft.com/office/drawing/2010/main">
+                <a:solidFill>
+                  <a:schemeClr val="accent1"/>
+                </a:solidFill>
+              </a14:hiddenFill>
+            </a:ext>
+            <a:ext uri="{91240B29-F687-4F45-9708-019B960494DF}">
+              <a14:hiddenLine xmlns:a14="http://schemas.microsoft.com/office/drawing/2010/main" w="9525">
+                <a:solidFill>
+                  <a:schemeClr val="tx1"/>
+                </a:solidFill>
+                <a:miter lim="800000"/>
+                <a:headEnd/>
+                <a:tailEnd/>
+              </a14:hiddenLine>
+            </a:ext>
+          </a:extLst>
+        </p:spPr>
+      </p:pic>
+      <p:sp>
+        <p:nvSpPr>
+          <p:cNvPr id="31" name="Овал 30"/>
+          <p:cNvSpPr/>
+          <p:nvPr/>
+        </p:nvSpPr>
+        <p:spPr>
+          <a:xfrm>
+            <a:off x="5580112" y="4149080"/>
+            <a:ext cx="288032" cy="216024"/>
+          </a:xfrm>
+          <a:prstGeom prst="ellipse">
+            <a:avLst/>
+          </a:prstGeom>
+        </p:spPr>
+        <p:style>
+          <a:lnRef idx="1">
+            <a:schemeClr val="accent3"/>
+          </a:lnRef>
+          <a:fillRef idx="3">
+            <a:schemeClr val="accent3"/>
+          </a:fillRef>
+          <a:effectRef idx="2">
+            <a:schemeClr val="accent3"/>
+          </a:effectRef>
+          <a:fontRef idx="minor">
+            <a:schemeClr val="lt1"/>
+          </a:fontRef>
+        </p:style>
+        <p:txBody>
+          <a:bodyPr rtlCol="0" anchor="ctr"/>
+          <a:lstStyle/>
+          <a:p>
+            <a:pPr algn="ctr"/>
+            <a:endParaRPr lang="ru-RU"/>
+          </a:p>
+        </p:txBody>
+      </p:sp>
+      <p:sp>
+        <p:nvSpPr>
+          <p:cNvPr id="34" name="Овал 33"/>
+          <p:cNvSpPr/>
+          <p:nvPr/>
+        </p:nvSpPr>
+        <p:spPr>
+          <a:xfrm>
+            <a:off x="4644008" y="1772816"/>
+            <a:ext cx="288032" cy="216024"/>
+          </a:xfrm>
+          <a:prstGeom prst="ellipse">
+            <a:avLst/>
+          </a:prstGeom>
+        </p:spPr>
+        <p:style>
+          <a:lnRef idx="1">
+            <a:schemeClr val="accent3"/>
+          </a:lnRef>
+          <a:fillRef idx="3">
+            <a:schemeClr val="accent3"/>
+          </a:fillRef>
+          <a:effectRef idx="2">
+            <a:schemeClr val="accent3"/>
+          </a:effectRef>
+          <a:fontRef idx="minor">
+            <a:schemeClr val="lt1"/>
+          </a:fontRef>
+        </p:style>
+        <p:txBody>
+          <a:bodyPr rtlCol="0" anchor="ctr"/>
+          <a:lstStyle/>
+          <a:p>
+            <a:pPr algn="ctr"/>
+            <a:endParaRPr lang="ru-RU"/>
+          </a:p>
+        </p:txBody>
+      </p:sp>
+      <p:sp>
+        <p:nvSpPr>
+          <p:cNvPr id="35" name="Овал 34"/>
+          <p:cNvSpPr/>
+          <p:nvPr/>
+        </p:nvSpPr>
+        <p:spPr>
+          <a:xfrm>
+            <a:off x="3259088" y="3031056"/>
+            <a:ext cx="288032" cy="216024"/>
+          </a:xfrm>
+          <a:prstGeom prst="ellipse">
+            <a:avLst/>
+          </a:prstGeom>
+        </p:spPr>
+        <p:style>
+          <a:lnRef idx="0">
+            <a:schemeClr val="accent4"/>
+          </a:lnRef>
+          <a:fillRef idx="3">
+            <a:schemeClr val="accent4"/>
+          </a:fillRef>
+          <a:effectRef idx="3">
+            <a:schemeClr val="accent4"/>
+          </a:effectRef>
+          <a:fontRef idx="minor">
+            <a:schemeClr val="lt1"/>
+          </a:fontRef>
+        </p:style>
+        <p:txBody>
+          <a:bodyPr rtlCol="0" anchor="ctr"/>
+          <a:lstStyle/>
+          <a:p>
+            <a:pPr algn="ctr"/>
+            <a:endParaRPr lang="ru-RU"/>
+          </a:p>
+        </p:txBody>
+      </p:sp>
+      <p:sp>
+        <p:nvSpPr>
+          <p:cNvPr id="36" name="Овал 35"/>
+          <p:cNvSpPr/>
+          <p:nvPr/>
+        </p:nvSpPr>
+        <p:spPr>
+          <a:xfrm>
+            <a:off x="3707904" y="6309320"/>
+            <a:ext cx="288032" cy="216024"/>
+          </a:xfrm>
+          <a:prstGeom prst="ellipse">
+            <a:avLst/>
+          </a:prstGeom>
+        </p:spPr>
+        <p:style>
+          <a:lnRef idx="0">
+            <a:schemeClr val="accent4"/>
+          </a:lnRef>
+          <a:fillRef idx="3">
+            <a:schemeClr val="accent4"/>
+          </a:fillRef>
+          <a:effectRef idx="3">
+            <a:schemeClr val="accent4"/>
+          </a:effectRef>
+          <a:fontRef idx="minor">
+            <a:schemeClr val="lt1"/>
+          </a:fontRef>
+        </p:style>
+        <p:txBody>
+          <a:bodyPr rtlCol="0" anchor="ctr"/>
+          <a:lstStyle/>
+          <a:p>
+            <a:pPr algn="ctr"/>
+            <a:endParaRPr lang="ru-RU"/>
+          </a:p>
+        </p:txBody>
+      </p:sp>
+      <p:sp>
+        <p:nvSpPr>
+          <p:cNvPr id="32" name="Овал 31"/>
+          <p:cNvSpPr/>
+          <p:nvPr/>
+        </p:nvSpPr>
+        <p:spPr>
+          <a:xfrm>
+            <a:off x="1115616" y="4653136"/>
+            <a:ext cx="936104" cy="864096"/>
+          </a:xfrm>
+          <a:prstGeom prst="ellipse">
+            <a:avLst/>
+          </a:prstGeom>
+        </p:spPr>
+        <p:style>
+          <a:lnRef idx="1">
+            <a:schemeClr val="accent6"/>
+          </a:lnRef>
+          <a:fillRef idx="2">
+            <a:schemeClr val="accent6"/>
+          </a:fillRef>
+          <a:effectRef idx="1">
+            <a:schemeClr val="accent6"/>
+          </a:effectRef>
+          <a:fontRef idx="minor">
+            <a:schemeClr val="dk1"/>
+          </a:fontRef>
+        </p:style>
+        <p:txBody>
+          <a:bodyPr rtlCol="0" anchor="ctr"/>
+          <a:lstStyle/>
+          <a:p>
+            <a:pPr algn="ctr"/>
+            <a:endParaRPr lang="ru-RU"/>
+          </a:p>
+        </p:txBody>
+      </p:sp>
+      <p:cxnSp>
+        <p:nvCxnSpPr>
+          <p:cNvPr id="39" name="Прямая соединительная линия 38"/>
+          <p:cNvCxnSpPr>
+            <a:stCxn id="32" idx="7"/>
+          </p:cNvCxnSpPr>
+          <p:nvPr/>
+        </p:nvCxnSpPr>
+        <p:spPr>
+          <a:xfrm flipV="1">
+            <a:off x="1914631" y="4257092"/>
+            <a:ext cx="497129" cy="522588"/>
+          </a:xfrm>
+          <a:prstGeom prst="line">
+            <a:avLst/>
+          </a:prstGeom>
+          <a:ln w="38100">
+            <a:solidFill>
+              <a:srgbClr val="FFC000"/>
+            </a:solidFill>
+          </a:ln>
+        </p:spPr>
+        <p:style>
+          <a:lnRef idx="1">
+            <a:schemeClr val="accent1"/>
+          </a:lnRef>
+          <a:fillRef idx="0">
+            <a:schemeClr val="accent1"/>
+          </a:fillRef>
+          <a:effectRef idx="0">
+            <a:schemeClr val="accent1"/>
+          </a:effectRef>
+          <a:fontRef idx="minor">
+            <a:schemeClr val="tx1"/>
+          </a:fontRef>
+        </p:style>
+      </p:cxnSp>
+      <p:cxnSp>
+        <p:nvCxnSpPr>
+          <p:cNvPr id="41" name="Прямая соединительная линия 40"/>
+          <p:cNvCxnSpPr>
+            <a:stCxn id="32" idx="0"/>
+          </p:cNvCxnSpPr>
+          <p:nvPr/>
+        </p:nvCxnSpPr>
+        <p:spPr>
+          <a:xfrm flipV="1">
+            <a:off x="1583668" y="4077072"/>
+            <a:ext cx="0" cy="576064"/>
+          </a:xfrm>
+          <a:prstGeom prst="line">
+            <a:avLst/>
+          </a:prstGeom>
+          <a:ln w="38100">
+            <a:solidFill>
+              <a:srgbClr val="FFC000"/>
+            </a:solidFill>
+          </a:ln>
+        </p:spPr>
+        <p:style>
+          <a:lnRef idx="1">
+            <a:schemeClr val="accent1"/>
+          </a:lnRef>
+          <a:fillRef idx="0">
+            <a:schemeClr val="accent1"/>
+          </a:fillRef>
+          <a:effectRef idx="0">
+            <a:schemeClr val="accent1"/>
+          </a:effectRef>
+          <a:fontRef idx="minor">
+            <a:schemeClr val="tx1"/>
+          </a:fontRef>
+        </p:style>
+      </p:cxnSp>
+      <p:cxnSp>
+        <p:nvCxnSpPr>
+          <p:cNvPr id="47" name="Прямая соединительная линия 46"/>
+          <p:cNvCxnSpPr>
+            <a:stCxn id="32" idx="6"/>
+          </p:cNvCxnSpPr>
+          <p:nvPr/>
+        </p:nvCxnSpPr>
+        <p:spPr>
+          <a:xfrm>
+            <a:off x="2051720" y="5085184"/>
+            <a:ext cx="504056" cy="0"/>
+          </a:xfrm>
+          <a:prstGeom prst="line">
+            <a:avLst/>
+          </a:prstGeom>
+          <a:ln w="38100">
+            <a:solidFill>
+              <a:srgbClr val="FFC000"/>
+            </a:solidFill>
+          </a:ln>
+        </p:spPr>
+        <p:style>
+          <a:lnRef idx="1">
+            <a:schemeClr val="accent1"/>
+          </a:lnRef>
+          <a:fillRef idx="0">
+            <a:schemeClr val="accent1"/>
+          </a:fillRef>
+          <a:effectRef idx="0">
+            <a:schemeClr val="accent1"/>
+          </a:effectRef>
+          <a:fontRef idx="minor">
+            <a:schemeClr val="tx1"/>
+          </a:fontRef>
+        </p:style>
+      </p:cxnSp>
+      <p:cxnSp>
+        <p:nvCxnSpPr>
+          <p:cNvPr id="51" name="Прямая соединительная линия 50"/>
+          <p:cNvCxnSpPr>
+            <a:stCxn id="32" idx="5"/>
+          </p:cNvCxnSpPr>
+          <p:nvPr/>
+        </p:nvCxnSpPr>
+        <p:spPr>
+          <a:xfrm>
+            <a:off x="1914631" y="5390688"/>
+            <a:ext cx="497129" cy="414576"/>
+          </a:xfrm>
+          <a:prstGeom prst="line">
+            <a:avLst/>
+          </a:prstGeom>
+          <a:ln w="38100">
+            <a:solidFill>
+              <a:srgbClr val="FFC000"/>
+            </a:solidFill>
+          </a:ln>
+        </p:spPr>
+        <p:style>
+          <a:lnRef idx="1">
+            <a:schemeClr val="accent1"/>
+          </a:lnRef>
+          <a:fillRef idx="0">
+            <a:schemeClr val="accent1"/>
+          </a:fillRef>
+          <a:effectRef idx="0">
+            <a:schemeClr val="accent1"/>
+          </a:effectRef>
+          <a:fontRef idx="minor">
+            <a:schemeClr val="tx1"/>
+          </a:fontRef>
+        </p:style>
+      </p:cxnSp>
+      <p:cxnSp>
+        <p:nvCxnSpPr>
+          <p:cNvPr id="53" name="Прямая соединительная линия 52"/>
+          <p:cNvCxnSpPr>
+            <a:stCxn id="32" idx="1"/>
+          </p:cNvCxnSpPr>
+          <p:nvPr/>
+        </p:nvCxnSpPr>
+        <p:spPr>
+          <a:xfrm flipH="1" flipV="1">
+            <a:off x="971600" y="4518386"/>
+            <a:ext cx="281105" cy="261294"/>
+          </a:xfrm>
+          <a:prstGeom prst="line">
+            <a:avLst/>
+          </a:prstGeom>
+          <a:ln w="38100">
+            <a:solidFill>
+              <a:srgbClr val="FFC000"/>
+            </a:solidFill>
+          </a:ln>
+        </p:spPr>
+        <p:style>
+          <a:lnRef idx="1">
+            <a:schemeClr val="accent1"/>
+          </a:lnRef>
+          <a:fillRef idx="0">
+            <a:schemeClr val="accent1"/>
+          </a:fillRef>
+          <a:effectRef idx="0">
+            <a:schemeClr val="accent1"/>
+          </a:effectRef>
+          <a:fontRef idx="minor">
+            <a:schemeClr val="tx1"/>
+          </a:fontRef>
+        </p:style>
+      </p:cxnSp>
+      <p:cxnSp>
+        <p:nvCxnSpPr>
+          <p:cNvPr id="55" name="Прямая соединительная линия 54"/>
+          <p:cNvCxnSpPr>
+            <a:stCxn id="32" idx="4"/>
+          </p:cNvCxnSpPr>
+          <p:nvPr/>
+        </p:nvCxnSpPr>
+        <p:spPr>
+          <a:xfrm>
+            <a:off x="1583668" y="5517232"/>
+            <a:ext cx="0" cy="432048"/>
+          </a:xfrm>
+          <a:prstGeom prst="line">
+            <a:avLst/>
+          </a:prstGeom>
+          <a:ln w="38100">
+            <a:solidFill>
+              <a:srgbClr val="FFC000"/>
+            </a:solidFill>
+          </a:ln>
+        </p:spPr>
+        <p:style>
+          <a:lnRef idx="1">
+            <a:schemeClr val="accent1"/>
+          </a:lnRef>
+          <a:fillRef idx="0">
+            <a:schemeClr val="accent1"/>
+          </a:fillRef>
+          <a:effectRef idx="0">
+            <a:schemeClr val="accent1"/>
+          </a:effectRef>
+          <a:fontRef idx="minor">
+            <a:schemeClr val="tx1"/>
+          </a:fontRef>
+        </p:style>
+      </p:cxnSp>
+      <p:cxnSp>
+        <p:nvCxnSpPr>
+          <p:cNvPr id="57" name="Прямая соединительная линия 56"/>
+          <p:cNvCxnSpPr>
+            <a:stCxn id="32" idx="3"/>
+          </p:cNvCxnSpPr>
+          <p:nvPr/>
+        </p:nvCxnSpPr>
+        <p:spPr>
+          <a:xfrm flipH="1">
+            <a:off x="971600" y="5390688"/>
+            <a:ext cx="281105" cy="342568"/>
+          </a:xfrm>
+          <a:prstGeom prst="line">
+            <a:avLst/>
+          </a:prstGeom>
+          <a:ln w="38100">
+            <a:solidFill>
+              <a:srgbClr val="FFC000"/>
+            </a:solidFill>
+          </a:ln>
+        </p:spPr>
+        <p:style>
+          <a:lnRef idx="1">
+            <a:schemeClr val="accent1"/>
+          </a:lnRef>
+          <a:fillRef idx="0">
+            <a:schemeClr val="accent1"/>
+          </a:fillRef>
+          <a:effectRef idx="0">
+            <a:schemeClr val="accent1"/>
+          </a:effectRef>
+          <a:fontRef idx="minor">
+            <a:schemeClr val="tx1"/>
+          </a:fontRef>
+        </p:style>
+      </p:cxnSp>
+      <p:cxnSp>
+        <p:nvCxnSpPr>
+          <p:cNvPr id="59" name="Прямая соединительная линия 58"/>
+          <p:cNvCxnSpPr>
+            <a:stCxn id="32" idx="2"/>
+          </p:cNvCxnSpPr>
+          <p:nvPr/>
+        </p:nvCxnSpPr>
+        <p:spPr>
+          <a:xfrm flipH="1">
+            <a:off x="827584" y="5085184"/>
+            <a:ext cx="288032" cy="0"/>
+          </a:xfrm>
+          <a:prstGeom prst="line">
+            <a:avLst/>
+          </a:prstGeom>
+          <a:ln w="38100">
+            <a:solidFill>
+              <a:srgbClr val="FFC000"/>
+            </a:solidFill>
+          </a:ln>
+        </p:spPr>
+        <p:style>
+          <a:lnRef idx="1">
+            <a:schemeClr val="accent1"/>
+          </a:lnRef>
+          <a:fillRef idx="0">
+            <a:schemeClr val="accent1"/>
+          </a:fillRef>
+          <a:effectRef idx="0">
+            <a:schemeClr val="accent1"/>
+          </a:effectRef>
+          <a:fontRef idx="minor">
+            <a:schemeClr val="tx1"/>
+          </a:fontRef>
+        </p:style>
+      </p:cxnSp>
+    </p:spTree>
+    <p:extLst>
+      <p:ext uri="{BB962C8B-B14F-4D97-AF65-F5344CB8AC3E}">
+        <p14:creationId xmlns:p14="http://schemas.microsoft.com/office/powerpoint/2010/main" val="1699676828"/>
+      </p:ext>
+    </p:extLst>
+  </p:cSld>
+  <p:clrMapOvr>
+    <a:masterClrMapping/>
+  </p:clrMapOvr>
+  <p:timing>
+    <p:tnLst>
+      <p:par>
+        <p:cTn id="1" dur="indefinite" restart="never" nodeType="tmRoot"/>
+      </p:par>
+    </p:tnLst>
+  </p:timing>
+</p:sld>
+</file>
+
+<file path=ppt/slides/slide14.xml><?xml version="1.0" encoding="utf-8"?>
+<p:sld xmlns:a="http://schemas.openxmlformats.org/drawingml/2006/main" xmlns:r="http://schemas.openxmlformats.org/officeDocument/2006/relationships" xmlns:p="http://schemas.openxmlformats.org/presentationml/2006/main">
+  <p:cSld>
+    <p:spTree>
+      <p:nvGrpSpPr>
+        <p:cNvPr id="1" name=""/>
+        <p:cNvGrpSpPr/>
+        <p:nvPr/>
+      </p:nvGrpSpPr>
+      <p:grpSpPr>
+        <a:xfrm>
+          <a:off x="0" y="0"/>
+          <a:ext cx="0" cy="0"/>
+          <a:chOff x="0" y="0"/>
+          <a:chExt cx="0" cy="0"/>
+        </a:xfrm>
+      </p:grpSpPr>
+      <p:pic>
+        <p:nvPicPr>
+          <p:cNvPr id="5" name="tail.m4v">
+            <a:hlinkClick r:id="" action="ppaction://media"/>
+          </p:cNvPr>
+          <p:cNvPicPr>
+            <a:picLocks noGrp="1" noChangeAspect="1"/>
+          </p:cNvPicPr>
+          <p:nvPr>
+            <p:ph idx="1"/>
+            <a:videoFile r:link="rId2"/>
+            <p:extLst>
+              <p:ext uri="{DAA4B4D4-6D71-4841-9C94-3DE7FCFB9230}">
+                <p14:media xmlns:p14="http://schemas.microsoft.com/office/powerpoint/2010/main" r:embed="rId1"/>
+              </p:ext>
+            </p:extLst>
+          </p:nvPr>
+        </p:nvPicPr>
+        <p:blipFill>
+          <a:blip r:embed="rId5"/>
+          <a:stretch>
+            <a:fillRect/>
+          </a:stretch>
+        </p:blipFill>
+        <p:spPr>
+          <a:xfrm>
+            <a:off x="539552" y="188640"/>
+            <a:ext cx="8136904" cy="6103215"/>
+          </a:xfrm>
+          <a:prstGeom prst="rect">
+            <a:avLst/>
+          </a:prstGeom>
+          <a:noFill/>
+          <a:ln>
+            <a:noFill/>
+          </a:ln>
+        </p:spPr>
+      </p:pic>
+      <p:sp>
+        <p:nvSpPr>
+          <p:cNvPr id="2" name="Заголовок 1"/>
+          <p:cNvSpPr>
+            <a:spLocks noGrp="1"/>
+          </p:cNvSpPr>
+          <p:nvPr>
+            <p:ph type="title"/>
+          </p:nvPr>
+        </p:nvSpPr>
+        <p:spPr/>
+        <p:txBody>
+          <a:bodyPr>
+            <a:normAutofit fontScale="90000"/>
+          </a:bodyPr>
+          <a:lstStyle/>
+          <a:p>
+            <a:r>
+              <a:rPr lang="ru-RU" dirty="0" smtClean="0"/>
+              <a:t>Двумерный случай и шкура леопарда</a:t>
+            </a:r>
+            <a:endParaRPr lang="ru-RU" dirty="0"/>
+          </a:p>
+        </p:txBody>
+      </p:sp>
+    </p:spTree>
+    <p:extLst>
+      <p:ext uri="{BB962C8B-B14F-4D97-AF65-F5344CB8AC3E}">
+        <p14:creationId xmlns:p14="http://schemas.microsoft.com/office/powerpoint/2010/main" val="3659098404"/>
+      </p:ext>
+    </p:extLst>
+  </p:cSld>
+  <p:clrMapOvr>
+    <a:masterClrMapping/>
+  </p:clrMapOvr>
+  <p:timing>
+    <p:tnLst>
+      <p:par>
+        <p:cTn id="1" dur="indefinite" restart="never" nodeType="tmRoot">
+          <p:childTnLst>
+            <p:seq concurrent="1" nextAc="seek">
+              <p:cTn id="2" restart="whenNotActive" fill="hold" evtFilter="cancelBubble" nodeType="interactiveSeq">
+                <p:stCondLst>
+                  <p:cond evt="onClick" delay="0">
+                    <p:tgtEl>
+                      <p:spTgt spid="5"/>
+                    </p:tgtEl>
+                  </p:cond>
+                </p:stCondLst>
+                <p:endSync evt="end" delay="0">
+                  <p:rtn val="all"/>
+                </p:endSync>
+                <p:childTnLst>
+                  <p:par>
+                    <p:cTn id="3" fill="hold">
+                      <p:stCondLst>
+                        <p:cond delay="0"/>
+                      </p:stCondLst>
+                      <p:childTnLst>
+                        <p:par>
+                          <p:cTn id="4" fill="hold">
+                            <p:stCondLst>
+                              <p:cond delay="0"/>
+                            </p:stCondLst>
+                            <p:childTnLst>
+                              <p:par>
+                                <p:cTn id="5" presetID="2" presetClass="mediacall" presetSubtype="0" fill="hold" nodeType="clickEffect">
+                                  <p:stCondLst>
+                                    <p:cond delay="0"/>
+                                  </p:stCondLst>
+                                  <p:childTnLst>
+                                    <p:cmd type="call" cmd="togglePause">
+                                      <p:cBhvr>
+                                        <p:cTn id="6" dur="1" fill="hold"/>
+                                        <p:tgtEl>
+                                          <p:spTgt spid="5"/>
+                                        </p:tgtEl>
+                                      </p:cBhvr>
+                                    </p:cmd>
+                                  </p:childTnLst>
+                                </p:cTn>
+                              </p:par>
+                            </p:childTnLst>
+                          </p:cTn>
+                        </p:par>
+                      </p:childTnLst>
+                    </p:cTn>
+                  </p:par>
+                </p:childTnLst>
+              </p:cTn>
+              <p:nextCondLst>
+                <p:cond evt="onClick" delay="0">
+                  <p:tgtEl>
+                    <p:spTgt spid="5"/>
+                  </p:tgtEl>
+                </p:cond>
+              </p:nextCondLst>
+            </p:seq>
+            <p:video>
+              <p:cMediaNode vol="80000">
+                <p:cTn id="7" fill="hold" display="0">
+                  <p:stCondLst>
+                    <p:cond delay="indefinite"/>
+                  </p:stCondLst>
+                </p:cTn>
+                <p:tgtEl>
+                  <p:spTgt spid="5"/>
+                </p:tgtEl>
+              </p:cMediaNode>
+            </p:video>
+          </p:childTnLst>
+        </p:cTn>
+      </p:par>
+    </p:tnLst>
+  </p:timing>
+</p:sld>
+</file>
+
+<file path=ppt/slides/slide15.xml><?xml version="1.0" encoding="utf-8"?>
+<p:sld xmlns:a="http://schemas.openxmlformats.org/drawingml/2006/main" xmlns:r="http://schemas.openxmlformats.org/officeDocument/2006/relationships" xmlns:p="http://schemas.openxmlformats.org/presentationml/2006/main">
+  <p:cSld>
+    <p:spTree>
+      <p:nvGrpSpPr>
+        <p:cNvPr id="1" name=""/>
+        <p:cNvGrpSpPr/>
+        <p:nvPr/>
+      </p:nvGrpSpPr>
+      <p:grpSpPr>
+        <a:xfrm>
+          <a:off x="0" y="0"/>
+          <a:ext cx="0" cy="0"/>
+          <a:chOff x="0" y="0"/>
+          <a:chExt cx="0" cy="0"/>
+        </a:xfrm>
+      </p:grpSpPr>
+      <p:sp>
+        <p:nvSpPr>
+          <p:cNvPr id="2" name="Заголовок 1"/>
+          <p:cNvSpPr>
+            <a:spLocks noGrp="1"/>
+          </p:cNvSpPr>
+          <p:nvPr>
+            <p:ph type="title"/>
+          </p:nvPr>
+        </p:nvSpPr>
+        <p:spPr/>
+        <p:txBody>
+          <a:bodyPr/>
+          <a:lstStyle/>
+          <a:p>
+            <a:r>
+              <a:rPr lang="ru-RU" dirty="0" smtClean="0"/>
+              <a:t>Заключение</a:t>
+            </a:r>
+            <a:endParaRPr lang="ru-RU" dirty="0"/>
+          </a:p>
+        </p:txBody>
+      </p:sp>
+      <p:sp>
+        <p:nvSpPr>
+          <p:cNvPr id="3" name="Объект 2"/>
+          <p:cNvSpPr>
+            <a:spLocks noGrp="1"/>
+          </p:cNvSpPr>
+          <p:nvPr>
+            <p:ph idx="1"/>
+          </p:nvPr>
+        </p:nvSpPr>
+        <p:spPr/>
+        <p:txBody>
+          <a:bodyPr>
+            <a:normAutofit fontScale="85000" lnSpcReduction="20000"/>
+          </a:bodyPr>
+          <a:lstStyle/>
+          <a:p>
+            <a:r>
+              <a:rPr lang="ru-RU" dirty="0" smtClean="0"/>
+              <a:t>Мы получили простые уравнение, описывающие взаимодействие популяций хищников и жертв.</a:t>
+            </a:r>
+          </a:p>
+          <a:p>
+            <a:r>
+              <a:rPr lang="ru-RU" dirty="0" smtClean="0"/>
+              <a:t>Варьируя скорость миграции и начальные условия, мы получили поразительное многообразие решений.</a:t>
+            </a:r>
+          </a:p>
+          <a:p>
+            <a:r>
+              <a:rPr lang="ru-RU" dirty="0" smtClean="0"/>
+              <a:t>Аналогичные уравнения встречаются в природе повсеместно. Вместо хищников и жертв в них фигурируют концентрации химических веществ и даже электрическое и магнитное поле.</a:t>
+            </a:r>
+          </a:p>
+          <a:p>
+            <a:r>
+              <a:rPr lang="ru-RU" dirty="0" smtClean="0"/>
+              <a:t>Многообразие решений столь простых уравнений дает ключ к пониманию многообразия форм живой природы.</a:t>
+            </a:r>
+            <a:endParaRPr lang="ru-RU" dirty="0"/>
+          </a:p>
+        </p:txBody>
+      </p:sp>
+    </p:spTree>
+    <p:extLst>
+      <p:ext uri="{BB962C8B-B14F-4D97-AF65-F5344CB8AC3E}">
+        <p14:creationId xmlns:p14="http://schemas.microsoft.com/office/powerpoint/2010/main" val="3404183062"/>
+      </p:ext>
+    </p:extLst>
+  </p:cSld>
+  <p:clrMapOvr>
+    <a:masterClrMapping/>
+  </p:clrMapOvr>
 </p:sld>
 </file>
 
@@ -3359,6 +7263,13 @@
   <p:clrMapOvr>
     <a:masterClrMapping/>
   </p:clrMapOvr>
+  <p:timing>
+    <p:tnLst>
+      <p:par>
+        <p:cTn id="1" dur="indefinite" restart="never" nodeType="tmRoot"/>
+      </p:par>
+    </p:tnLst>
+  </p:timing>
 </p:sld>
 </file>
 
@@ -3491,6 +7402,13 @@
   <p:clrMapOvr>
     <a:masterClrMapping/>
   </p:clrMapOvr>
+  <p:timing>
+    <p:tnLst>
+      <p:par>
+        <p:cTn id="1" dur="indefinite" restart="never" nodeType="tmRoot"/>
+      </p:par>
+    </p:tnLst>
+  </p:timing>
 </p:sld>
 </file>
 
@@ -3753,7 +7671,7 @@
                 <a:avLst/>
               </a:prstGeom>
               <a:blipFill rotWithShape="1">
-                <a:blip r:embed="rId2"/>
+                <a:blip r:embed="rId3"/>
                 <a:stretch>
                   <a:fillRect/>
                 </a:stretch>
@@ -4500,7 +8418,7 @@
                 <a:avLst/>
               </a:prstGeom>
               <a:blipFill rotWithShape="1">
-                <a:blip r:embed="rId2"/>
+                <a:blip r:embed="rId3"/>
                 <a:stretch>
                   <a:fillRect/>
                 </a:stretch>
@@ -4712,27 +8630,7 @@
                   </a:schemeClr>
                 </a:solidFill>
               </a:rPr>
-              <a:t>Часть кроликов очень трудно </a:t>
-            </a:r>
-            <a:r>
-              <a:rPr lang="ru-RU" sz="1600" dirty="0" smtClean="0">
-                <a:solidFill>
-                  <a:schemeClr val="tx2">
-                    <a:lumMod val="75000"/>
-                  </a:schemeClr>
-                </a:solidFill>
-              </a:rPr>
-              <a:t>поймать, </a:t>
-            </a:r>
-            <a:r>
-              <a:rPr lang="ru-RU" sz="1600" dirty="0" smtClean="0">
-                <a:solidFill>
-                  <a:schemeClr val="tx2">
-                    <a:lumMod val="75000"/>
-                  </a:schemeClr>
-                </a:solidFill>
-              </a:rPr>
-              <a:t>и они спасают популяцию от полного истребления</a:t>
+              <a:t>Часть кроликов очень трудно поймать, и они спасают популяцию от полного истребления</a:t>
             </a:r>
             <a:endParaRPr lang="ru-RU" sz="1600" dirty="0">
               <a:solidFill>
@@ -4884,37 +8782,7 @@
                   </a:schemeClr>
                 </a:solidFill>
               </a:rPr>
-              <a:t>Время, которое уходит на то, чтобы поймать кролика, обратно пропорционально количеству кроликов, которых лиса в состоянии поймать, т.к. количество встреченных кроликов в единицу времени пропорционально их </a:t>
-            </a:r>
-            <a:r>
-              <a:rPr lang="ru-RU" sz="1600" dirty="0" smtClean="0">
-                <a:solidFill>
-                  <a:schemeClr val="tx2">
-                    <a:lumMod val="75000"/>
-                  </a:schemeClr>
-                </a:solidFill>
-              </a:rPr>
-              <a:t>общему </a:t>
-            </a:r>
-            <a:r>
-              <a:rPr lang="ru-RU" sz="1600" dirty="0" smtClean="0">
-                <a:solidFill>
-                  <a:schemeClr val="tx2">
-                    <a:lumMod val="75000"/>
-                  </a:schemeClr>
-                </a:solidFill>
-              </a:rPr>
-              <a:t>количеству</a:t>
-            </a:r>
-            <a:r>
-              <a:rPr lang="ru-RU" sz="1600" dirty="0" smtClean="0">
-                <a:solidFill>
-                  <a:schemeClr val="tx2">
-                    <a:lumMod val="75000"/>
-                  </a:schemeClr>
-                </a:solidFill>
-              </a:rPr>
-              <a:t>.</a:t>
+              <a:t>Время, которое уходит на то, чтобы поймать кролика, обратно пропорционально количеству кроликов, которых лиса в состоянии поймать, т.к. количество встреченных кроликов в единицу времени пропорционально их общему количеству.</a:t>
             </a:r>
             <a:endParaRPr lang="ru-RU" sz="1600" dirty="0">
               <a:solidFill>
@@ -5125,7 +8993,7 @@
                 <a:avLst/>
               </a:prstGeom>
               <a:blipFill rotWithShape="1">
-                <a:blip r:embed="rId2"/>
+                <a:blip r:embed="rId3"/>
                 <a:stretch>
                   <a:fillRect/>
                 </a:stretch>
@@ -5276,7 +9144,7 @@
                 <a:avLst/>
               </a:prstGeom>
               <a:blipFill rotWithShape="1">
-                <a:blip r:embed="rId3"/>
+                <a:blip r:embed="rId4"/>
                 <a:stretch>
                   <a:fillRect/>
                 </a:stretch>
@@ -6110,607 +9978,75 @@
         </p:nvSpPr>
         <p:spPr/>
         <p:txBody>
-          <a:bodyPr>
-            <a:normAutofit fontScale="90000"/>
-          </a:bodyPr>
+          <a:bodyPr/>
           <a:lstStyle/>
           <a:p>
             <a:r>
               <a:rPr lang="ru-RU" dirty="0" smtClean="0"/>
-              <a:t>Типы решений для одномерного кольца</a:t>
+              <a:t>Неустойчивое равновесие</a:t>
             </a:r>
             <a:endParaRPr lang="ru-RU" dirty="0"/>
           </a:p>
         </p:txBody>
       </p:sp>
-      <p:sp>
-        <p:nvSpPr>
-          <p:cNvPr id="5" name="Скругленный прямоугольник 4"/>
-          <p:cNvSpPr/>
+      <p:pic>
+        <p:nvPicPr>
+          <p:cNvPr id="1026" name="Picture 2" descr="C:\build\rabbits\equilibrium.png"/>
+          <p:cNvPicPr>
+            <a:picLocks noChangeAspect="1" noChangeArrowheads="1"/>
+          </p:cNvPicPr>
           <p:nvPr/>
-        </p:nvSpPr>
-        <p:spPr>
+        </p:nvPicPr>
+        <p:blipFill>
+          <a:blip r:embed="rId3">
+            <a:extLst>
+              <a:ext uri="{28A0092B-C50C-407E-A947-70E740481C1C}">
+                <a14:useLocalDpi xmlns:a14="http://schemas.microsoft.com/office/drawing/2010/main" val="0"/>
+              </a:ext>
+            </a:extLst>
+          </a:blip>
+          <a:srcRect/>
+          <a:stretch>
+            <a:fillRect/>
+          </a:stretch>
+        </p:blipFill>
+        <p:spPr bwMode="auto">
           <a:xfrm>
-            <a:off x="1043608" y="2060848"/>
-            <a:ext cx="1800200" cy="1188720"/>
-          </a:xfrm>
-          <a:prstGeom prst="roundRect">
-            <a:avLst/>
-          </a:prstGeom>
-        </p:spPr>
-        <p:style>
-          <a:lnRef idx="2">
-            <a:schemeClr val="accent1">
-              <a:shade val="50000"/>
-            </a:schemeClr>
-          </a:lnRef>
-          <a:fillRef idx="1">
-            <a:schemeClr val="accent1"/>
-          </a:fillRef>
-          <a:effectRef idx="0">
-            <a:schemeClr val="accent1"/>
-          </a:effectRef>
-          <a:fontRef idx="minor">
-            <a:schemeClr val="lt1"/>
-          </a:fontRef>
-        </p:style>
-        <p:txBody>
-          <a:bodyPr rtlCol="0" anchor="ctr"/>
-          <a:lstStyle/>
-          <a:p>
-            <a:pPr algn="ctr"/>
-            <a:r>
-              <a:rPr lang="ru-RU" dirty="0" smtClean="0"/>
-              <a:t>Структуры</a:t>
-            </a:r>
-            <a:endParaRPr lang="ru-RU" dirty="0"/>
-          </a:p>
-        </p:txBody>
-      </p:sp>
-      <p:sp>
-        <p:nvSpPr>
-          <p:cNvPr id="6" name="Скругленный прямоугольник 5"/>
-          <p:cNvSpPr/>
-          <p:nvPr/>
-        </p:nvSpPr>
-        <p:spPr>
-          <a:xfrm>
-            <a:off x="1043608" y="3501008"/>
-            <a:ext cx="1800200" cy="1188720"/>
-          </a:xfrm>
-          <a:prstGeom prst="roundRect">
-            <a:avLst/>
-          </a:prstGeom>
-        </p:spPr>
-        <p:style>
-          <a:lnRef idx="2">
-            <a:schemeClr val="accent1">
-              <a:shade val="50000"/>
-            </a:schemeClr>
-          </a:lnRef>
-          <a:fillRef idx="1">
-            <a:schemeClr val="accent1"/>
-          </a:fillRef>
-          <a:effectRef idx="0">
-            <a:schemeClr val="accent1"/>
-          </a:effectRef>
-          <a:fontRef idx="minor">
-            <a:schemeClr val="lt1"/>
-          </a:fontRef>
-        </p:style>
-        <p:txBody>
-          <a:bodyPr rtlCol="0" anchor="ctr"/>
-          <a:lstStyle/>
-          <a:p>
-            <a:pPr algn="ctr"/>
-            <a:r>
-              <a:rPr lang="ru-RU" dirty="0" smtClean="0"/>
-              <a:t>Волны</a:t>
-            </a:r>
-            <a:endParaRPr lang="ru-RU" dirty="0"/>
-          </a:p>
-        </p:txBody>
-      </p:sp>
-      <p:sp>
-        <p:nvSpPr>
-          <p:cNvPr id="7" name="Скругленный прямоугольник 6"/>
-          <p:cNvSpPr/>
-          <p:nvPr/>
-        </p:nvSpPr>
-        <p:spPr>
-          <a:xfrm>
-            <a:off x="1043608" y="4941168"/>
-            <a:ext cx="1800200" cy="1188720"/>
-          </a:xfrm>
-          <a:prstGeom prst="roundRect">
-            <a:avLst/>
-          </a:prstGeom>
-        </p:spPr>
-        <p:style>
-          <a:lnRef idx="2">
-            <a:schemeClr val="accent1">
-              <a:shade val="50000"/>
-            </a:schemeClr>
-          </a:lnRef>
-          <a:fillRef idx="1">
-            <a:schemeClr val="accent1"/>
-          </a:fillRef>
-          <a:effectRef idx="0">
-            <a:schemeClr val="accent1"/>
-          </a:effectRef>
-          <a:fontRef idx="minor">
-            <a:schemeClr val="lt1"/>
-          </a:fontRef>
-        </p:style>
-        <p:txBody>
-          <a:bodyPr rtlCol="0" anchor="ctr"/>
-          <a:lstStyle/>
-          <a:p>
-            <a:pPr algn="ctr"/>
-            <a:r>
-              <a:rPr lang="ru-RU" dirty="0" smtClean="0"/>
-              <a:t>Вспышки</a:t>
-            </a:r>
-            <a:endParaRPr lang="ru-RU" dirty="0"/>
-          </a:p>
-        </p:txBody>
-      </p:sp>
-      <p:sp>
-        <p:nvSpPr>
-          <p:cNvPr id="8" name="Скругленный прямоугольник 7"/>
-          <p:cNvSpPr/>
-          <p:nvPr/>
-        </p:nvSpPr>
-        <p:spPr>
-          <a:xfrm>
-            <a:off x="5076056" y="2060848"/>
-            <a:ext cx="1800200" cy="1188720"/>
-          </a:xfrm>
-          <a:prstGeom prst="roundRect">
-            <a:avLst/>
-          </a:prstGeom>
-          <a:solidFill>
-            <a:schemeClr val="accent1">
-              <a:alpha val="60000"/>
-            </a:schemeClr>
-          </a:solidFill>
-        </p:spPr>
-        <p:style>
-          <a:lnRef idx="2">
-            <a:schemeClr val="accent1">
-              <a:shade val="50000"/>
-            </a:schemeClr>
-          </a:lnRef>
-          <a:fillRef idx="1">
-            <a:schemeClr val="accent1"/>
-          </a:fillRef>
-          <a:effectRef idx="0">
-            <a:schemeClr val="accent1"/>
-          </a:effectRef>
-          <a:fontRef idx="minor">
-            <a:schemeClr val="lt1"/>
-          </a:fontRef>
-        </p:style>
-        <p:txBody>
-          <a:bodyPr rtlCol="0" anchor="ctr"/>
-          <a:lstStyle/>
-          <a:p>
-            <a:pPr algn="ctr"/>
-            <a:r>
-              <a:rPr lang="ru-RU" dirty="0" smtClean="0"/>
-              <a:t>Статическая</a:t>
-            </a:r>
-          </a:p>
-          <a:p>
-            <a:pPr algn="ctr"/>
-            <a:r>
-              <a:rPr lang="ru-RU" dirty="0" smtClean="0"/>
-              <a:t>структура</a:t>
-            </a:r>
-            <a:endParaRPr lang="ru-RU" dirty="0"/>
-          </a:p>
-        </p:txBody>
-      </p:sp>
-      <p:sp>
-        <p:nvSpPr>
-          <p:cNvPr id="10" name="Скругленный прямоугольник 9"/>
-          <p:cNvSpPr/>
-          <p:nvPr/>
-        </p:nvSpPr>
-        <p:spPr>
-          <a:xfrm>
-            <a:off x="6228184" y="4151801"/>
-            <a:ext cx="1800200" cy="1865495"/>
-          </a:xfrm>
-          <a:prstGeom prst="roundRect">
-            <a:avLst/>
-          </a:prstGeom>
-          <a:solidFill>
-            <a:schemeClr val="accent1">
-              <a:alpha val="60000"/>
-            </a:schemeClr>
-          </a:solidFill>
-        </p:spPr>
-        <p:style>
-          <a:lnRef idx="2">
-            <a:schemeClr val="accent1">
-              <a:shade val="50000"/>
-            </a:schemeClr>
-          </a:lnRef>
-          <a:fillRef idx="1">
-            <a:schemeClr val="accent1"/>
-          </a:fillRef>
-          <a:effectRef idx="0">
-            <a:schemeClr val="accent1"/>
-          </a:effectRef>
-          <a:fontRef idx="minor">
-            <a:schemeClr val="lt1"/>
-          </a:fontRef>
-        </p:style>
-        <p:txBody>
-          <a:bodyPr rtlCol="0" anchor="ctr"/>
-          <a:lstStyle/>
-          <a:p>
-            <a:pPr algn="ctr"/>
-            <a:r>
-              <a:rPr lang="ru-RU" dirty="0" smtClean="0"/>
-              <a:t>Вспышки</a:t>
-            </a:r>
-            <a:endParaRPr lang="ru-RU" dirty="0"/>
-          </a:p>
-        </p:txBody>
-      </p:sp>
-      <p:sp>
-        <p:nvSpPr>
-          <p:cNvPr id="11" name="Скругленный прямоугольник 10"/>
-          <p:cNvSpPr/>
-          <p:nvPr/>
-        </p:nvSpPr>
-        <p:spPr>
-          <a:xfrm>
-            <a:off x="4211960" y="3420745"/>
-            <a:ext cx="1512168" cy="1462114"/>
-          </a:xfrm>
-          <a:prstGeom prst="roundRect">
-            <a:avLst/>
-          </a:prstGeom>
-          <a:solidFill>
-            <a:schemeClr val="accent1">
-              <a:alpha val="60000"/>
-            </a:schemeClr>
-          </a:solidFill>
-        </p:spPr>
-        <p:style>
-          <a:lnRef idx="2">
-            <a:schemeClr val="accent1">
-              <a:shade val="50000"/>
-            </a:schemeClr>
-          </a:lnRef>
-          <a:fillRef idx="1">
-            <a:schemeClr val="accent1"/>
-          </a:fillRef>
-          <a:effectRef idx="0">
-            <a:schemeClr val="accent1"/>
-          </a:effectRef>
-          <a:fontRef idx="minor">
-            <a:schemeClr val="lt1"/>
-          </a:fontRef>
-        </p:style>
-        <p:txBody>
-          <a:bodyPr rtlCol="0" anchor="ctr"/>
-          <a:lstStyle/>
-          <a:p>
-            <a:pPr algn="ctr"/>
-            <a:r>
-              <a:rPr lang="ru-RU" dirty="0" smtClean="0"/>
-              <a:t>Кольцевая</a:t>
-            </a:r>
-          </a:p>
-          <a:p>
-            <a:pPr algn="ctr"/>
-            <a:r>
-              <a:rPr lang="ru-RU" dirty="0" smtClean="0"/>
-              <a:t>волна</a:t>
-            </a:r>
-            <a:endParaRPr lang="ru-RU" dirty="0"/>
-          </a:p>
-        </p:txBody>
-      </p:sp>
-      <p:sp>
-        <p:nvSpPr>
-          <p:cNvPr id="9" name="Скругленный прямоугольник 8"/>
-          <p:cNvSpPr/>
-          <p:nvPr/>
-        </p:nvSpPr>
-        <p:spPr>
-          <a:xfrm>
-            <a:off x="5940152" y="3420745"/>
-            <a:ext cx="1800199" cy="1462114"/>
-          </a:xfrm>
-          <a:prstGeom prst="roundRect">
-            <a:avLst/>
-          </a:prstGeom>
-          <a:solidFill>
-            <a:schemeClr val="accent1">
-              <a:alpha val="60000"/>
-            </a:schemeClr>
-          </a:solidFill>
-        </p:spPr>
-        <p:style>
-          <a:lnRef idx="2">
-            <a:schemeClr val="accent1">
-              <a:shade val="50000"/>
-            </a:schemeClr>
-          </a:lnRef>
-          <a:fillRef idx="1">
-            <a:schemeClr val="accent1"/>
-          </a:fillRef>
-          <a:effectRef idx="0">
-            <a:schemeClr val="accent1"/>
-          </a:effectRef>
-          <a:fontRef idx="minor">
-            <a:schemeClr val="lt1"/>
-          </a:fontRef>
-        </p:style>
-        <p:txBody>
-          <a:bodyPr rtlCol="0" anchor="ctr"/>
-          <a:lstStyle/>
-          <a:p>
-            <a:pPr algn="ctr"/>
-            <a:r>
-              <a:rPr lang="ru-RU" dirty="0" smtClean="0"/>
-              <a:t>Динамическая</a:t>
-            </a:r>
-          </a:p>
-          <a:p>
-            <a:pPr algn="ctr"/>
-            <a:r>
-              <a:rPr lang="ru-RU" dirty="0" smtClean="0"/>
-              <a:t>структура</a:t>
-            </a:r>
-            <a:endParaRPr lang="ru-RU" dirty="0"/>
-          </a:p>
-        </p:txBody>
-      </p:sp>
-      <p:sp>
-        <p:nvSpPr>
-          <p:cNvPr id="12" name="TextBox 11"/>
-          <p:cNvSpPr txBox="1"/>
-          <p:nvPr/>
-        </p:nvSpPr>
-        <p:spPr>
-          <a:xfrm>
-            <a:off x="695591" y="1534065"/>
-            <a:ext cx="2148217" cy="369332"/>
+            <a:off x="971600" y="1124744"/>
+            <a:ext cx="7315200" cy="5459413"/>
           </a:xfrm>
           <a:prstGeom prst="rect">
             <a:avLst/>
           </a:prstGeom>
           <a:noFill/>
+          <a:extLst>
+            <a:ext uri="{909E8E84-426E-40DD-AFC4-6F175D3DCCD1}">
+              <a14:hiddenFill xmlns:a14="http://schemas.microsoft.com/office/drawing/2010/main">
+                <a:solidFill>
+                  <a:srgbClr val="FFFFFF"/>
+                </a:solidFill>
+              </a14:hiddenFill>
+            </a:ext>
+          </a:extLst>
         </p:spPr>
-        <p:txBody>
-          <a:bodyPr wrap="none" rtlCol="0">
-            <a:spAutoFit/>
-          </a:bodyPr>
-          <a:lstStyle/>
-          <a:p>
-            <a:r>
-              <a:rPr lang="ru-RU" i="1" dirty="0" smtClean="0">
-                <a:solidFill>
-                  <a:srgbClr val="0070C0"/>
-                </a:solidFill>
-              </a:rPr>
-              <a:t>Переходный режим</a:t>
-            </a:r>
-            <a:endParaRPr lang="ru-RU" i="1" dirty="0">
-              <a:solidFill>
-                <a:srgbClr val="0070C0"/>
-              </a:solidFill>
-            </a:endParaRPr>
-          </a:p>
-        </p:txBody>
-      </p:sp>
-      <p:sp>
-        <p:nvSpPr>
-          <p:cNvPr id="13" name="TextBox 12"/>
-          <p:cNvSpPr txBox="1"/>
-          <p:nvPr/>
-        </p:nvSpPr>
-        <p:spPr>
-          <a:xfrm>
-            <a:off x="5592134" y="1537326"/>
-            <a:ext cx="2455159" cy="369332"/>
-          </a:xfrm>
-          <a:prstGeom prst="rect">
-            <a:avLst/>
-          </a:prstGeom>
-          <a:noFill/>
-        </p:spPr>
-        <p:txBody>
-          <a:bodyPr wrap="none" rtlCol="0">
-            <a:spAutoFit/>
-          </a:bodyPr>
-          <a:lstStyle/>
-          <a:p>
-            <a:r>
-              <a:rPr lang="ru-RU" i="1" dirty="0" smtClean="0">
-                <a:solidFill>
-                  <a:srgbClr val="0070C0"/>
-                </a:solidFill>
-              </a:rPr>
-              <a:t>Стационарный режим</a:t>
-            </a:r>
-            <a:endParaRPr lang="ru-RU" i="1" dirty="0">
-              <a:solidFill>
-                <a:srgbClr val="0070C0"/>
-              </a:solidFill>
-            </a:endParaRPr>
-          </a:p>
-        </p:txBody>
-      </p:sp>
-      <p:cxnSp>
-        <p:nvCxnSpPr>
-          <p:cNvPr id="15" name="Прямая со стрелкой 14"/>
-          <p:cNvCxnSpPr/>
-          <p:nvPr/>
-        </p:nvCxnSpPr>
-        <p:spPr>
-          <a:xfrm>
-            <a:off x="3419872" y="2276872"/>
-            <a:ext cx="0" cy="3672408"/>
-          </a:xfrm>
-          <a:prstGeom prst="straightConnector1">
-            <a:avLst/>
-          </a:prstGeom>
-          <a:ln w="19050" cmpd="sng">
-            <a:headEnd type="arrow"/>
-            <a:tailEnd type="arrow"/>
-          </a:ln>
-        </p:spPr>
-        <p:style>
-          <a:lnRef idx="1">
-            <a:schemeClr val="accent1"/>
-          </a:lnRef>
-          <a:fillRef idx="0">
-            <a:schemeClr val="accent1"/>
-          </a:fillRef>
-          <a:effectRef idx="0">
-            <a:schemeClr val="accent1"/>
-          </a:effectRef>
-          <a:fontRef idx="minor">
-            <a:schemeClr val="tx1"/>
-          </a:fontRef>
-        </p:style>
-      </p:cxnSp>
-      <p:sp>
-        <p:nvSpPr>
-          <p:cNvPr id="19" name="TextBox 18"/>
-          <p:cNvSpPr txBox="1"/>
-          <p:nvPr/>
-        </p:nvSpPr>
-        <p:spPr>
-          <a:xfrm>
-            <a:off x="3527884" y="1738223"/>
-            <a:ext cx="1548172" cy="646331"/>
-          </a:xfrm>
-          <a:prstGeom prst="rect">
-            <a:avLst/>
-          </a:prstGeom>
-          <a:noFill/>
-        </p:spPr>
-        <p:txBody>
-          <a:bodyPr wrap="square" rtlCol="0">
-            <a:spAutoFit/>
-          </a:bodyPr>
-          <a:lstStyle/>
-          <a:p>
-            <a:r>
-              <a:rPr lang="ru-RU" i="1" dirty="0" smtClean="0">
-                <a:solidFill>
-                  <a:srgbClr val="0070C0"/>
-                </a:solidFill>
-              </a:rPr>
-              <a:t>Медленные кролики</a:t>
-            </a:r>
-            <a:endParaRPr lang="ru-RU" i="1" dirty="0">
-              <a:solidFill>
-                <a:srgbClr val="0070C0"/>
-              </a:solidFill>
-            </a:endParaRPr>
-          </a:p>
-        </p:txBody>
-      </p:sp>
-      <p:sp>
-        <p:nvSpPr>
-          <p:cNvPr id="20" name="TextBox 19"/>
-          <p:cNvSpPr txBox="1"/>
-          <p:nvPr/>
-        </p:nvSpPr>
-        <p:spPr>
-          <a:xfrm>
-            <a:off x="3527884" y="5535528"/>
-            <a:ext cx="1548172" cy="646331"/>
-          </a:xfrm>
-          <a:prstGeom prst="rect">
-            <a:avLst/>
-          </a:prstGeom>
-          <a:noFill/>
-        </p:spPr>
-        <p:txBody>
-          <a:bodyPr wrap="square" rtlCol="0">
-            <a:spAutoFit/>
-          </a:bodyPr>
-          <a:lstStyle/>
-          <a:p>
-            <a:r>
-              <a:rPr lang="ru-RU" i="1" dirty="0" smtClean="0">
-                <a:solidFill>
-                  <a:srgbClr val="0070C0"/>
-                </a:solidFill>
-              </a:rPr>
-              <a:t>Быстрые кролики</a:t>
-            </a:r>
-            <a:endParaRPr lang="ru-RU" i="1" dirty="0">
-              <a:solidFill>
-                <a:srgbClr val="0070C0"/>
-              </a:solidFill>
-            </a:endParaRPr>
-          </a:p>
-        </p:txBody>
-      </p:sp>
-      <p:sp>
-        <p:nvSpPr>
-          <p:cNvPr id="21" name="Стрелка вправо 20"/>
-          <p:cNvSpPr/>
-          <p:nvPr/>
-        </p:nvSpPr>
-        <p:spPr>
-          <a:xfrm>
-            <a:off x="3203848" y="3897052"/>
-            <a:ext cx="720080" cy="432048"/>
-          </a:xfrm>
-          <a:prstGeom prst="rightArrow">
-            <a:avLst/>
-          </a:prstGeom>
-          <a:solidFill>
-            <a:srgbClr val="00B0F0"/>
-          </a:solidFill>
-        </p:spPr>
-        <p:style>
-          <a:lnRef idx="2">
-            <a:schemeClr val="accent1">
-              <a:shade val="50000"/>
-            </a:schemeClr>
-          </a:lnRef>
-          <a:fillRef idx="1">
-            <a:schemeClr val="accent1"/>
-          </a:fillRef>
-          <a:effectRef idx="0">
-            <a:schemeClr val="accent1"/>
-          </a:effectRef>
-          <a:fontRef idx="minor">
-            <a:schemeClr val="lt1"/>
-          </a:fontRef>
-        </p:style>
-        <p:txBody>
-          <a:bodyPr rtlCol="0" anchor="ctr"/>
-          <a:lstStyle/>
-          <a:p>
-            <a:pPr algn="ctr"/>
-            <a:endParaRPr lang="ru-RU"/>
-          </a:p>
-        </p:txBody>
-      </p:sp>
+      </p:pic>
     </p:spTree>
     <p:extLst>
       <p:ext uri="{BB962C8B-B14F-4D97-AF65-F5344CB8AC3E}">
-        <p14:creationId xmlns:p14="http://schemas.microsoft.com/office/powerpoint/2010/main" val="285989872"/>
+        <p14:creationId xmlns:p14="http://schemas.microsoft.com/office/powerpoint/2010/main" val="2951790432"/>
       </p:ext>
     </p:extLst>
   </p:cSld>
   <p:clrMapOvr>
     <a:masterClrMapping/>
   </p:clrMapOvr>
+  <p:timing>
+    <p:tnLst>
+      <p:par>
+        <p:cTn id="1" dur="indefinite" restart="never" nodeType="tmRoot"/>
+      </p:par>
+    </p:tnLst>
+  </p:timing>
 </p:sld>
 </file>
 
@@ -6995,4 +10331,289 @@
   <a:objectDefaults/>
   <a:extraClrSchemeLst/>
 </a:theme>
+</file>
+
+<file path=ppt/theme/theme2.xml><?xml version="1.0" encoding="utf-8"?>
+<a:theme xmlns:a="http://schemas.openxmlformats.org/drawingml/2006/main" name="Тема Office">
+  <a:themeElements>
+    <a:clrScheme name="Стандартная">
+      <a:dk1>
+        <a:sysClr val="windowText" lastClr="000000"/>
+      </a:dk1>
+      <a:lt1>
+        <a:sysClr val="window" lastClr="FFFFFF"/>
+      </a:lt1>
+      <a:dk2>
+        <a:srgbClr val="1F497D"/>
+      </a:dk2>
+      <a:lt2>
+        <a:srgbClr val="EEECE1"/>
+      </a:lt2>
+      <a:accent1>
+        <a:srgbClr val="4F81BD"/>
+      </a:accent1>
+      <a:accent2>
+        <a:srgbClr val="C0504D"/>
+      </a:accent2>
+      <a:accent3>
+        <a:srgbClr val="9BBB59"/>
+      </a:accent3>
+      <a:accent4>
+        <a:srgbClr val="8064A2"/>
+      </a:accent4>
+      <a:accent5>
+        <a:srgbClr val="4BACC6"/>
+      </a:accent5>
+      <a:accent6>
+        <a:srgbClr val="F79646"/>
+      </a:accent6>
+      <a:hlink>
+        <a:srgbClr val="0000FF"/>
+      </a:hlink>
+      <a:folHlink>
+        <a:srgbClr val="800080"/>
+      </a:folHlink>
+    </a:clrScheme>
+    <a:fontScheme name="Стандартная">
+      <a:majorFont>
+        <a:latin typeface="Calibri"/>
+        <a:ea typeface=""/>
+        <a:cs typeface=""/>
+        <a:font script="Jpan" typeface="ＭＳ Ｐゴシック"/>
+        <a:font script="Hang" typeface="맑은 고딕"/>
+        <a:font script="Hans" typeface="宋体"/>
+        <a:font script="Hant" typeface="新細明體"/>
+        <a:font script="Arab" typeface="Times New Roman"/>
+        <a:font script="Hebr" typeface="Times New Roman"/>
+        <a:font script="Thai" typeface="Angsana New"/>
+        <a:font script="Ethi" typeface="Nyala"/>
+        <a:font script="Beng" typeface="Vrinda"/>
+        <a:font script="Gujr" typeface="Shruti"/>
+        <a:font script="Khmr" typeface="MoolBoran"/>
+        <a:font script="Knda" typeface="Tunga"/>
+        <a:font script="Guru" typeface="Raavi"/>
+        <a:font script="Cans" typeface="Euphemia"/>
+        <a:font script="Cher" typeface="Plantagenet Cherokee"/>
+        <a:font script="Yiii" typeface="Microsoft Yi Baiti"/>
+        <a:font script="Tibt" typeface="Microsoft Himalaya"/>
+        <a:font script="Thaa" typeface="MV Boli"/>
+        <a:font script="Deva" typeface="Mangal"/>
+        <a:font script="Telu" typeface="Gautami"/>
+        <a:font script="Taml" typeface="Latha"/>
+        <a:font script="Syrc" typeface="Estrangelo Edessa"/>
+        <a:font script="Orya" typeface="Kalinga"/>
+        <a:font script="Mlym" typeface="Kartika"/>
+        <a:font script="Laoo" typeface="DokChampa"/>
+        <a:font script="Sinh" typeface="Iskoola Pota"/>
+        <a:font script="Mong" typeface="Mongolian Baiti"/>
+        <a:font script="Viet" typeface="Times New Roman"/>
+        <a:font script="Uigh" typeface="Microsoft Uighur"/>
+        <a:font script="Geor" typeface="Sylfaen"/>
+      </a:majorFont>
+      <a:minorFont>
+        <a:latin typeface="Calibri"/>
+        <a:ea typeface=""/>
+        <a:cs typeface=""/>
+        <a:font script="Jpan" typeface="ＭＳ Ｐゴシック"/>
+        <a:font script="Hang" typeface="맑은 고딕"/>
+        <a:font script="Hans" typeface="宋体"/>
+        <a:font script="Hant" typeface="新細明體"/>
+        <a:font script="Arab" typeface="Arial"/>
+        <a:font script="Hebr" typeface="Arial"/>
+        <a:font script="Thai" typeface="Cordia New"/>
+        <a:font script="Ethi" typeface="Nyala"/>
+        <a:font script="Beng" typeface="Vrinda"/>
+        <a:font script="Gujr" typeface="Shruti"/>
+        <a:font script="Khmr" typeface="DaunPenh"/>
+        <a:font script="Knda" typeface="Tunga"/>
+        <a:font script="Guru" typeface="Raavi"/>
+        <a:font script="Cans" typeface="Euphemia"/>
+        <a:font script="Cher" typeface="Plantagenet Cherokee"/>
+        <a:font script="Yiii" typeface="Microsoft Yi Baiti"/>
+        <a:font script="Tibt" typeface="Microsoft Himalaya"/>
+        <a:font script="Thaa" typeface="MV Boli"/>
+        <a:font script="Deva" typeface="Mangal"/>
+        <a:font script="Telu" typeface="Gautami"/>
+        <a:font script="Taml" typeface="Latha"/>
+        <a:font script="Syrc" typeface="Estrangelo Edessa"/>
+        <a:font script="Orya" typeface="Kalinga"/>
+        <a:font script="Mlym" typeface="Kartika"/>
+        <a:font script="Laoo" typeface="DokChampa"/>
+        <a:font script="Sinh" typeface="Iskoola Pota"/>
+        <a:font script="Mong" typeface="Mongolian Baiti"/>
+        <a:font script="Viet" typeface="Arial"/>
+        <a:font script="Uigh" typeface="Microsoft Uighur"/>
+        <a:font script="Geor" typeface="Sylfaen"/>
+      </a:minorFont>
+    </a:fontScheme>
+    <a:fmtScheme name="Стандартная">
+      <a:fillStyleLst>
+        <a:solidFill>
+          <a:schemeClr val="phClr"/>
+        </a:solidFill>
+        <a:gradFill rotWithShape="1">
+          <a:gsLst>
+            <a:gs pos="0">
+              <a:schemeClr val="phClr">
+                <a:tint val="50000"/>
+                <a:satMod val="300000"/>
+              </a:schemeClr>
+            </a:gs>
+            <a:gs pos="35000">
+              <a:schemeClr val="phClr">
+                <a:tint val="37000"/>
+                <a:satMod val="300000"/>
+              </a:schemeClr>
+            </a:gs>
+            <a:gs pos="100000">
+              <a:schemeClr val="phClr">
+                <a:tint val="15000"/>
+                <a:satMod val="350000"/>
+              </a:schemeClr>
+            </a:gs>
+          </a:gsLst>
+          <a:lin ang="16200000" scaled="1"/>
+        </a:gradFill>
+        <a:gradFill rotWithShape="1">
+          <a:gsLst>
+            <a:gs pos="0">
+              <a:schemeClr val="phClr">
+                <a:shade val="51000"/>
+                <a:satMod val="130000"/>
+              </a:schemeClr>
+            </a:gs>
+            <a:gs pos="80000">
+              <a:schemeClr val="phClr">
+                <a:shade val="93000"/>
+                <a:satMod val="130000"/>
+              </a:schemeClr>
+            </a:gs>
+            <a:gs pos="100000">
+              <a:schemeClr val="phClr">
+                <a:shade val="94000"/>
+                <a:satMod val="135000"/>
+              </a:schemeClr>
+            </a:gs>
+          </a:gsLst>
+          <a:lin ang="16200000" scaled="0"/>
+        </a:gradFill>
+      </a:fillStyleLst>
+      <a:lnStyleLst>
+        <a:ln w="9525" cap="flat" cmpd="sng" algn="ctr">
+          <a:solidFill>
+            <a:schemeClr val="phClr">
+              <a:shade val="95000"/>
+              <a:satMod val="105000"/>
+            </a:schemeClr>
+          </a:solidFill>
+          <a:prstDash val="solid"/>
+        </a:ln>
+        <a:ln w="25400" cap="flat" cmpd="sng" algn="ctr">
+          <a:solidFill>
+            <a:schemeClr val="phClr"/>
+          </a:solidFill>
+          <a:prstDash val="solid"/>
+        </a:ln>
+        <a:ln w="38100" cap="flat" cmpd="sng" algn="ctr">
+          <a:solidFill>
+            <a:schemeClr val="phClr"/>
+          </a:solidFill>
+          <a:prstDash val="solid"/>
+        </a:ln>
+      </a:lnStyleLst>
+      <a:effectStyleLst>
+        <a:effectStyle>
+          <a:effectLst>
+            <a:outerShdw blurRad="40000" dist="20000" dir="5400000" rotWithShape="0">
+              <a:srgbClr val="000000">
+                <a:alpha val="38000"/>
+              </a:srgbClr>
+            </a:outerShdw>
+          </a:effectLst>
+        </a:effectStyle>
+        <a:effectStyle>
+          <a:effectLst>
+            <a:outerShdw blurRad="40000" dist="23000" dir="5400000" rotWithShape="0">
+              <a:srgbClr val="000000">
+                <a:alpha val="35000"/>
+              </a:srgbClr>
+            </a:outerShdw>
+          </a:effectLst>
+        </a:effectStyle>
+        <a:effectStyle>
+          <a:effectLst>
+            <a:outerShdw blurRad="40000" dist="23000" dir="5400000" rotWithShape="0">
+              <a:srgbClr val="000000">
+                <a:alpha val="35000"/>
+              </a:srgbClr>
+            </a:outerShdw>
+          </a:effectLst>
+          <a:scene3d>
+            <a:camera prst="orthographicFront">
+              <a:rot lat="0" lon="0" rev="0"/>
+            </a:camera>
+            <a:lightRig rig="threePt" dir="t">
+              <a:rot lat="0" lon="0" rev="1200000"/>
+            </a:lightRig>
+          </a:scene3d>
+          <a:sp3d>
+            <a:bevelT w="63500" h="25400"/>
+          </a:sp3d>
+        </a:effectStyle>
+      </a:effectStyleLst>
+      <a:bgFillStyleLst>
+        <a:solidFill>
+          <a:schemeClr val="phClr"/>
+        </a:solidFill>
+        <a:gradFill rotWithShape="1">
+          <a:gsLst>
+            <a:gs pos="0">
+              <a:schemeClr val="phClr">
+                <a:tint val="40000"/>
+                <a:satMod val="350000"/>
+              </a:schemeClr>
+            </a:gs>
+            <a:gs pos="40000">
+              <a:schemeClr val="phClr">
+                <a:tint val="45000"/>
+                <a:shade val="99000"/>
+                <a:satMod val="350000"/>
+              </a:schemeClr>
+            </a:gs>
+            <a:gs pos="100000">
+              <a:schemeClr val="phClr">
+                <a:shade val="20000"/>
+                <a:satMod val="255000"/>
+              </a:schemeClr>
+            </a:gs>
+          </a:gsLst>
+          <a:path path="circle">
+            <a:fillToRect l="50000" t="-80000" r="50000" b="180000"/>
+          </a:path>
+        </a:gradFill>
+        <a:gradFill rotWithShape="1">
+          <a:gsLst>
+            <a:gs pos="0">
+              <a:schemeClr val="phClr">
+                <a:tint val="80000"/>
+                <a:satMod val="300000"/>
+              </a:schemeClr>
+            </a:gs>
+            <a:gs pos="100000">
+              <a:schemeClr val="phClr">
+                <a:shade val="30000"/>
+                <a:satMod val="200000"/>
+              </a:schemeClr>
+            </a:gs>
+          </a:gsLst>
+          <a:path path="circle">
+            <a:fillToRect l="50000" t="50000" r="50000" b="50000"/>
+          </a:path>
+        </a:gradFill>
+      </a:bgFillStyleLst>
+    </a:fmtScheme>
+  </a:themeElements>
+  <a:objectDefaults/>
+  <a:extraClrSchemeLst/>
+</a:theme>
 </file>